--- a/Docs/litrature Review/CDU screens for Nav Radio 2410141310.pptx
+++ b/Docs/litrature Review/CDU screens for Nav Radio 2410141310.pptx
@@ -1,20 +1,20 @@
 
 <file path=ppt/presentation.xml><?xml version="1.0" encoding="utf-8"?>
-<p:presentation xmlns:a="http://schemas.openxmlformats.org/drawingml/2006/main" xmlns:r="http://schemas.openxmlformats.org/officeDocument/2006/relationships" xmlns:p="http://schemas.openxmlformats.org/presentationml/2006/main" saveSubsetFonts="1">
+<p:presentation xmlns:a="http://schemas.openxmlformats.org/drawingml/2006/main" xmlns:r="http://schemas.openxmlformats.org/officeDocument/2006/relationships" xmlns:p="http://schemas.openxmlformats.org/presentationml/2006/main">
   <p:sldMasterIdLst>
     <p:sldMasterId id="2147483648" r:id="rId1"/>
   </p:sldMasterIdLst>
   <p:notesMasterIdLst>
-    <p:notesMasterId r:id="rId9"/>
+    <p:notesMasterId r:id="rId5"/>
   </p:notesMasterIdLst>
   <p:sldIdLst>
-    <p:sldId id="256" r:id="rId2"/>
-    <p:sldId id="257" r:id="rId3"/>
-    <p:sldId id="258" r:id="rId4"/>
-    <p:sldId id="259" r:id="rId5"/>
-    <p:sldId id="261" r:id="rId6"/>
-    <p:sldId id="260" r:id="rId7"/>
-    <p:sldId id="262" r:id="rId8"/>
+    <p:sldId id="256" r:id="rId3"/>
+    <p:sldId id="257" r:id="rId4"/>
+    <p:sldId id="258" r:id="rId6"/>
+    <p:sldId id="259" r:id="rId7"/>
+    <p:sldId id="261" r:id="rId8"/>
+    <p:sldId id="260" r:id="rId9"/>
+    <p:sldId id="262" r:id="rId10"/>
   </p:sldIdLst>
   <p:sldSz cx="9144000" cy="6858000" type="screen4x3"/>
   <p:notesSz cx="6858000" cy="9144000"/>
@@ -113,6 +113,22 @@
       </a:defRPr>
     </a:lvl9pPr>
   </p:defaultTextStyle>
+  <p:extLst>
+    <p:ext uri="{EFAFB233-063F-42B5-8137-9DF3F51BA10A}">
+      <p15:sldGuideLst xmlns:p15="http://schemas.microsoft.com/office/powerpoint/2012/main">
+        <p15:guide id="1" orient="horz" pos="2160" userDrawn="1">
+          <p15:clr>
+            <a:srgbClr val="A4A3A4"/>
+          </p15:clr>
+        </p15:guide>
+        <p15:guide id="2" pos="2880" userDrawn="1">
+          <p15:clr>
+            <a:srgbClr val="A4A3A4"/>
+          </p15:clr>
+        </p15:guide>
+      </p15:sldGuideLst>
+    </p:ext>
+  </p:extLst>
 </p:presentation>
 </file>
 
@@ -198,8 +214,6 @@
           <a:p>
             <a:fld id="{10EFAE1B-6EEF-4EC4-B375-F34D9D674576}" type="datetimeFigureOut">
               <a:rPr lang="en-US" smtClean="0"/>
-              <a:pPr/>
-              <a:t>10/14/2024</a:t>
             </a:fld>
             <a:endParaRPr lang="en-US"/>
           </a:p>
@@ -268,6 +282,7 @@
               <a:rPr lang="en-US" smtClean="0"/>
               <a:t>Click to edit Master text styles</a:t>
             </a:r>
+            <a:endParaRPr lang="en-US" smtClean="0"/>
           </a:p>
           <a:p>
             <a:pPr lvl="1"/>
@@ -275,6 +290,7 @@
               <a:rPr lang="en-US" smtClean="0"/>
               <a:t>Second level</a:t>
             </a:r>
+            <a:endParaRPr lang="en-US" smtClean="0"/>
           </a:p>
           <a:p>
             <a:pPr lvl="2"/>
@@ -282,6 +298,7 @@
               <a:rPr lang="en-US" smtClean="0"/>
               <a:t>Third level</a:t>
             </a:r>
+            <a:endParaRPr lang="en-US" smtClean="0"/>
           </a:p>
           <a:p>
             <a:pPr lvl="3"/>
@@ -289,6 +306,7 @@
               <a:rPr lang="en-US" smtClean="0"/>
               <a:t>Fourth level</a:t>
             </a:r>
+            <a:endParaRPr lang="en-US" smtClean="0"/>
           </a:p>
           <a:p>
             <a:pPr lvl="4"/>
@@ -360,8 +378,6 @@
           <a:p>
             <a:fld id="{D447B44C-057E-4381-ABBF-5BC123E7DA0A}" type="slidenum">
               <a:rPr lang="en-US" smtClean="0"/>
-              <a:pPr/>
-              <a:t>‹#›</a:t>
             </a:fld>
             <a:endParaRPr lang="en-US"/>
           </a:p>
@@ -1120,8 +1136,6 @@
           <a:p>
             <a:fld id="{4A8B6CAB-FC2C-4FE4-B33E-622D3CD23CA4}" type="datetimeFigureOut">
               <a:rPr lang="en-US" smtClean="0"/>
-              <a:pPr/>
-              <a:t>10/14/2024</a:t>
             </a:fld>
             <a:endParaRPr lang="en-US"/>
           </a:p>
@@ -1163,8 +1177,6 @@
           <a:p>
             <a:fld id="{7F6E576B-A46C-4E4D-BBE9-14D3292A345A}" type="slidenum">
               <a:rPr lang="en-US" smtClean="0"/>
-              <a:pPr/>
-              <a:t>‹#›</a:t>
             </a:fld>
             <a:endParaRPr lang="en-US"/>
           </a:p>
@@ -1238,6 +1250,7 @@
               <a:rPr lang="en-US" smtClean="0"/>
               <a:t>Click to edit Master text styles</a:t>
             </a:r>
+            <a:endParaRPr lang="en-US" smtClean="0"/>
           </a:p>
           <a:p>
             <a:pPr lvl="1"/>
@@ -1245,6 +1258,7 @@
               <a:rPr lang="en-US" smtClean="0"/>
               <a:t>Second level</a:t>
             </a:r>
+            <a:endParaRPr lang="en-US" smtClean="0"/>
           </a:p>
           <a:p>
             <a:pPr lvl="2"/>
@@ -1252,6 +1266,7 @@
               <a:rPr lang="en-US" smtClean="0"/>
               <a:t>Third level</a:t>
             </a:r>
+            <a:endParaRPr lang="en-US" smtClean="0"/>
           </a:p>
           <a:p>
             <a:pPr lvl="3"/>
@@ -1259,6 +1274,7 @@
               <a:rPr lang="en-US" smtClean="0"/>
               <a:t>Fourth level</a:t>
             </a:r>
+            <a:endParaRPr lang="en-US" smtClean="0"/>
           </a:p>
           <a:p>
             <a:pPr lvl="4"/>
@@ -1287,8 +1303,6 @@
           <a:p>
             <a:fld id="{4A8B6CAB-FC2C-4FE4-B33E-622D3CD23CA4}" type="datetimeFigureOut">
               <a:rPr lang="en-US" smtClean="0"/>
-              <a:pPr/>
-              <a:t>10/14/2024</a:t>
             </a:fld>
             <a:endParaRPr lang="en-US"/>
           </a:p>
@@ -1330,8 +1344,6 @@
           <a:p>
             <a:fld id="{7F6E576B-A46C-4E4D-BBE9-14D3292A345A}" type="slidenum">
               <a:rPr lang="en-US" smtClean="0"/>
-              <a:pPr/>
-              <a:t>‹#›</a:t>
             </a:fld>
             <a:endParaRPr lang="en-US"/>
           </a:p>
@@ -1415,6 +1427,7 @@
               <a:rPr lang="en-US" smtClean="0"/>
               <a:t>Click to edit Master text styles</a:t>
             </a:r>
+            <a:endParaRPr lang="en-US" smtClean="0"/>
           </a:p>
           <a:p>
             <a:pPr lvl="1"/>
@@ -1422,6 +1435,7 @@
               <a:rPr lang="en-US" smtClean="0"/>
               <a:t>Second level</a:t>
             </a:r>
+            <a:endParaRPr lang="en-US" smtClean="0"/>
           </a:p>
           <a:p>
             <a:pPr lvl="2"/>
@@ -1429,6 +1443,7 @@
               <a:rPr lang="en-US" smtClean="0"/>
               <a:t>Third level</a:t>
             </a:r>
+            <a:endParaRPr lang="en-US" smtClean="0"/>
           </a:p>
           <a:p>
             <a:pPr lvl="3"/>
@@ -1436,6 +1451,7 @@
               <a:rPr lang="en-US" smtClean="0"/>
               <a:t>Fourth level</a:t>
             </a:r>
+            <a:endParaRPr lang="en-US" smtClean="0"/>
           </a:p>
           <a:p>
             <a:pPr lvl="4"/>
@@ -1464,8 +1480,6 @@
           <a:p>
             <a:fld id="{4A8B6CAB-FC2C-4FE4-B33E-622D3CD23CA4}" type="datetimeFigureOut">
               <a:rPr lang="en-US" smtClean="0"/>
-              <a:pPr/>
-              <a:t>10/14/2024</a:t>
             </a:fld>
             <a:endParaRPr lang="en-US"/>
           </a:p>
@@ -1507,8 +1521,6 @@
           <a:p>
             <a:fld id="{7F6E576B-A46C-4E4D-BBE9-14D3292A345A}" type="slidenum">
               <a:rPr lang="en-US" smtClean="0"/>
-              <a:pPr/>
-              <a:t>‹#›</a:t>
             </a:fld>
             <a:endParaRPr lang="en-US"/>
           </a:p>
@@ -1582,6 +1594,7 @@
               <a:rPr lang="en-US" smtClean="0"/>
               <a:t>Click to edit Master text styles</a:t>
             </a:r>
+            <a:endParaRPr lang="en-US" smtClean="0"/>
           </a:p>
           <a:p>
             <a:pPr lvl="1"/>
@@ -1589,6 +1602,7 @@
               <a:rPr lang="en-US" smtClean="0"/>
               <a:t>Second level</a:t>
             </a:r>
+            <a:endParaRPr lang="en-US" smtClean="0"/>
           </a:p>
           <a:p>
             <a:pPr lvl="2"/>
@@ -1596,6 +1610,7 @@
               <a:rPr lang="en-US" smtClean="0"/>
               <a:t>Third level</a:t>
             </a:r>
+            <a:endParaRPr lang="en-US" smtClean="0"/>
           </a:p>
           <a:p>
             <a:pPr lvl="3"/>
@@ -1603,6 +1618,7 @@
               <a:rPr lang="en-US" smtClean="0"/>
               <a:t>Fourth level</a:t>
             </a:r>
+            <a:endParaRPr lang="en-US" smtClean="0"/>
           </a:p>
           <a:p>
             <a:pPr lvl="4"/>
@@ -1631,8 +1647,6 @@
           <a:p>
             <a:fld id="{4A8B6CAB-FC2C-4FE4-B33E-622D3CD23CA4}" type="datetimeFigureOut">
               <a:rPr lang="en-US" smtClean="0"/>
-              <a:pPr/>
-              <a:t>10/14/2024</a:t>
             </a:fld>
             <a:endParaRPr lang="en-US"/>
           </a:p>
@@ -1674,8 +1688,6 @@
           <a:p>
             <a:fld id="{7F6E576B-A46C-4E4D-BBE9-14D3292A345A}" type="slidenum">
               <a:rPr lang="en-US" smtClean="0"/>
-              <a:pPr/>
-              <a:t>‹#›</a:t>
             </a:fld>
             <a:endParaRPr lang="en-US"/>
           </a:p>
@@ -1854,6 +1866,7 @@
               <a:rPr lang="en-US" smtClean="0"/>
               <a:t>Click to edit Master text styles</a:t>
             </a:r>
+            <a:endParaRPr lang="en-US" smtClean="0"/>
           </a:p>
         </p:txBody>
       </p:sp>
@@ -1874,8 +1887,6 @@
           <a:p>
             <a:fld id="{4A8B6CAB-FC2C-4FE4-B33E-622D3CD23CA4}" type="datetimeFigureOut">
               <a:rPr lang="en-US" smtClean="0"/>
-              <a:pPr/>
-              <a:t>10/14/2024</a:t>
             </a:fld>
             <a:endParaRPr lang="en-US"/>
           </a:p>
@@ -1917,8 +1928,6 @@
           <a:p>
             <a:fld id="{7F6E576B-A46C-4E4D-BBE9-14D3292A345A}" type="slidenum">
               <a:rPr lang="en-US" smtClean="0"/>
-              <a:pPr/>
-              <a:t>‹#›</a:t>
             </a:fld>
             <a:endParaRPr lang="en-US"/>
           </a:p>
@@ -2025,6 +2034,7 @@
               <a:rPr lang="en-US" smtClean="0"/>
               <a:t>Click to edit Master text styles</a:t>
             </a:r>
+            <a:endParaRPr lang="en-US" smtClean="0"/>
           </a:p>
           <a:p>
             <a:pPr lvl="1"/>
@@ -2032,6 +2042,7 @@
               <a:rPr lang="en-US" smtClean="0"/>
               <a:t>Second level</a:t>
             </a:r>
+            <a:endParaRPr lang="en-US" smtClean="0"/>
           </a:p>
           <a:p>
             <a:pPr lvl="2"/>
@@ -2039,6 +2050,7 @@
               <a:rPr lang="en-US" smtClean="0"/>
               <a:t>Third level</a:t>
             </a:r>
+            <a:endParaRPr lang="en-US" smtClean="0"/>
           </a:p>
           <a:p>
             <a:pPr lvl="3"/>
@@ -2046,6 +2058,7 @@
               <a:rPr lang="en-US" smtClean="0"/>
               <a:t>Fourth level</a:t>
             </a:r>
+            <a:endParaRPr lang="en-US" smtClean="0"/>
           </a:p>
           <a:p>
             <a:pPr lvl="4"/>
@@ -2110,6 +2123,7 @@
               <a:rPr lang="en-US" smtClean="0"/>
               <a:t>Click to edit Master text styles</a:t>
             </a:r>
+            <a:endParaRPr lang="en-US" smtClean="0"/>
           </a:p>
           <a:p>
             <a:pPr lvl="1"/>
@@ -2117,6 +2131,7 @@
               <a:rPr lang="en-US" smtClean="0"/>
               <a:t>Second level</a:t>
             </a:r>
+            <a:endParaRPr lang="en-US" smtClean="0"/>
           </a:p>
           <a:p>
             <a:pPr lvl="2"/>
@@ -2124,6 +2139,7 @@
               <a:rPr lang="en-US" smtClean="0"/>
               <a:t>Third level</a:t>
             </a:r>
+            <a:endParaRPr lang="en-US" smtClean="0"/>
           </a:p>
           <a:p>
             <a:pPr lvl="3"/>
@@ -2131,6 +2147,7 @@
               <a:rPr lang="en-US" smtClean="0"/>
               <a:t>Fourth level</a:t>
             </a:r>
+            <a:endParaRPr lang="en-US" smtClean="0"/>
           </a:p>
           <a:p>
             <a:pPr lvl="4"/>
@@ -2159,8 +2176,6 @@
           <a:p>
             <a:fld id="{4A8B6CAB-FC2C-4FE4-B33E-622D3CD23CA4}" type="datetimeFigureOut">
               <a:rPr lang="en-US" smtClean="0"/>
-              <a:pPr/>
-              <a:t>10/14/2024</a:t>
             </a:fld>
             <a:endParaRPr lang="en-US"/>
           </a:p>
@@ -2202,8 +2217,6 @@
           <a:p>
             <a:fld id="{7F6E576B-A46C-4E4D-BBE9-14D3292A345A}" type="slidenum">
               <a:rPr lang="en-US" smtClean="0"/>
-              <a:pPr/>
-              <a:t>‹#›</a:t>
             </a:fld>
             <a:endParaRPr lang="en-US"/>
           </a:p>
@@ -2323,6 +2336,7 @@
               <a:rPr lang="en-US" smtClean="0"/>
               <a:t>Click to edit Master text styles</a:t>
             </a:r>
+            <a:endParaRPr lang="en-US" smtClean="0"/>
           </a:p>
         </p:txBody>
       </p:sp>
@@ -2379,6 +2393,7 @@
               <a:rPr lang="en-US" smtClean="0"/>
               <a:t>Click to edit Master text styles</a:t>
             </a:r>
+            <a:endParaRPr lang="en-US" smtClean="0"/>
           </a:p>
           <a:p>
             <a:pPr lvl="1"/>
@@ -2386,6 +2401,7 @@
               <a:rPr lang="en-US" smtClean="0"/>
               <a:t>Second level</a:t>
             </a:r>
+            <a:endParaRPr lang="en-US" smtClean="0"/>
           </a:p>
           <a:p>
             <a:pPr lvl="2"/>
@@ -2393,6 +2409,7 @@
               <a:rPr lang="en-US" smtClean="0"/>
               <a:t>Third level</a:t>
             </a:r>
+            <a:endParaRPr lang="en-US" smtClean="0"/>
           </a:p>
           <a:p>
             <a:pPr lvl="3"/>
@@ -2400,6 +2417,7 @@
               <a:rPr lang="en-US" smtClean="0"/>
               <a:t>Fourth level</a:t>
             </a:r>
+            <a:endParaRPr lang="en-US" smtClean="0"/>
           </a:p>
           <a:p>
             <a:pPr lvl="4"/>
@@ -2473,6 +2491,7 @@
               <a:rPr lang="en-US" smtClean="0"/>
               <a:t>Click to edit Master text styles</a:t>
             </a:r>
+            <a:endParaRPr lang="en-US" smtClean="0"/>
           </a:p>
         </p:txBody>
       </p:sp>
@@ -2529,6 +2548,7 @@
               <a:rPr lang="en-US" smtClean="0"/>
               <a:t>Click to edit Master text styles</a:t>
             </a:r>
+            <a:endParaRPr lang="en-US" smtClean="0"/>
           </a:p>
           <a:p>
             <a:pPr lvl="1"/>
@@ -2536,6 +2556,7 @@
               <a:rPr lang="en-US" smtClean="0"/>
               <a:t>Second level</a:t>
             </a:r>
+            <a:endParaRPr lang="en-US" smtClean="0"/>
           </a:p>
           <a:p>
             <a:pPr lvl="2"/>
@@ -2543,6 +2564,7 @@
               <a:rPr lang="en-US" smtClean="0"/>
               <a:t>Third level</a:t>
             </a:r>
+            <a:endParaRPr lang="en-US" smtClean="0"/>
           </a:p>
           <a:p>
             <a:pPr lvl="3"/>
@@ -2550,6 +2572,7 @@
               <a:rPr lang="en-US" smtClean="0"/>
               <a:t>Fourth level</a:t>
             </a:r>
+            <a:endParaRPr lang="en-US" smtClean="0"/>
           </a:p>
           <a:p>
             <a:pPr lvl="4"/>
@@ -2578,8 +2601,6 @@
           <a:p>
             <a:fld id="{4A8B6CAB-FC2C-4FE4-B33E-622D3CD23CA4}" type="datetimeFigureOut">
               <a:rPr lang="en-US" smtClean="0"/>
-              <a:pPr/>
-              <a:t>10/14/2024</a:t>
             </a:fld>
             <a:endParaRPr lang="en-US"/>
           </a:p>
@@ -2621,8 +2642,6 @@
           <a:p>
             <a:fld id="{7F6E576B-A46C-4E4D-BBE9-14D3292A345A}" type="slidenum">
               <a:rPr lang="en-US" smtClean="0"/>
-              <a:pPr/>
-              <a:t>‹#›</a:t>
             </a:fld>
             <a:endParaRPr lang="en-US"/>
           </a:p>
@@ -2693,8 +2712,6 @@
           <a:p>
             <a:fld id="{4A8B6CAB-FC2C-4FE4-B33E-622D3CD23CA4}" type="datetimeFigureOut">
               <a:rPr lang="en-US" smtClean="0"/>
-              <a:pPr/>
-              <a:t>10/14/2024</a:t>
             </a:fld>
             <a:endParaRPr lang="en-US"/>
           </a:p>
@@ -2736,8 +2753,6 @@
           <a:p>
             <a:fld id="{7F6E576B-A46C-4E4D-BBE9-14D3292A345A}" type="slidenum">
               <a:rPr lang="en-US" smtClean="0"/>
-              <a:pPr/>
-              <a:t>‹#›</a:t>
             </a:fld>
             <a:endParaRPr lang="en-US"/>
           </a:p>
@@ -2785,8 +2800,6 @@
           <a:p>
             <a:fld id="{4A8B6CAB-FC2C-4FE4-B33E-622D3CD23CA4}" type="datetimeFigureOut">
               <a:rPr lang="en-US" smtClean="0"/>
-              <a:pPr/>
-              <a:t>10/14/2024</a:t>
             </a:fld>
             <a:endParaRPr lang="en-US"/>
           </a:p>
@@ -2828,8 +2841,6 @@
           <a:p>
             <a:fld id="{7F6E576B-A46C-4E4D-BBE9-14D3292A345A}" type="slidenum">
               <a:rPr lang="en-US" smtClean="0"/>
-              <a:pPr/>
-              <a:t>‹#›</a:t>
             </a:fld>
             <a:endParaRPr lang="en-US"/>
           </a:p>
@@ -2945,6 +2956,7 @@
               <a:rPr lang="en-US" smtClean="0"/>
               <a:t>Click to edit Master text styles</a:t>
             </a:r>
+            <a:endParaRPr lang="en-US" smtClean="0"/>
           </a:p>
           <a:p>
             <a:pPr lvl="1"/>
@@ -2952,6 +2964,7 @@
               <a:rPr lang="en-US" smtClean="0"/>
               <a:t>Second level</a:t>
             </a:r>
+            <a:endParaRPr lang="en-US" smtClean="0"/>
           </a:p>
           <a:p>
             <a:pPr lvl="2"/>
@@ -2959,6 +2972,7 @@
               <a:rPr lang="en-US" smtClean="0"/>
               <a:t>Third level</a:t>
             </a:r>
+            <a:endParaRPr lang="en-US" smtClean="0"/>
           </a:p>
           <a:p>
             <a:pPr lvl="3"/>
@@ -2966,6 +2980,7 @@
               <a:rPr lang="en-US" smtClean="0"/>
               <a:t>Fourth level</a:t>
             </a:r>
+            <a:endParaRPr lang="en-US" smtClean="0"/>
           </a:p>
           <a:p>
             <a:pPr lvl="4"/>
@@ -3039,6 +3054,7 @@
               <a:rPr lang="en-US" smtClean="0"/>
               <a:t>Click to edit Master text styles</a:t>
             </a:r>
+            <a:endParaRPr lang="en-US" smtClean="0"/>
           </a:p>
         </p:txBody>
       </p:sp>
@@ -3059,8 +3075,6 @@
           <a:p>
             <a:fld id="{4A8B6CAB-FC2C-4FE4-B33E-622D3CD23CA4}" type="datetimeFigureOut">
               <a:rPr lang="en-US" smtClean="0"/>
-              <a:pPr/>
-              <a:t>10/14/2024</a:t>
             </a:fld>
             <a:endParaRPr lang="en-US"/>
           </a:p>
@@ -3102,8 +3116,6 @@
           <a:p>
             <a:fld id="{7F6E576B-A46C-4E4D-BBE9-14D3292A345A}" type="slidenum">
               <a:rPr lang="en-US" smtClean="0"/>
-              <a:pPr/>
-              <a:t>‹#›</a:t>
             </a:fld>
             <a:endParaRPr lang="en-US"/>
           </a:p>
@@ -3289,6 +3301,7 @@
               <a:rPr lang="en-US" smtClean="0"/>
               <a:t>Click to edit Master text styles</a:t>
             </a:r>
+            <a:endParaRPr lang="en-US" smtClean="0"/>
           </a:p>
         </p:txBody>
       </p:sp>
@@ -3309,8 +3322,6 @@
           <a:p>
             <a:fld id="{4A8B6CAB-FC2C-4FE4-B33E-622D3CD23CA4}" type="datetimeFigureOut">
               <a:rPr lang="en-US" smtClean="0"/>
-              <a:pPr/>
-              <a:t>10/14/2024</a:t>
             </a:fld>
             <a:endParaRPr lang="en-US"/>
           </a:p>
@@ -3352,8 +3363,6 @@
           <a:p>
             <a:fld id="{7F6E576B-A46C-4E4D-BBE9-14D3292A345A}" type="slidenum">
               <a:rPr lang="en-US" smtClean="0"/>
-              <a:pPr/>
-              <a:t>‹#›</a:t>
             </a:fld>
             <a:endParaRPr lang="en-US"/>
           </a:p>
@@ -3452,6 +3461,7 @@
               <a:rPr lang="en-US" smtClean="0"/>
               <a:t>Click to edit Master text styles</a:t>
             </a:r>
+            <a:endParaRPr lang="en-US" smtClean="0"/>
           </a:p>
           <a:p>
             <a:pPr lvl="1"/>
@@ -3459,6 +3469,7 @@
               <a:rPr lang="en-US" smtClean="0"/>
               <a:t>Second level</a:t>
             </a:r>
+            <a:endParaRPr lang="en-US" smtClean="0"/>
           </a:p>
           <a:p>
             <a:pPr lvl="2"/>
@@ -3466,6 +3477,7 @@
               <a:rPr lang="en-US" smtClean="0"/>
               <a:t>Third level</a:t>
             </a:r>
+            <a:endParaRPr lang="en-US" smtClean="0"/>
           </a:p>
           <a:p>
             <a:pPr lvl="3"/>
@@ -3473,6 +3485,7 @@
               <a:rPr lang="en-US" smtClean="0"/>
               <a:t>Fourth level</a:t>
             </a:r>
+            <a:endParaRPr lang="en-US" smtClean="0"/>
           </a:p>
           <a:p>
             <a:pPr lvl="4"/>
@@ -3519,8 +3532,6 @@
           <a:p>
             <a:fld id="{4A8B6CAB-FC2C-4FE4-B33E-622D3CD23CA4}" type="datetimeFigureOut">
               <a:rPr lang="en-US" smtClean="0"/>
-              <a:pPr/>
-              <a:t>10/14/2024</a:t>
             </a:fld>
             <a:endParaRPr lang="en-US"/>
           </a:p>
@@ -3598,8 +3609,6 @@
           <a:p>
             <a:fld id="{7F6E576B-A46C-4E4D-BBE9-14D3292A345A}" type="slidenum">
               <a:rPr lang="en-US" smtClean="0"/>
-              <a:pPr/>
-              <a:t>‹#›</a:t>
             </a:fld>
             <a:endParaRPr lang="en-US"/>
           </a:p>
@@ -3643,7 +3652,7 @@
         <a:spcBef>
           <a:spcPct val="20000"/>
         </a:spcBef>
-        <a:buFont typeface="Arial" pitchFamily="34" charset="0"/>
+        <a:buFont typeface="Arial" panose="020B0604020202020204" pitchFamily="34" charset="0"/>
         <a:buChar char="•"/>
         <a:defRPr sz="3200" kern="1200">
           <a:solidFill>
@@ -3658,7 +3667,7 @@
         <a:spcBef>
           <a:spcPct val="20000"/>
         </a:spcBef>
-        <a:buFont typeface="Arial" pitchFamily="34" charset="0"/>
+        <a:buFont typeface="Arial" panose="020B0604020202020204" pitchFamily="34" charset="0"/>
         <a:buChar char="–"/>
         <a:defRPr sz="2800" kern="1200">
           <a:solidFill>
@@ -3673,7 +3682,7 @@
         <a:spcBef>
           <a:spcPct val="20000"/>
         </a:spcBef>
-        <a:buFont typeface="Arial" pitchFamily="34" charset="0"/>
+        <a:buFont typeface="Arial" panose="020B0604020202020204" pitchFamily="34" charset="0"/>
         <a:buChar char="•"/>
         <a:defRPr sz="2400" kern="1200">
           <a:solidFill>
@@ -3688,7 +3697,7 @@
         <a:spcBef>
           <a:spcPct val="20000"/>
         </a:spcBef>
-        <a:buFont typeface="Arial" pitchFamily="34" charset="0"/>
+        <a:buFont typeface="Arial" panose="020B0604020202020204" pitchFamily="34" charset="0"/>
         <a:buChar char="–"/>
         <a:defRPr sz="2000" kern="1200">
           <a:solidFill>
@@ -3703,7 +3712,7 @@
         <a:spcBef>
           <a:spcPct val="20000"/>
         </a:spcBef>
-        <a:buFont typeface="Arial" pitchFamily="34" charset="0"/>
+        <a:buFont typeface="Arial" panose="020B0604020202020204" pitchFamily="34" charset="0"/>
         <a:buChar char="»"/>
         <a:defRPr sz="2000" kern="1200">
           <a:solidFill>
@@ -3718,7 +3727,7 @@
         <a:spcBef>
           <a:spcPct val="20000"/>
         </a:spcBef>
-        <a:buFont typeface="Arial" pitchFamily="34" charset="0"/>
+        <a:buFont typeface="Arial" panose="020B0604020202020204" pitchFamily="34" charset="0"/>
         <a:buChar char="•"/>
         <a:defRPr sz="2000" kern="1200">
           <a:solidFill>
@@ -3733,7 +3742,7 @@
         <a:spcBef>
           <a:spcPct val="20000"/>
         </a:spcBef>
-        <a:buFont typeface="Arial" pitchFamily="34" charset="0"/>
+        <a:buFont typeface="Arial" panose="020B0604020202020204" pitchFamily="34" charset="0"/>
         <a:buChar char="•"/>
         <a:defRPr sz="2000" kern="1200">
           <a:solidFill>
@@ -3748,7 +3757,7 @@
         <a:spcBef>
           <a:spcPct val="20000"/>
         </a:spcBef>
-        <a:buFont typeface="Arial" pitchFamily="34" charset="0"/>
+        <a:buFont typeface="Arial" panose="020B0604020202020204" pitchFamily="34" charset="0"/>
         <a:buChar char="•"/>
         <a:defRPr sz="2000" kern="1200">
           <a:solidFill>
@@ -3763,7 +3772,7 @@
         <a:spcBef>
           <a:spcPct val="20000"/>
         </a:spcBef>
-        <a:buFont typeface="Arial" pitchFamily="34" charset="0"/>
+        <a:buFont typeface="Arial" panose="020B0604020202020204" pitchFamily="34" charset="0"/>
         <a:buChar char="•"/>
         <a:defRPr sz="2000" kern="1200">
           <a:solidFill>
@@ -4128,9 +4137,9 @@
               <a:buNone/>
             </a:pPr>
             <a:endParaRPr lang="en-US" sz="1600" dirty="0">
-              <a:latin typeface="Arial" pitchFamily="18"/>
-              <a:ea typeface="Microsoft YaHei" pitchFamily="2"/>
-              <a:cs typeface="Lucida Sans" pitchFamily="2"/>
+              <a:latin typeface="Arial" panose="020B0604020202020204" pitchFamily="18"/>
+              <a:ea typeface="Microsoft YaHei" panose="020B0503020204020204" pitchFamily="2" charset="-122"/>
+              <a:cs typeface="Lucida Sans" panose="020B0602030504020204" pitchFamily="2"/>
             </a:endParaRPr>
           </a:p>
         </p:txBody>
@@ -4251,12 +4260,12 @@
               <a:gd name="f98" fmla="*/ f95 f29 1"/>
             </a:gdLst>
             <a:ahLst>
-              <a:ahXY gdRefX="f0" minX="f7" maxX="f10" gdRefY="" minY="0" maxY="0">
+              <a:ahXY gdRefX="f0" minX="f7" maxX="f10">
                 <a:pos x="f36" y="f37"/>
               </a:ahXY>
             </a:ahLst>
             <a:cxnLst>
-              <a:cxn ang="3cd4">
+              <a:cxn ang="3">
                 <a:pos x="hc" y="t"/>
               </a:cxn>
               <a:cxn ang="0">
@@ -4361,9 +4370,9 @@
               <a:buNone/>
             </a:pPr>
             <a:endParaRPr lang="en-US" sz="1600" dirty="0">
-              <a:latin typeface="Arial" pitchFamily="18"/>
-              <a:ea typeface="Microsoft YaHei" pitchFamily="2"/>
-              <a:cs typeface="Lucida Sans" pitchFamily="2"/>
+              <a:latin typeface="Arial" panose="020B0604020202020204" pitchFamily="18"/>
+              <a:ea typeface="Microsoft YaHei" panose="020B0503020204020204" pitchFamily="2" charset="-122"/>
+              <a:cs typeface="Lucida Sans" panose="020B0602030504020204" pitchFamily="2"/>
             </a:endParaRPr>
           </a:p>
         </p:txBody>
@@ -4484,12 +4493,12 @@
               <a:gd name="f98" fmla="*/ f95 f29 1"/>
             </a:gdLst>
             <a:ahLst>
-              <a:ahXY gdRefX="f0" minX="f7" maxX="f10" gdRefY="" minY="0" maxY="0">
+              <a:ahXY gdRefX="f0" minX="f7" maxX="f10">
                 <a:pos x="f36" y="f37"/>
               </a:ahXY>
             </a:ahLst>
             <a:cxnLst>
-              <a:cxn ang="3cd4">
+              <a:cxn ang="3">
                 <a:pos x="hc" y="t"/>
               </a:cxn>
               <a:cxn ang="0">
@@ -4594,9 +4603,9 @@
               <a:buNone/>
             </a:pPr>
             <a:endParaRPr lang="en-US" sz="1600" dirty="0">
-              <a:latin typeface="Arial" pitchFamily="18"/>
-              <a:ea typeface="Microsoft YaHei" pitchFamily="2"/>
-              <a:cs typeface="Lucida Sans" pitchFamily="2"/>
+              <a:latin typeface="Arial" panose="020B0604020202020204" pitchFamily="18"/>
+              <a:ea typeface="Microsoft YaHei" panose="020B0503020204020204" pitchFamily="2" charset="-122"/>
+              <a:cs typeface="Lucida Sans" panose="020B0602030504020204" pitchFamily="2"/>
             </a:endParaRPr>
           </a:p>
         </p:txBody>
@@ -4717,12 +4726,12 @@
               <a:gd name="f98" fmla="*/ f95 f29 1"/>
             </a:gdLst>
             <a:ahLst>
-              <a:ahXY gdRefX="f0" minX="f7" maxX="f10" gdRefY="" minY="0" maxY="0">
+              <a:ahXY gdRefX="f0" minX="f7" maxX="f10">
                 <a:pos x="f36" y="f37"/>
               </a:ahXY>
             </a:ahLst>
             <a:cxnLst>
-              <a:cxn ang="3cd4">
+              <a:cxn ang="3">
                 <a:pos x="hc" y="t"/>
               </a:cxn>
               <a:cxn ang="0">
@@ -4827,9 +4836,9 @@
               <a:buNone/>
             </a:pPr>
             <a:endParaRPr lang="en-US" sz="1600" dirty="0">
-              <a:latin typeface="Arial" pitchFamily="18"/>
-              <a:ea typeface="Microsoft YaHei" pitchFamily="2"/>
-              <a:cs typeface="Lucida Sans" pitchFamily="2"/>
+              <a:latin typeface="Arial" panose="020B0604020202020204" pitchFamily="18"/>
+              <a:ea typeface="Microsoft YaHei" panose="020B0503020204020204" pitchFamily="2" charset="-122"/>
+              <a:cs typeface="Lucida Sans" panose="020B0602030504020204" pitchFamily="2"/>
             </a:endParaRPr>
           </a:p>
         </p:txBody>
@@ -4950,12 +4959,12 @@
               <a:gd name="f98" fmla="*/ f95 f29 1"/>
             </a:gdLst>
             <a:ahLst>
-              <a:ahXY gdRefX="f0" minX="f7" maxX="f10" gdRefY="" minY="0" maxY="0">
+              <a:ahXY gdRefX="f0" minX="f7" maxX="f10">
                 <a:pos x="f36" y="f37"/>
               </a:ahXY>
             </a:ahLst>
             <a:cxnLst>
-              <a:cxn ang="3cd4">
+              <a:cxn ang="3">
                 <a:pos x="hc" y="t"/>
               </a:cxn>
               <a:cxn ang="0">
@@ -5060,9 +5069,9 @@
               <a:buNone/>
             </a:pPr>
             <a:endParaRPr lang="en-US" sz="1600" dirty="0">
-              <a:latin typeface="Arial" pitchFamily="18"/>
-              <a:ea typeface="Microsoft YaHei" pitchFamily="2"/>
-              <a:cs typeface="Lucida Sans" pitchFamily="2"/>
+              <a:latin typeface="Arial" panose="020B0604020202020204" pitchFamily="18"/>
+              <a:ea typeface="Microsoft YaHei" panose="020B0503020204020204" pitchFamily="2" charset="-122"/>
+              <a:cs typeface="Lucida Sans" panose="020B0602030504020204" pitchFamily="2"/>
             </a:endParaRPr>
           </a:p>
         </p:txBody>
@@ -5149,12 +5158,17 @@
             </a:pPr>
             <a:r>
               <a:rPr lang="en-US" sz="1300" b="1" dirty="0">
-                <a:latin typeface="Arial" pitchFamily="18"/>
-                <a:ea typeface="Microsoft YaHei" pitchFamily="2"/>
-                <a:cs typeface="Lucida Sans" pitchFamily="2"/>
+                <a:latin typeface="Arial" panose="020B0604020202020204" pitchFamily="18"/>
+                <a:ea typeface="Microsoft YaHei" panose="020B0503020204020204" pitchFamily="2" charset="-122"/>
+                <a:cs typeface="Lucida Sans" panose="020B0602030504020204" pitchFamily="2"/>
               </a:rPr>
               <a:t>NAV </a:t>
             </a:r>
+            <a:endParaRPr lang="en-US" sz="1300" b="1" dirty="0">
+              <a:latin typeface="Arial" panose="020B0604020202020204" pitchFamily="18"/>
+              <a:ea typeface="Microsoft YaHei" panose="020B0503020204020204" pitchFamily="2" charset="-122"/>
+              <a:cs typeface="Lucida Sans" panose="020B0602030504020204" pitchFamily="2"/>
+            </a:endParaRPr>
           </a:p>
         </p:txBody>
       </p:sp>
@@ -5240,12 +5254,17 @@
             </a:pPr>
             <a:r>
               <a:rPr lang="en-US" sz="1300" b="1" dirty="0">
-                <a:latin typeface="Arial" pitchFamily="18"/>
-                <a:ea typeface="Microsoft YaHei" pitchFamily="2"/>
-                <a:cs typeface="Lucida Sans" pitchFamily="2"/>
+                <a:latin typeface="Arial" panose="020B0604020202020204" pitchFamily="18"/>
+                <a:ea typeface="Microsoft YaHei" panose="020B0503020204020204" pitchFamily="2" charset="-122"/>
+                <a:cs typeface="Lucida Sans" panose="020B0602030504020204" pitchFamily="2"/>
               </a:rPr>
               <a:t>ADF</a:t>
             </a:r>
+            <a:endParaRPr lang="en-US" sz="1300" b="1" dirty="0">
+              <a:latin typeface="Arial" panose="020B0604020202020204" pitchFamily="18"/>
+              <a:ea typeface="Microsoft YaHei" panose="020B0503020204020204" pitchFamily="2" charset="-122"/>
+              <a:cs typeface="Lucida Sans" panose="020B0602030504020204" pitchFamily="2"/>
+            </a:endParaRPr>
           </a:p>
         </p:txBody>
       </p:sp>
@@ -5331,12 +5350,17 @@
             </a:pPr>
             <a:r>
               <a:rPr lang="en-US" sz="1300" b="1" dirty="0">
-                <a:latin typeface="Arial" pitchFamily="18"/>
-                <a:ea typeface="Microsoft YaHei" pitchFamily="2"/>
-                <a:cs typeface="Lucida Sans" pitchFamily="2"/>
+                <a:latin typeface="Arial" panose="020B0604020202020204" pitchFamily="18"/>
+                <a:ea typeface="Microsoft YaHei" panose="020B0503020204020204" pitchFamily="2" charset="-122"/>
+                <a:cs typeface="Lucida Sans" panose="020B0602030504020204" pitchFamily="2"/>
               </a:rPr>
               <a:t>TACAN</a:t>
             </a:r>
+            <a:endParaRPr lang="en-US" sz="1300" b="1" dirty="0">
+              <a:latin typeface="Arial" panose="020B0604020202020204" pitchFamily="18"/>
+              <a:ea typeface="Microsoft YaHei" panose="020B0503020204020204" pitchFamily="2" charset="-122"/>
+              <a:cs typeface="Lucida Sans" panose="020B0602030504020204" pitchFamily="2"/>
+            </a:endParaRPr>
           </a:p>
         </p:txBody>
       </p:sp>
@@ -5422,12 +5446,17 @@
             </a:pPr>
             <a:r>
               <a:rPr lang="en-US" sz="1300" b="1" dirty="0">
-                <a:latin typeface="Arial" pitchFamily="18"/>
-                <a:ea typeface="Microsoft YaHei" pitchFamily="2"/>
-                <a:cs typeface="Lucida Sans" pitchFamily="2"/>
+                <a:latin typeface="Arial" panose="020B0604020202020204" pitchFamily="18"/>
+                <a:ea typeface="Microsoft YaHei" panose="020B0503020204020204" pitchFamily="2" charset="-122"/>
+                <a:cs typeface="Lucida Sans" panose="020B0602030504020204" pitchFamily="2"/>
               </a:rPr>
               <a:t>M/B</a:t>
             </a:r>
+            <a:endParaRPr lang="en-US" sz="1300" b="1" dirty="0">
+              <a:latin typeface="Arial" panose="020B0604020202020204" pitchFamily="18"/>
+              <a:ea typeface="Microsoft YaHei" panose="020B0503020204020204" pitchFamily="2" charset="-122"/>
+              <a:cs typeface="Lucida Sans" panose="020B0602030504020204" pitchFamily="2"/>
+            </a:endParaRPr>
           </a:p>
         </p:txBody>
       </p:sp>
@@ -5513,16 +5542,16 @@
             </a:pPr>
             <a:r>
               <a:rPr lang="en-US" sz="1600" b="1" dirty="0" smtClean="0">
-                <a:latin typeface="Arial" pitchFamily="18"/>
-                <a:ea typeface="Microsoft YaHei" pitchFamily="2"/>
-                <a:cs typeface="Lucida Sans" pitchFamily="2"/>
+                <a:latin typeface="Arial" panose="020B0604020202020204" pitchFamily="18"/>
+                <a:ea typeface="Microsoft YaHei" panose="020B0503020204020204" pitchFamily="2" charset="-122"/>
+                <a:cs typeface="Lucida Sans" panose="020B0602030504020204" pitchFamily="2"/>
               </a:rPr>
               <a:t>HOME</a:t>
             </a:r>
             <a:endParaRPr lang="en-US" sz="1600" b="1" dirty="0">
-              <a:latin typeface="Arial" pitchFamily="18"/>
-              <a:ea typeface="Microsoft YaHei" pitchFamily="2"/>
-              <a:cs typeface="Lucida Sans" pitchFamily="2"/>
+              <a:latin typeface="Arial" panose="020B0604020202020204" pitchFamily="18"/>
+              <a:ea typeface="Microsoft YaHei" panose="020B0503020204020204" pitchFamily="2" charset="-122"/>
+              <a:cs typeface="Lucida Sans" panose="020B0602030504020204" pitchFamily="2"/>
             </a:endParaRPr>
           </a:p>
         </p:txBody>
@@ -5643,12 +5672,12 @@
               <a:gd name="f98" fmla="*/ f95 f29 1"/>
             </a:gdLst>
             <a:ahLst>
-              <a:ahXY gdRefX="f0" minX="f7" maxX="f10" gdRefY="" minY="0" maxY="0">
+              <a:ahXY gdRefX="f0" minX="f7" maxX="f10">
                 <a:pos x="f36" y="f37"/>
               </a:ahXY>
             </a:ahLst>
             <a:cxnLst>
-              <a:cxn ang="3cd4">
+              <a:cxn ang="3">
                 <a:pos x="hc" y="t"/>
               </a:cxn>
               <a:cxn ang="0">
@@ -5753,9 +5782,9 @@
               <a:buNone/>
             </a:pPr>
             <a:endParaRPr lang="en-US" sz="1600" dirty="0">
-              <a:latin typeface="Arial" pitchFamily="18"/>
-              <a:ea typeface="Microsoft YaHei" pitchFamily="2"/>
-              <a:cs typeface="Lucida Sans" pitchFamily="2"/>
+              <a:latin typeface="Arial" panose="020B0604020202020204" pitchFamily="18"/>
+              <a:ea typeface="Microsoft YaHei" panose="020B0503020204020204" pitchFamily="2" charset="-122"/>
+              <a:cs typeface="Lucida Sans" panose="020B0602030504020204" pitchFamily="2"/>
             </a:endParaRPr>
           </a:p>
         </p:txBody>
@@ -5876,12 +5905,12 @@
               <a:gd name="f98" fmla="*/ f95 f29 1"/>
             </a:gdLst>
             <a:ahLst>
-              <a:ahXY gdRefX="f0" minX="f7" maxX="f10" gdRefY="" minY="0" maxY="0">
+              <a:ahXY gdRefX="f0" minX="f7" maxX="f10">
                 <a:pos x="f36" y="f37"/>
               </a:ahXY>
             </a:ahLst>
             <a:cxnLst>
-              <a:cxn ang="3cd4">
+              <a:cxn ang="3">
                 <a:pos x="hc" y="t"/>
               </a:cxn>
               <a:cxn ang="0">
@@ -5986,9 +6015,9 @@
               <a:buNone/>
             </a:pPr>
             <a:endParaRPr lang="en-US" sz="1600" dirty="0">
-              <a:latin typeface="Arial" pitchFamily="18"/>
-              <a:ea typeface="Microsoft YaHei" pitchFamily="2"/>
-              <a:cs typeface="Lucida Sans" pitchFamily="2"/>
+              <a:latin typeface="Arial" panose="020B0604020202020204" pitchFamily="18"/>
+              <a:ea typeface="Microsoft YaHei" panose="020B0503020204020204" pitchFamily="2" charset="-122"/>
+              <a:cs typeface="Lucida Sans" panose="020B0602030504020204" pitchFamily="2"/>
             </a:endParaRPr>
           </a:p>
         </p:txBody>
@@ -6109,12 +6138,12 @@
               <a:gd name="f98" fmla="*/ f95 f29 1"/>
             </a:gdLst>
             <a:ahLst>
-              <a:ahXY gdRefX="f0" minX="f7" maxX="f10" gdRefY="" minY="0" maxY="0">
+              <a:ahXY gdRefX="f0" minX="f7" maxX="f10">
                 <a:pos x="f36" y="f37"/>
               </a:ahXY>
             </a:ahLst>
             <a:cxnLst>
-              <a:cxn ang="3cd4">
+              <a:cxn ang="3">
                 <a:pos x="hc" y="t"/>
               </a:cxn>
               <a:cxn ang="0">
@@ -6219,9 +6248,9 @@
               <a:buNone/>
             </a:pPr>
             <a:endParaRPr lang="en-US" sz="1600" dirty="0">
-              <a:latin typeface="Arial" pitchFamily="18"/>
-              <a:ea typeface="Microsoft YaHei" pitchFamily="2"/>
-              <a:cs typeface="Lucida Sans" pitchFamily="2"/>
+              <a:latin typeface="Arial" panose="020B0604020202020204" pitchFamily="18"/>
+              <a:ea typeface="Microsoft YaHei" panose="020B0503020204020204" pitchFamily="2" charset="-122"/>
+              <a:cs typeface="Lucida Sans" panose="020B0602030504020204" pitchFamily="2"/>
             </a:endParaRPr>
           </a:p>
         </p:txBody>
@@ -6342,12 +6371,12 @@
               <a:gd name="f98" fmla="*/ f95 f29 1"/>
             </a:gdLst>
             <a:ahLst>
-              <a:ahXY gdRefX="f0" minX="f7" maxX="f10" gdRefY="" minY="0" maxY="0">
+              <a:ahXY gdRefX="f0" minX="f7" maxX="f10">
                 <a:pos x="f36" y="f37"/>
               </a:ahXY>
             </a:ahLst>
             <a:cxnLst>
-              <a:cxn ang="3cd4">
+              <a:cxn ang="3">
                 <a:pos x="hc" y="t"/>
               </a:cxn>
               <a:cxn ang="0">
@@ -6452,9 +6481,9 @@
               <a:buNone/>
             </a:pPr>
             <a:endParaRPr lang="en-US" sz="1600" dirty="0">
-              <a:latin typeface="Arial" pitchFamily="18"/>
-              <a:ea typeface="Microsoft YaHei" pitchFamily="2"/>
-              <a:cs typeface="Lucida Sans" pitchFamily="2"/>
+              <a:latin typeface="Arial" panose="020B0604020202020204" pitchFamily="18"/>
+              <a:ea typeface="Microsoft YaHei" panose="020B0503020204020204" pitchFamily="2" charset="-122"/>
+              <a:cs typeface="Lucida Sans" panose="020B0602030504020204" pitchFamily="2"/>
             </a:endParaRPr>
           </a:p>
         </p:txBody>
@@ -6541,16 +6570,16 @@
             </a:pPr>
             <a:r>
               <a:rPr lang="en-US" sz="1600" dirty="0" smtClean="0">
-                <a:latin typeface="Arial" pitchFamily="18"/>
-                <a:ea typeface="Microsoft YaHei" pitchFamily="2"/>
-                <a:cs typeface="Lucida Sans" pitchFamily="2"/>
+                <a:latin typeface="Arial" panose="020B0604020202020204" pitchFamily="18"/>
+                <a:ea typeface="Microsoft YaHei" panose="020B0503020204020204" pitchFamily="2" charset="-122"/>
+                <a:cs typeface="Lucida Sans" panose="020B0602030504020204" pitchFamily="2"/>
               </a:rPr>
               <a:t>BACK</a:t>
             </a:r>
             <a:endParaRPr lang="en-US" sz="1600" dirty="0">
-              <a:latin typeface="Arial" pitchFamily="18"/>
-              <a:ea typeface="Microsoft YaHei" pitchFamily="2"/>
-              <a:cs typeface="Lucida Sans" pitchFamily="2"/>
+              <a:latin typeface="Arial" panose="020B0604020202020204" pitchFamily="18"/>
+              <a:ea typeface="Microsoft YaHei" panose="020B0503020204020204" pitchFamily="2" charset="-122"/>
+              <a:cs typeface="Lucida Sans" panose="020B0602030504020204" pitchFamily="2"/>
             </a:endParaRPr>
           </a:p>
         </p:txBody>
@@ -6637,16 +6666,16 @@
             </a:pPr>
             <a:r>
               <a:rPr lang="en-US" sz="1600" dirty="0" smtClean="0">
-                <a:latin typeface="Arial" pitchFamily="18"/>
-                <a:ea typeface="Microsoft YaHei" pitchFamily="2"/>
-                <a:cs typeface="Lucida Sans" pitchFamily="2"/>
+                <a:latin typeface="Arial" panose="020B0604020202020204" pitchFamily="18"/>
+                <a:ea typeface="Microsoft YaHei" panose="020B0503020204020204" pitchFamily="2" charset="-122"/>
+                <a:cs typeface="Lucida Sans" panose="020B0602030504020204" pitchFamily="2"/>
               </a:rPr>
               <a:t>HOME</a:t>
             </a:r>
             <a:endParaRPr lang="en-US" sz="1600" dirty="0">
-              <a:latin typeface="Arial" pitchFamily="18"/>
-              <a:ea typeface="Microsoft YaHei" pitchFamily="2"/>
-              <a:cs typeface="Lucida Sans" pitchFamily="2"/>
+              <a:latin typeface="Arial" panose="020B0604020202020204" pitchFamily="18"/>
+              <a:ea typeface="Microsoft YaHei" panose="020B0503020204020204" pitchFamily="2" charset="-122"/>
+              <a:cs typeface="Lucida Sans" panose="020B0602030504020204" pitchFamily="2"/>
             </a:endParaRPr>
           </a:p>
         </p:txBody>
@@ -6733,16 +6762,16 @@
             </a:pPr>
             <a:r>
               <a:rPr lang="en-US" sz="1600" dirty="0" smtClean="0">
-                <a:latin typeface="Arial" pitchFamily="18"/>
-                <a:ea typeface="Microsoft YaHei" pitchFamily="2"/>
-                <a:cs typeface="Lucida Sans" pitchFamily="2"/>
+                <a:latin typeface="Arial" panose="020B0604020202020204" pitchFamily="18"/>
+                <a:ea typeface="Microsoft YaHei" panose="020B0503020204020204" pitchFamily="2" charset="-122"/>
+                <a:cs typeface="Lucida Sans" panose="020B0602030504020204" pitchFamily="2"/>
               </a:rPr>
               <a:t>OK</a:t>
             </a:r>
             <a:endParaRPr lang="en-US" sz="1600" dirty="0">
-              <a:latin typeface="Arial" pitchFamily="18"/>
-              <a:ea typeface="Microsoft YaHei" pitchFamily="2"/>
-              <a:cs typeface="Lucida Sans" pitchFamily="2"/>
+              <a:latin typeface="Arial" panose="020B0604020202020204" pitchFamily="18"/>
+              <a:ea typeface="Microsoft YaHei" panose="020B0503020204020204" pitchFamily="2" charset="-122"/>
+              <a:cs typeface="Lucida Sans" panose="020B0602030504020204" pitchFamily="2"/>
             </a:endParaRPr>
           </a:p>
         </p:txBody>
@@ -6829,16 +6858,16 @@
             </a:pPr>
             <a:r>
               <a:rPr lang="en-US" sz="1600" dirty="0" smtClean="0">
-                <a:latin typeface="Arial" pitchFamily="18"/>
-                <a:ea typeface="Microsoft YaHei" pitchFamily="2"/>
-                <a:cs typeface="Lucida Sans" pitchFamily="2"/>
+                <a:latin typeface="Arial" panose="020B0604020202020204" pitchFamily="18"/>
+                <a:ea typeface="Microsoft YaHei" panose="020B0503020204020204" pitchFamily="2" charset="-122"/>
+                <a:cs typeface="Lucida Sans" panose="020B0602030504020204" pitchFamily="2"/>
               </a:rPr>
               <a:t>SWAP</a:t>
             </a:r>
             <a:endParaRPr lang="en-US" sz="1600" dirty="0">
-              <a:latin typeface="Arial" pitchFamily="18"/>
-              <a:ea typeface="Microsoft YaHei" pitchFamily="2"/>
-              <a:cs typeface="Lucida Sans" pitchFamily="2"/>
+              <a:latin typeface="Arial" panose="020B0604020202020204" pitchFamily="18"/>
+              <a:ea typeface="Microsoft YaHei" panose="020B0503020204020204" pitchFamily="2" charset="-122"/>
+              <a:cs typeface="Lucida Sans" panose="020B0602030504020204" pitchFamily="2"/>
             </a:endParaRPr>
           </a:p>
         </p:txBody>
@@ -6959,12 +6988,12 @@
               <a:gd name="f98" fmla="*/ f95 f29 1"/>
             </a:gdLst>
             <a:ahLst>
-              <a:ahXY gdRefX="f0" minX="f7" maxX="f10" gdRefY="" minY="0" maxY="0">
+              <a:ahXY gdRefX="f0" minX="f7" maxX="f10">
                 <a:pos x="f36" y="f37"/>
               </a:ahXY>
             </a:ahLst>
             <a:cxnLst>
-              <a:cxn ang="3cd4">
+              <a:cxn ang="3">
                 <a:pos x="hc" y="t"/>
               </a:cxn>
               <a:cxn ang="0">
@@ -7069,9 +7098,9 @@
               <a:buNone/>
             </a:pPr>
             <a:endParaRPr lang="en-US" sz="1600" dirty="0">
-              <a:latin typeface="Arial" pitchFamily="18"/>
-              <a:ea typeface="Microsoft YaHei" pitchFamily="2"/>
-              <a:cs typeface="Lucida Sans" pitchFamily="2"/>
+              <a:latin typeface="Arial" panose="020B0604020202020204" pitchFamily="18"/>
+              <a:ea typeface="Microsoft YaHei" panose="020B0503020204020204" pitchFamily="2" charset="-122"/>
+              <a:cs typeface="Lucida Sans" panose="020B0602030504020204" pitchFamily="2"/>
             </a:endParaRPr>
           </a:p>
         </p:txBody>
@@ -7192,12 +7221,12 @@
               <a:gd name="f98" fmla="*/ f95 f29 1"/>
             </a:gdLst>
             <a:ahLst>
-              <a:ahXY gdRefX="f0" minX="f7" maxX="f10" gdRefY="" minY="0" maxY="0">
+              <a:ahXY gdRefX="f0" minX="f7" maxX="f10">
                 <a:pos x="f36" y="f37"/>
               </a:ahXY>
             </a:ahLst>
             <a:cxnLst>
-              <a:cxn ang="3cd4">
+              <a:cxn ang="3">
                 <a:pos x="hc" y="t"/>
               </a:cxn>
               <a:cxn ang="0">
@@ -7302,9 +7331,9 @@
               <a:buNone/>
             </a:pPr>
             <a:endParaRPr lang="en-US" sz="1600" dirty="0">
-              <a:latin typeface="Arial" pitchFamily="18"/>
-              <a:ea typeface="Microsoft YaHei" pitchFamily="2"/>
-              <a:cs typeface="Lucida Sans" pitchFamily="2"/>
+              <a:latin typeface="Arial" panose="020B0604020202020204" pitchFamily="18"/>
+              <a:ea typeface="Microsoft YaHei" panose="020B0503020204020204" pitchFamily="2" charset="-122"/>
+              <a:cs typeface="Lucida Sans" panose="020B0602030504020204" pitchFamily="2"/>
             </a:endParaRPr>
           </a:p>
         </p:txBody>
@@ -7425,12 +7454,12 @@
               <a:gd name="f98" fmla="*/ f95 f29 1"/>
             </a:gdLst>
             <a:ahLst>
-              <a:ahXY gdRefX="f0" minX="f7" maxX="f10" gdRefY="" minY="0" maxY="0">
+              <a:ahXY gdRefX="f0" minX="f7" maxX="f10">
                 <a:pos x="f36" y="f37"/>
               </a:ahXY>
             </a:ahLst>
             <a:cxnLst>
-              <a:cxn ang="3cd4">
+              <a:cxn ang="3">
                 <a:pos x="hc" y="t"/>
               </a:cxn>
               <a:cxn ang="0">
@@ -7535,9 +7564,9 @@
               <a:buNone/>
             </a:pPr>
             <a:endParaRPr lang="en-US" sz="1600" dirty="0">
-              <a:latin typeface="Arial" pitchFamily="18"/>
-              <a:ea typeface="Microsoft YaHei" pitchFamily="2"/>
-              <a:cs typeface="Lucida Sans" pitchFamily="2"/>
+              <a:latin typeface="Arial" panose="020B0604020202020204" pitchFamily="18"/>
+              <a:ea typeface="Microsoft YaHei" panose="020B0503020204020204" pitchFamily="2" charset="-122"/>
+              <a:cs typeface="Lucida Sans" panose="020B0602030504020204" pitchFamily="2"/>
             </a:endParaRPr>
           </a:p>
         </p:txBody>
@@ -7658,12 +7687,12 @@
               <a:gd name="f98" fmla="*/ f95 f29 1"/>
             </a:gdLst>
             <a:ahLst>
-              <a:ahXY gdRefX="f0" minX="f7" maxX="f10" gdRefY="" minY="0" maxY="0">
+              <a:ahXY gdRefX="f0" minX="f7" maxX="f10">
                 <a:pos x="f36" y="f37"/>
               </a:ahXY>
             </a:ahLst>
             <a:cxnLst>
-              <a:cxn ang="3cd4">
+              <a:cxn ang="3">
                 <a:pos x="hc" y="t"/>
               </a:cxn>
               <a:cxn ang="0">
@@ -7768,9 +7797,9 @@
               <a:buNone/>
             </a:pPr>
             <a:endParaRPr lang="en-US" sz="1600" dirty="0">
-              <a:latin typeface="Arial" pitchFamily="18"/>
-              <a:ea typeface="Microsoft YaHei" pitchFamily="2"/>
-              <a:cs typeface="Lucida Sans" pitchFamily="2"/>
+              <a:latin typeface="Arial" panose="020B0604020202020204" pitchFamily="18"/>
+              <a:ea typeface="Microsoft YaHei" panose="020B0503020204020204" pitchFamily="2" charset="-122"/>
+              <a:cs typeface="Lucida Sans" panose="020B0602030504020204" pitchFamily="2"/>
             </a:endParaRPr>
           </a:p>
         </p:txBody>
@@ -7798,7 +7827,7 @@
           <a:lstStyle/>
           <a:p>
             <a:pPr>
-              <a:buFont typeface="Arial" pitchFamily="34" charset="0"/>
+              <a:buFont typeface="Arial" panose="020B0604020202020204" pitchFamily="34" charset="0"/>
               <a:buChar char="•"/>
             </a:pPr>
             <a:r>
@@ -7809,10 +7838,11 @@
               <a:rPr lang="en-US" sz="1300" dirty="0"/>
               <a:t>at power up</a:t>
             </a:r>
+            <a:endParaRPr lang="en-US" sz="1300" dirty="0"/>
           </a:p>
           <a:p>
             <a:pPr>
-              <a:buFont typeface="Arial" pitchFamily="34" charset="0"/>
+              <a:buFont typeface="Arial" panose="020B0604020202020204" pitchFamily="34" charset="0"/>
               <a:buChar char="•"/>
             </a:pPr>
             <a:r>
@@ -7855,7 +7885,7 @@
           </a:p>
           <a:p>
             <a:pPr>
-              <a:buFont typeface="Arial" pitchFamily="34" charset="0"/>
+              <a:buFont typeface="Arial" panose="020B0604020202020204" pitchFamily="34" charset="0"/>
               <a:buChar char="•"/>
             </a:pPr>
             <a:r>
@@ -7886,10 +7916,11 @@
               <a:rPr lang="en-US" sz="1300" dirty="0" smtClean="0"/>
               <a:t>)</a:t>
             </a:r>
+            <a:endParaRPr lang="en-US" sz="1300" dirty="0" smtClean="0"/>
           </a:p>
           <a:p>
             <a:pPr>
-              <a:buFont typeface="Arial" pitchFamily="34" charset="0"/>
+              <a:buFont typeface="Arial" panose="020B0604020202020204" pitchFamily="34" charset="0"/>
               <a:buChar char="•"/>
             </a:pPr>
             <a:r>
@@ -7904,7 +7935,7 @@
           </a:p>
           <a:p>
             <a:pPr>
-              <a:buFont typeface="Arial" pitchFamily="34" charset="0"/>
+              <a:buFont typeface="Arial" panose="020B0604020202020204" pitchFamily="34" charset="0"/>
               <a:buChar char="•"/>
             </a:pPr>
             <a:endParaRPr lang="en-US" sz="1300" dirty="0"/>
@@ -8106,6 +8137,11 @@
               </a:rPr>
               <a:t>Soft Buttons </a:t>
             </a:r>
+            <a:endParaRPr lang="en-US" sz="1100" dirty="0">
+              <a:solidFill>
+                <a:schemeClr val="tx1"/>
+              </a:solidFill>
+            </a:endParaRPr>
           </a:p>
         </p:txBody>
       </p:sp>
@@ -8169,6 +8205,11 @@
               </a:rPr>
               <a:t>Function  Buttons </a:t>
             </a:r>
+            <a:endParaRPr lang="en-US" sz="1100" dirty="0">
+              <a:solidFill>
+                <a:schemeClr val="tx1"/>
+              </a:solidFill>
+            </a:endParaRPr>
           </a:p>
         </p:txBody>
       </p:sp>
@@ -8232,6 +8273,11 @@
               </a:rPr>
               <a:t>Soft Buttons </a:t>
             </a:r>
+            <a:endParaRPr lang="en-US" sz="1100" dirty="0">
+              <a:solidFill>
+                <a:schemeClr val="tx1"/>
+              </a:solidFill>
+            </a:endParaRPr>
           </a:p>
         </p:txBody>
       </p:sp>
@@ -8351,12 +8397,12 @@
               <a:gd name="f98" fmla="*/ f95 f29 1"/>
             </a:gdLst>
             <a:ahLst>
-              <a:ahXY gdRefX="f0" minX="f7" maxX="f10" gdRefY="" minY="0" maxY="0">
+              <a:ahXY gdRefX="f0" minX="f7" maxX="f10">
                 <a:pos x="f36" y="f37"/>
               </a:ahXY>
             </a:ahLst>
             <a:cxnLst>
-              <a:cxn ang="3cd4">
+              <a:cxn ang="3">
                 <a:pos x="hc" y="t"/>
               </a:cxn>
               <a:cxn ang="0">
@@ -8461,9 +8507,9 @@
               <a:buNone/>
             </a:pPr>
             <a:endParaRPr lang="en-US" sz="1600" dirty="0">
-              <a:latin typeface="Arial" pitchFamily="18"/>
-              <a:ea typeface="Microsoft YaHei" pitchFamily="2"/>
-              <a:cs typeface="Lucida Sans" pitchFamily="2"/>
+              <a:latin typeface="Arial" panose="020B0604020202020204" pitchFamily="18"/>
+              <a:ea typeface="Microsoft YaHei" panose="020B0503020204020204" pitchFamily="2" charset="-122"/>
+              <a:cs typeface="Lucida Sans" panose="020B0602030504020204" pitchFamily="2"/>
             </a:endParaRPr>
           </a:p>
         </p:txBody>
@@ -8584,12 +8630,12 @@
               <a:gd name="f98" fmla="*/ f95 f29 1"/>
             </a:gdLst>
             <a:ahLst>
-              <a:ahXY gdRefX="f0" minX="f7" maxX="f10" gdRefY="" minY="0" maxY="0">
+              <a:ahXY gdRefX="f0" minX="f7" maxX="f10">
                 <a:pos x="f36" y="f37"/>
               </a:ahXY>
             </a:ahLst>
             <a:cxnLst>
-              <a:cxn ang="3cd4">
+              <a:cxn ang="3">
                 <a:pos x="hc" y="t"/>
               </a:cxn>
               <a:cxn ang="0">
@@ -8694,9 +8740,9 @@
               <a:buNone/>
             </a:pPr>
             <a:endParaRPr lang="en-US" sz="1600" dirty="0">
-              <a:latin typeface="Arial" pitchFamily="18"/>
-              <a:ea typeface="Microsoft YaHei" pitchFamily="2"/>
-              <a:cs typeface="Lucida Sans" pitchFamily="2"/>
+              <a:latin typeface="Arial" panose="020B0604020202020204" pitchFamily="18"/>
+              <a:ea typeface="Microsoft YaHei" panose="020B0503020204020204" pitchFamily="2" charset="-122"/>
+              <a:cs typeface="Lucida Sans" panose="020B0602030504020204" pitchFamily="2"/>
             </a:endParaRPr>
           </a:p>
         </p:txBody>
@@ -8783,16 +8829,16 @@
             </a:pPr>
             <a:r>
               <a:rPr lang="en-US" sz="1600" dirty="0" smtClean="0">
-                <a:latin typeface="Arial" pitchFamily="18"/>
-                <a:ea typeface="Microsoft YaHei" pitchFamily="2"/>
-                <a:cs typeface="Lucida Sans" pitchFamily="2"/>
+                <a:latin typeface="Arial" panose="020B0604020202020204" pitchFamily="18"/>
+                <a:ea typeface="Microsoft YaHei" panose="020B0503020204020204" pitchFamily="2" charset="-122"/>
+                <a:cs typeface="Lucida Sans" panose="020B0602030504020204" pitchFamily="2"/>
               </a:rPr>
               <a:t>PREV</a:t>
             </a:r>
             <a:endParaRPr lang="en-US" sz="1600" dirty="0">
-              <a:latin typeface="Arial" pitchFamily="18"/>
-              <a:ea typeface="Microsoft YaHei" pitchFamily="2"/>
-              <a:cs typeface="Lucida Sans" pitchFamily="2"/>
+              <a:latin typeface="Arial" panose="020B0604020202020204" pitchFamily="18"/>
+              <a:ea typeface="Microsoft YaHei" panose="020B0503020204020204" pitchFamily="2" charset="-122"/>
+              <a:cs typeface="Lucida Sans" panose="020B0602030504020204" pitchFamily="2"/>
             </a:endParaRPr>
           </a:p>
         </p:txBody>
@@ -8879,16 +8925,16 @@
             </a:pPr>
             <a:r>
               <a:rPr lang="en-US" sz="1600" dirty="0" smtClean="0">
-                <a:latin typeface="Arial" pitchFamily="18"/>
-                <a:ea typeface="Microsoft YaHei" pitchFamily="2"/>
-                <a:cs typeface="Lucida Sans" pitchFamily="2"/>
+                <a:latin typeface="Arial" panose="020B0604020202020204" pitchFamily="18"/>
+                <a:ea typeface="Microsoft YaHei" panose="020B0503020204020204" pitchFamily="2" charset="-122"/>
+                <a:cs typeface="Lucida Sans" panose="020B0602030504020204" pitchFamily="2"/>
               </a:rPr>
               <a:t>NEXT</a:t>
             </a:r>
             <a:endParaRPr lang="en-US" sz="1600" dirty="0">
-              <a:latin typeface="Arial" pitchFamily="18"/>
-              <a:ea typeface="Microsoft YaHei" pitchFamily="2"/>
-              <a:cs typeface="Lucida Sans" pitchFamily="2"/>
+              <a:latin typeface="Arial" panose="020B0604020202020204" pitchFamily="18"/>
+              <a:ea typeface="Microsoft YaHei" panose="020B0503020204020204" pitchFamily="2" charset="-122"/>
+              <a:cs typeface="Lucida Sans" panose="020B0602030504020204" pitchFamily="2"/>
             </a:endParaRPr>
           </a:p>
         </p:txBody>
@@ -8978,9 +9024,9 @@
                 <a:solidFill>
                   <a:srgbClr val="FF0000"/>
                 </a:solidFill>
-                <a:latin typeface="Arial" pitchFamily="18"/>
-                <a:ea typeface="Microsoft YaHei" pitchFamily="2"/>
-                <a:cs typeface="Lucida Sans" pitchFamily="2"/>
+                <a:latin typeface="Arial" panose="020B0604020202020204" pitchFamily="18"/>
+                <a:ea typeface="Microsoft YaHei" panose="020B0503020204020204" pitchFamily="2" charset="-122"/>
+                <a:cs typeface="Lucida Sans" panose="020B0602030504020204" pitchFamily="2"/>
               </a:rPr>
               <a:t>HF</a:t>
             </a:r>
@@ -8989,9 +9035,9 @@
                 <a:solidFill>
                   <a:srgbClr val="FF0000"/>
                 </a:solidFill>
-                <a:latin typeface="Arial" pitchFamily="18"/>
-                <a:ea typeface="Microsoft YaHei" pitchFamily="2"/>
-                <a:cs typeface="Lucida Sans" pitchFamily="2"/>
+                <a:latin typeface="Arial" panose="020B0604020202020204" pitchFamily="18"/>
+                <a:ea typeface="Microsoft YaHei" panose="020B0503020204020204" pitchFamily="2" charset="-122"/>
+                <a:cs typeface="Lucida Sans" panose="020B0602030504020204" pitchFamily="2"/>
               </a:rPr>
               <a:t> </a:t>
             </a:r>
@@ -8999,9 +9045,9 @@
               <a:solidFill>
                 <a:srgbClr val="FF0000"/>
               </a:solidFill>
-              <a:latin typeface="Arial" pitchFamily="18"/>
-              <a:ea typeface="Microsoft YaHei" pitchFamily="2"/>
-              <a:cs typeface="Lucida Sans" pitchFamily="2"/>
+              <a:latin typeface="Arial" panose="020B0604020202020204" pitchFamily="18"/>
+              <a:ea typeface="Microsoft YaHei" panose="020B0503020204020204" pitchFamily="2" charset="-122"/>
+              <a:cs typeface="Lucida Sans" panose="020B0602030504020204" pitchFamily="2"/>
             </a:endParaRPr>
           </a:p>
         </p:txBody>
@@ -9091,9 +9137,9 @@
                 <a:solidFill>
                   <a:srgbClr val="FF0000"/>
                 </a:solidFill>
-                <a:latin typeface="Arial" pitchFamily="18"/>
-                <a:ea typeface="Microsoft YaHei" pitchFamily="2"/>
-                <a:cs typeface="Lucida Sans" pitchFamily="2"/>
+                <a:latin typeface="Arial" panose="020B0604020202020204" pitchFamily="18"/>
+                <a:ea typeface="Microsoft YaHei" panose="020B0503020204020204" pitchFamily="2" charset="-122"/>
+                <a:cs typeface="Lucida Sans" panose="020B0602030504020204" pitchFamily="2"/>
               </a:rPr>
               <a:t>VHF</a:t>
             </a:r>
@@ -9101,9 +9147,9 @@
               <a:solidFill>
                 <a:srgbClr val="FF0000"/>
               </a:solidFill>
-              <a:latin typeface="Arial" pitchFamily="18"/>
-              <a:ea typeface="Microsoft YaHei" pitchFamily="2"/>
-              <a:cs typeface="Lucida Sans" pitchFamily="2"/>
+              <a:latin typeface="Arial" panose="020B0604020202020204" pitchFamily="18"/>
+              <a:ea typeface="Microsoft YaHei" panose="020B0503020204020204" pitchFamily="2" charset="-122"/>
+              <a:cs typeface="Lucida Sans" panose="020B0602030504020204" pitchFamily="2"/>
             </a:endParaRPr>
           </a:p>
         </p:txBody>
@@ -9193,9 +9239,9 @@
                 <a:solidFill>
                   <a:srgbClr val="FF0000"/>
                 </a:solidFill>
-                <a:latin typeface="Arial" pitchFamily="18"/>
-                <a:ea typeface="Microsoft YaHei" pitchFamily="2"/>
-                <a:cs typeface="Lucida Sans" pitchFamily="2"/>
+                <a:latin typeface="Arial" panose="020B0604020202020204" pitchFamily="18"/>
+                <a:ea typeface="Microsoft YaHei" panose="020B0503020204020204" pitchFamily="2" charset="-122"/>
+                <a:cs typeface="Lucida Sans" panose="020B0602030504020204" pitchFamily="2"/>
               </a:rPr>
               <a:t>UHF</a:t>
             </a:r>
@@ -9203,9 +9249,9 @@
               <a:solidFill>
                 <a:srgbClr val="FF0000"/>
               </a:solidFill>
-              <a:latin typeface="Arial" pitchFamily="18"/>
-              <a:ea typeface="Microsoft YaHei" pitchFamily="2"/>
-              <a:cs typeface="Lucida Sans" pitchFamily="2"/>
+              <a:latin typeface="Arial" panose="020B0604020202020204" pitchFamily="18"/>
+              <a:ea typeface="Microsoft YaHei" panose="020B0503020204020204" pitchFamily="2" charset="-122"/>
+              <a:cs typeface="Lucida Sans" panose="020B0602030504020204" pitchFamily="2"/>
             </a:endParaRPr>
           </a:p>
         </p:txBody>
@@ -9661,10 +9707,6 @@
               </a:rPr>
               <a:t>Nav Selected</a:t>
             </a:r>
-            <a:r>
-              <a:rPr lang="en-US" sz="2500" dirty="0"/>
-              <a:t/>
-            </a:r>
             <a:br>
               <a:rPr lang="en-US" sz="2500" dirty="0"/>
             </a:br>
@@ -9755,9 +9797,9 @@
               <a:buNone/>
             </a:pPr>
             <a:endParaRPr lang="en-US" sz="1600" dirty="0">
-              <a:latin typeface="Arial" pitchFamily="18"/>
-              <a:ea typeface="Microsoft YaHei" pitchFamily="2"/>
-              <a:cs typeface="Lucida Sans" pitchFamily="2"/>
+              <a:latin typeface="Arial" panose="020B0604020202020204" pitchFamily="18"/>
+              <a:ea typeface="Microsoft YaHei" panose="020B0503020204020204" pitchFamily="2" charset="-122"/>
+              <a:cs typeface="Lucida Sans" panose="020B0602030504020204" pitchFamily="2"/>
             </a:endParaRPr>
           </a:p>
         </p:txBody>
@@ -9878,12 +9920,12 @@
               <a:gd name="f98" fmla="*/ f95 f29 1"/>
             </a:gdLst>
             <a:ahLst>
-              <a:ahXY gdRefX="f0" minX="f7" maxX="f10" gdRefY="" minY="0" maxY="0">
+              <a:ahXY gdRefX="f0" minX="f7" maxX="f10">
                 <a:pos x="f36" y="f37"/>
               </a:ahXY>
             </a:ahLst>
             <a:cxnLst>
-              <a:cxn ang="3cd4">
+              <a:cxn ang="3">
                 <a:pos x="hc" y="t"/>
               </a:cxn>
               <a:cxn ang="0">
@@ -9988,9 +10030,9 @@
               <a:buNone/>
             </a:pPr>
             <a:endParaRPr lang="en-US" sz="1600" dirty="0">
-              <a:latin typeface="Arial" pitchFamily="18"/>
-              <a:ea typeface="Microsoft YaHei" pitchFamily="2"/>
-              <a:cs typeface="Lucida Sans" pitchFamily="2"/>
+              <a:latin typeface="Arial" panose="020B0604020202020204" pitchFamily="18"/>
+              <a:ea typeface="Microsoft YaHei" panose="020B0503020204020204" pitchFamily="2" charset="-122"/>
+              <a:cs typeface="Lucida Sans" panose="020B0602030504020204" pitchFamily="2"/>
             </a:endParaRPr>
           </a:p>
         </p:txBody>
@@ -10111,12 +10153,12 @@
               <a:gd name="f98" fmla="*/ f95 f29 1"/>
             </a:gdLst>
             <a:ahLst>
-              <a:ahXY gdRefX="f0" minX="f7" maxX="f10" gdRefY="" minY="0" maxY="0">
+              <a:ahXY gdRefX="f0" minX="f7" maxX="f10">
                 <a:pos x="f36" y="f37"/>
               </a:ahXY>
             </a:ahLst>
             <a:cxnLst>
-              <a:cxn ang="3cd4">
+              <a:cxn ang="3">
                 <a:pos x="hc" y="t"/>
               </a:cxn>
               <a:cxn ang="0">
@@ -10221,9 +10263,9 @@
               <a:buNone/>
             </a:pPr>
             <a:endParaRPr lang="en-US" sz="1600" dirty="0">
-              <a:latin typeface="Arial" pitchFamily="18"/>
-              <a:ea typeface="Microsoft YaHei" pitchFamily="2"/>
-              <a:cs typeface="Lucida Sans" pitchFamily="2"/>
+              <a:latin typeface="Arial" panose="020B0604020202020204" pitchFamily="18"/>
+              <a:ea typeface="Microsoft YaHei" panose="020B0503020204020204" pitchFamily="2" charset="-122"/>
+              <a:cs typeface="Lucida Sans" panose="020B0602030504020204" pitchFamily="2"/>
             </a:endParaRPr>
           </a:p>
         </p:txBody>
@@ -10344,12 +10386,12 @@
               <a:gd name="f98" fmla="*/ f95 f29 1"/>
             </a:gdLst>
             <a:ahLst>
-              <a:ahXY gdRefX="f0" minX="f7" maxX="f10" gdRefY="" minY="0" maxY="0">
+              <a:ahXY gdRefX="f0" minX="f7" maxX="f10">
                 <a:pos x="f36" y="f37"/>
               </a:ahXY>
             </a:ahLst>
             <a:cxnLst>
-              <a:cxn ang="3cd4">
+              <a:cxn ang="3">
                 <a:pos x="hc" y="t"/>
               </a:cxn>
               <a:cxn ang="0">
@@ -10454,9 +10496,9 @@
               <a:buNone/>
             </a:pPr>
             <a:endParaRPr lang="en-US" sz="1600" dirty="0">
-              <a:latin typeface="Arial" pitchFamily="18"/>
-              <a:ea typeface="Microsoft YaHei" pitchFamily="2"/>
-              <a:cs typeface="Lucida Sans" pitchFamily="2"/>
+              <a:latin typeface="Arial" panose="020B0604020202020204" pitchFamily="18"/>
+              <a:ea typeface="Microsoft YaHei" panose="020B0503020204020204" pitchFamily="2" charset="-122"/>
+              <a:cs typeface="Lucida Sans" panose="020B0602030504020204" pitchFamily="2"/>
             </a:endParaRPr>
           </a:p>
         </p:txBody>
@@ -10577,12 +10619,12 @@
               <a:gd name="f98" fmla="*/ f95 f29 1"/>
             </a:gdLst>
             <a:ahLst>
-              <a:ahXY gdRefX="f0" minX="f7" maxX="f10" gdRefY="" minY="0" maxY="0">
+              <a:ahXY gdRefX="f0" minX="f7" maxX="f10">
                 <a:pos x="f36" y="f37"/>
               </a:ahXY>
             </a:ahLst>
             <a:cxnLst>
-              <a:cxn ang="3cd4">
+              <a:cxn ang="3">
                 <a:pos x="hc" y="t"/>
               </a:cxn>
               <a:cxn ang="0">
@@ -10687,9 +10729,9 @@
               <a:buNone/>
             </a:pPr>
             <a:endParaRPr lang="en-US" sz="1600" dirty="0">
-              <a:latin typeface="Arial" pitchFamily="18"/>
-              <a:ea typeface="Microsoft YaHei" pitchFamily="2"/>
-              <a:cs typeface="Lucida Sans" pitchFamily="2"/>
+              <a:latin typeface="Arial" panose="020B0604020202020204" pitchFamily="18"/>
+              <a:ea typeface="Microsoft YaHei" panose="020B0503020204020204" pitchFamily="2" charset="-122"/>
+              <a:cs typeface="Lucida Sans" panose="020B0602030504020204" pitchFamily="2"/>
             </a:endParaRPr>
           </a:p>
         </p:txBody>
@@ -10776,16 +10818,16 @@
             </a:pPr>
             <a:r>
               <a:rPr lang="en-US" sz="1600" b="1" dirty="0" smtClean="0">
-                <a:latin typeface="Arial" pitchFamily="18"/>
-                <a:ea typeface="Microsoft YaHei" pitchFamily="2"/>
-                <a:cs typeface="Lucida Sans" pitchFamily="2"/>
+                <a:latin typeface="Arial" panose="020B0604020202020204" pitchFamily="18"/>
+                <a:ea typeface="Microsoft YaHei" panose="020B0503020204020204" pitchFamily="2" charset="-122"/>
+                <a:cs typeface="Lucida Sans" panose="020B0602030504020204" pitchFamily="2"/>
               </a:rPr>
               <a:t>NAV</a:t>
             </a:r>
             <a:endParaRPr lang="en-US" sz="1600" b="1" dirty="0">
-              <a:latin typeface="Arial" pitchFamily="18"/>
-              <a:ea typeface="Microsoft YaHei" pitchFamily="2"/>
-              <a:cs typeface="Lucida Sans" pitchFamily="2"/>
+              <a:latin typeface="Arial" panose="020B0604020202020204" pitchFamily="18"/>
+              <a:ea typeface="Microsoft YaHei" panose="020B0503020204020204" pitchFamily="2" charset="-122"/>
+              <a:cs typeface="Lucida Sans" panose="020B0602030504020204" pitchFamily="2"/>
             </a:endParaRPr>
           </a:p>
         </p:txBody>
@@ -10906,12 +10948,12 @@
               <a:gd name="f98" fmla="*/ f95 f29 1"/>
             </a:gdLst>
             <a:ahLst>
-              <a:ahXY gdRefX="f0" minX="f7" maxX="f10" gdRefY="" minY="0" maxY="0">
+              <a:ahXY gdRefX="f0" minX="f7" maxX="f10">
                 <a:pos x="f36" y="f37"/>
               </a:ahXY>
             </a:ahLst>
             <a:cxnLst>
-              <a:cxn ang="3cd4">
+              <a:cxn ang="3">
                 <a:pos x="hc" y="t"/>
               </a:cxn>
               <a:cxn ang="0">
@@ -11016,9 +11058,9 @@
               <a:buNone/>
             </a:pPr>
             <a:endParaRPr lang="en-US" sz="1600" dirty="0">
-              <a:latin typeface="Arial" pitchFamily="18"/>
-              <a:ea typeface="Microsoft YaHei" pitchFamily="2"/>
-              <a:cs typeface="Lucida Sans" pitchFamily="2"/>
+              <a:latin typeface="Arial" panose="020B0604020202020204" pitchFamily="18"/>
+              <a:ea typeface="Microsoft YaHei" panose="020B0503020204020204" pitchFamily="2" charset="-122"/>
+              <a:cs typeface="Lucida Sans" panose="020B0602030504020204" pitchFamily="2"/>
             </a:endParaRPr>
           </a:p>
         </p:txBody>
@@ -11139,12 +11181,12 @@
               <a:gd name="f98" fmla="*/ f95 f29 1"/>
             </a:gdLst>
             <a:ahLst>
-              <a:ahXY gdRefX="f0" minX="f7" maxX="f10" gdRefY="" minY="0" maxY="0">
+              <a:ahXY gdRefX="f0" minX="f7" maxX="f10">
                 <a:pos x="f36" y="f37"/>
               </a:ahXY>
             </a:ahLst>
             <a:cxnLst>
-              <a:cxn ang="3cd4">
+              <a:cxn ang="3">
                 <a:pos x="hc" y="t"/>
               </a:cxn>
               <a:cxn ang="0">
@@ -11249,9 +11291,9 @@
               <a:buNone/>
             </a:pPr>
             <a:endParaRPr lang="en-US" sz="1600" dirty="0">
-              <a:latin typeface="Arial" pitchFamily="18"/>
-              <a:ea typeface="Microsoft YaHei" pitchFamily="2"/>
-              <a:cs typeface="Lucida Sans" pitchFamily="2"/>
+              <a:latin typeface="Arial" panose="020B0604020202020204" pitchFamily="18"/>
+              <a:ea typeface="Microsoft YaHei" panose="020B0503020204020204" pitchFamily="2" charset="-122"/>
+              <a:cs typeface="Lucida Sans" panose="020B0602030504020204" pitchFamily="2"/>
             </a:endParaRPr>
           </a:p>
         </p:txBody>
@@ -11372,12 +11414,12 @@
               <a:gd name="f98" fmla="*/ f95 f29 1"/>
             </a:gdLst>
             <a:ahLst>
-              <a:ahXY gdRefX="f0" minX="f7" maxX="f10" gdRefY="" minY="0" maxY="0">
+              <a:ahXY gdRefX="f0" minX="f7" maxX="f10">
                 <a:pos x="f36" y="f37"/>
               </a:ahXY>
             </a:ahLst>
             <a:cxnLst>
-              <a:cxn ang="3cd4">
+              <a:cxn ang="3">
                 <a:pos x="hc" y="t"/>
               </a:cxn>
               <a:cxn ang="0">
@@ -11482,9 +11524,9 @@
               <a:buNone/>
             </a:pPr>
             <a:endParaRPr lang="en-US" sz="1600" dirty="0">
-              <a:latin typeface="Arial" pitchFamily="18"/>
-              <a:ea typeface="Microsoft YaHei" pitchFamily="2"/>
-              <a:cs typeface="Lucida Sans" pitchFamily="2"/>
+              <a:latin typeface="Arial" panose="020B0604020202020204" pitchFamily="18"/>
+              <a:ea typeface="Microsoft YaHei" panose="020B0503020204020204" pitchFamily="2" charset="-122"/>
+              <a:cs typeface="Lucida Sans" panose="020B0602030504020204" pitchFamily="2"/>
             </a:endParaRPr>
           </a:p>
         </p:txBody>
@@ -11605,12 +11647,12 @@
               <a:gd name="f98" fmla="*/ f95 f29 1"/>
             </a:gdLst>
             <a:ahLst>
-              <a:ahXY gdRefX="f0" minX="f7" maxX="f10" gdRefY="" minY="0" maxY="0">
+              <a:ahXY gdRefX="f0" minX="f7" maxX="f10">
                 <a:pos x="f36" y="f37"/>
               </a:ahXY>
             </a:ahLst>
             <a:cxnLst>
-              <a:cxn ang="3cd4">
+              <a:cxn ang="3">
                 <a:pos x="hc" y="t"/>
               </a:cxn>
               <a:cxn ang="0">
@@ -11715,9 +11757,9 @@
               <a:buNone/>
             </a:pPr>
             <a:endParaRPr lang="en-US" sz="1600" dirty="0">
-              <a:latin typeface="Arial" pitchFamily="18"/>
-              <a:ea typeface="Microsoft YaHei" pitchFamily="2"/>
-              <a:cs typeface="Lucida Sans" pitchFamily="2"/>
+              <a:latin typeface="Arial" panose="020B0604020202020204" pitchFamily="18"/>
+              <a:ea typeface="Microsoft YaHei" panose="020B0503020204020204" pitchFamily="2" charset="-122"/>
+              <a:cs typeface="Lucida Sans" panose="020B0602030504020204" pitchFamily="2"/>
             </a:endParaRPr>
           </a:p>
         </p:txBody>
@@ -11804,16 +11846,16 @@
             </a:pPr>
             <a:r>
               <a:rPr lang="en-US" sz="1600" dirty="0" smtClean="0">
-                <a:latin typeface="Arial" pitchFamily="18"/>
-                <a:ea typeface="Microsoft YaHei" pitchFamily="2"/>
-                <a:cs typeface="Lucida Sans" pitchFamily="2"/>
+                <a:latin typeface="Arial" panose="020B0604020202020204" pitchFamily="18"/>
+                <a:ea typeface="Microsoft YaHei" panose="020B0503020204020204" pitchFamily="2" charset="-122"/>
+                <a:cs typeface="Lucida Sans" panose="020B0602030504020204" pitchFamily="2"/>
               </a:rPr>
               <a:t>BACK</a:t>
             </a:r>
             <a:endParaRPr lang="en-US" sz="1600" dirty="0">
-              <a:latin typeface="Arial" pitchFamily="18"/>
-              <a:ea typeface="Microsoft YaHei" pitchFamily="2"/>
-              <a:cs typeface="Lucida Sans" pitchFamily="2"/>
+              <a:latin typeface="Arial" panose="020B0604020202020204" pitchFamily="18"/>
+              <a:ea typeface="Microsoft YaHei" panose="020B0503020204020204" pitchFamily="2" charset="-122"/>
+              <a:cs typeface="Lucida Sans" panose="020B0602030504020204" pitchFamily="2"/>
             </a:endParaRPr>
           </a:p>
         </p:txBody>
@@ -11900,16 +11942,16 @@
             </a:pPr>
             <a:r>
               <a:rPr lang="en-US" sz="1600" dirty="0" smtClean="0">
-                <a:latin typeface="Arial" pitchFamily="18"/>
-                <a:ea typeface="Microsoft YaHei" pitchFamily="2"/>
-                <a:cs typeface="Lucida Sans" pitchFamily="2"/>
+                <a:latin typeface="Arial" panose="020B0604020202020204" pitchFamily="18"/>
+                <a:ea typeface="Microsoft YaHei" panose="020B0503020204020204" pitchFamily="2" charset="-122"/>
+                <a:cs typeface="Lucida Sans" panose="020B0602030504020204" pitchFamily="2"/>
               </a:rPr>
               <a:t>HOME</a:t>
             </a:r>
             <a:endParaRPr lang="en-US" sz="1600" dirty="0">
-              <a:latin typeface="Arial" pitchFamily="18"/>
-              <a:ea typeface="Microsoft YaHei" pitchFamily="2"/>
-              <a:cs typeface="Lucida Sans" pitchFamily="2"/>
+              <a:latin typeface="Arial" panose="020B0604020202020204" pitchFamily="18"/>
+              <a:ea typeface="Microsoft YaHei" panose="020B0503020204020204" pitchFamily="2" charset="-122"/>
+              <a:cs typeface="Lucida Sans" panose="020B0602030504020204" pitchFamily="2"/>
             </a:endParaRPr>
           </a:p>
         </p:txBody>
@@ -11996,16 +12038,16 @@
             </a:pPr>
             <a:r>
               <a:rPr lang="en-US" sz="1600" dirty="0" smtClean="0">
-                <a:latin typeface="Arial" pitchFamily="18"/>
-                <a:ea typeface="Microsoft YaHei" pitchFamily="2"/>
-                <a:cs typeface="Lucida Sans" pitchFamily="2"/>
+                <a:latin typeface="Arial" panose="020B0604020202020204" pitchFamily="18"/>
+                <a:ea typeface="Microsoft YaHei" panose="020B0503020204020204" pitchFamily="2" charset="-122"/>
+                <a:cs typeface="Lucida Sans" panose="020B0602030504020204" pitchFamily="2"/>
               </a:rPr>
               <a:t>OK</a:t>
             </a:r>
             <a:endParaRPr lang="en-US" sz="1600" dirty="0">
-              <a:latin typeface="Arial" pitchFamily="18"/>
-              <a:ea typeface="Microsoft YaHei" pitchFamily="2"/>
-              <a:cs typeface="Lucida Sans" pitchFamily="2"/>
+              <a:latin typeface="Arial" panose="020B0604020202020204" pitchFamily="18"/>
+              <a:ea typeface="Microsoft YaHei" panose="020B0503020204020204" pitchFamily="2" charset="-122"/>
+              <a:cs typeface="Lucida Sans" panose="020B0602030504020204" pitchFamily="2"/>
             </a:endParaRPr>
           </a:p>
         </p:txBody>
@@ -12092,16 +12134,16 @@
             </a:pPr>
             <a:r>
               <a:rPr lang="en-US" sz="1600" dirty="0" smtClean="0">
-                <a:latin typeface="Arial" pitchFamily="18"/>
-                <a:ea typeface="Microsoft YaHei" pitchFamily="2"/>
-                <a:cs typeface="Lucida Sans" pitchFamily="2"/>
+                <a:latin typeface="Arial" panose="020B0604020202020204" pitchFamily="18"/>
+                <a:ea typeface="Microsoft YaHei" panose="020B0503020204020204" pitchFamily="2" charset="-122"/>
+                <a:cs typeface="Lucida Sans" panose="020B0602030504020204" pitchFamily="2"/>
               </a:rPr>
               <a:t>SWAP</a:t>
             </a:r>
             <a:endParaRPr lang="en-US" sz="1600" dirty="0">
-              <a:latin typeface="Arial" pitchFamily="18"/>
-              <a:ea typeface="Microsoft YaHei" pitchFamily="2"/>
-              <a:cs typeface="Lucida Sans" pitchFamily="2"/>
+              <a:latin typeface="Arial" panose="020B0604020202020204" pitchFamily="18"/>
+              <a:ea typeface="Microsoft YaHei" panose="020B0503020204020204" pitchFamily="2" charset="-122"/>
+              <a:cs typeface="Lucida Sans" panose="020B0602030504020204" pitchFamily="2"/>
             </a:endParaRPr>
           </a:p>
         </p:txBody>
@@ -12222,12 +12264,12 @@
               <a:gd name="f98" fmla="*/ f95 f29 1"/>
             </a:gdLst>
             <a:ahLst>
-              <a:ahXY gdRefX="f0" minX="f7" maxX="f10" gdRefY="" minY="0" maxY="0">
+              <a:ahXY gdRefX="f0" minX="f7" maxX="f10">
                 <a:pos x="f36" y="f37"/>
               </a:ahXY>
             </a:ahLst>
             <a:cxnLst>
-              <a:cxn ang="3cd4">
+              <a:cxn ang="3">
                 <a:pos x="hc" y="t"/>
               </a:cxn>
               <a:cxn ang="0">
@@ -12332,9 +12374,9 @@
               <a:buNone/>
             </a:pPr>
             <a:endParaRPr lang="en-US" sz="1600" dirty="0">
-              <a:latin typeface="Arial" pitchFamily="18"/>
-              <a:ea typeface="Microsoft YaHei" pitchFamily="2"/>
-              <a:cs typeface="Lucida Sans" pitchFamily="2"/>
+              <a:latin typeface="Arial" panose="020B0604020202020204" pitchFamily="18"/>
+              <a:ea typeface="Microsoft YaHei" panose="020B0503020204020204" pitchFamily="2" charset="-122"/>
+              <a:cs typeface="Lucida Sans" panose="020B0602030504020204" pitchFamily="2"/>
             </a:endParaRPr>
           </a:p>
         </p:txBody>
@@ -12455,12 +12497,12 @@
               <a:gd name="f98" fmla="*/ f95 f29 1"/>
             </a:gdLst>
             <a:ahLst>
-              <a:ahXY gdRefX="f0" minX="f7" maxX="f10" gdRefY="" minY="0" maxY="0">
+              <a:ahXY gdRefX="f0" minX="f7" maxX="f10">
                 <a:pos x="f36" y="f37"/>
               </a:ahXY>
             </a:ahLst>
             <a:cxnLst>
-              <a:cxn ang="3cd4">
+              <a:cxn ang="3">
                 <a:pos x="hc" y="t"/>
               </a:cxn>
               <a:cxn ang="0">
@@ -12565,9 +12607,9 @@
               <a:buNone/>
             </a:pPr>
             <a:endParaRPr lang="en-US" sz="1600" dirty="0">
-              <a:latin typeface="Arial" pitchFamily="18"/>
-              <a:ea typeface="Microsoft YaHei" pitchFamily="2"/>
-              <a:cs typeface="Lucida Sans" pitchFamily="2"/>
+              <a:latin typeface="Arial" panose="020B0604020202020204" pitchFamily="18"/>
+              <a:ea typeface="Microsoft YaHei" panose="020B0503020204020204" pitchFamily="2" charset="-122"/>
+              <a:cs typeface="Lucida Sans" panose="020B0602030504020204" pitchFamily="2"/>
             </a:endParaRPr>
           </a:p>
         </p:txBody>
@@ -12688,12 +12730,12 @@
               <a:gd name="f98" fmla="*/ f95 f29 1"/>
             </a:gdLst>
             <a:ahLst>
-              <a:ahXY gdRefX="f0" minX="f7" maxX="f10" gdRefY="" minY="0" maxY="0">
+              <a:ahXY gdRefX="f0" minX="f7" maxX="f10">
                 <a:pos x="f36" y="f37"/>
               </a:ahXY>
             </a:ahLst>
             <a:cxnLst>
-              <a:cxn ang="3cd4">
+              <a:cxn ang="3">
                 <a:pos x="hc" y="t"/>
               </a:cxn>
               <a:cxn ang="0">
@@ -12798,9 +12840,9 @@
               <a:buNone/>
             </a:pPr>
             <a:endParaRPr lang="en-US" sz="1600" dirty="0">
-              <a:latin typeface="Arial" pitchFamily="18"/>
-              <a:ea typeface="Microsoft YaHei" pitchFamily="2"/>
-              <a:cs typeface="Lucida Sans" pitchFamily="2"/>
+              <a:latin typeface="Arial" panose="020B0604020202020204" pitchFamily="18"/>
+              <a:ea typeface="Microsoft YaHei" panose="020B0503020204020204" pitchFamily="2" charset="-122"/>
+              <a:cs typeface="Lucida Sans" panose="020B0602030504020204" pitchFamily="2"/>
             </a:endParaRPr>
           </a:p>
         </p:txBody>
@@ -12921,12 +12963,12 @@
               <a:gd name="f98" fmla="*/ f95 f29 1"/>
             </a:gdLst>
             <a:ahLst>
-              <a:ahXY gdRefX="f0" minX="f7" maxX="f10" gdRefY="" minY="0" maxY="0">
+              <a:ahXY gdRefX="f0" minX="f7" maxX="f10">
                 <a:pos x="f36" y="f37"/>
               </a:ahXY>
             </a:ahLst>
             <a:cxnLst>
-              <a:cxn ang="3cd4">
+              <a:cxn ang="3">
                 <a:pos x="hc" y="t"/>
               </a:cxn>
               <a:cxn ang="0">
@@ -13031,9 +13073,9 @@
               <a:buNone/>
             </a:pPr>
             <a:endParaRPr lang="en-US" sz="1600" dirty="0">
-              <a:latin typeface="Arial" pitchFamily="18"/>
-              <a:ea typeface="Microsoft YaHei" pitchFamily="2"/>
-              <a:cs typeface="Lucida Sans" pitchFamily="2"/>
+              <a:latin typeface="Arial" panose="020B0604020202020204" pitchFamily="18"/>
+              <a:ea typeface="Microsoft YaHei" panose="020B0503020204020204" pitchFamily="2" charset="-122"/>
+              <a:cs typeface="Lucida Sans" panose="020B0602030504020204" pitchFamily="2"/>
             </a:endParaRPr>
           </a:p>
         </p:txBody>
@@ -13061,7 +13103,7 @@
           <a:lstStyle/>
           <a:p>
             <a:pPr>
-              <a:buFont typeface="Arial" pitchFamily="34" charset="0"/>
+              <a:buFont typeface="Arial" panose="020B0604020202020204" pitchFamily="34" charset="0"/>
               <a:buChar char="•"/>
             </a:pPr>
             <a:r>
@@ -13076,7 +13118,7 @@
           </a:p>
           <a:p>
             <a:pPr>
-              <a:buFont typeface="Arial" pitchFamily="34" charset="0"/>
+              <a:buFont typeface="Arial" panose="020B0604020202020204" pitchFamily="34" charset="0"/>
               <a:buChar char="•"/>
             </a:pPr>
             <a:r>
@@ -13123,7 +13165,7 @@
           </a:p>
           <a:p>
             <a:pPr>
-              <a:buFont typeface="Arial" pitchFamily="34" charset="0"/>
+              <a:buFont typeface="Arial" panose="020B0604020202020204" pitchFamily="34" charset="0"/>
               <a:buChar char="•"/>
             </a:pPr>
             <a:r>
@@ -13150,10 +13192,11 @@
               <a:rPr lang="en-US" sz="1300" dirty="0" smtClean="0"/>
               <a:t> soft button. The standby frequency       will be highlighted.</a:t>
             </a:r>
+            <a:endParaRPr lang="en-US" sz="1300" dirty="0" smtClean="0"/>
           </a:p>
           <a:p>
             <a:pPr>
-              <a:buFont typeface="Arial" pitchFamily="34" charset="0"/>
+              <a:buFont typeface="Arial" panose="020B0604020202020204" pitchFamily="34" charset="0"/>
               <a:buChar char="•"/>
             </a:pPr>
             <a:r>
@@ -13176,7 +13219,7 @@
           </a:p>
           <a:p>
             <a:pPr>
-              <a:buFont typeface="Arial" pitchFamily="34" charset="0"/>
+              <a:buFont typeface="Arial" panose="020B0604020202020204" pitchFamily="34" charset="0"/>
               <a:buChar char="•"/>
             </a:pPr>
             <a:r>
@@ -13451,12 +13494,12 @@
               <a:gd name="f98" fmla="*/ f95 f29 1"/>
             </a:gdLst>
             <a:ahLst>
-              <a:ahXY gdRefX="f0" minX="f7" maxX="f10" gdRefY="" minY="0" maxY="0">
+              <a:ahXY gdRefX="f0" minX="f7" maxX="f10">
                 <a:pos x="f36" y="f37"/>
               </a:ahXY>
             </a:ahLst>
             <a:cxnLst>
-              <a:cxn ang="3cd4">
+              <a:cxn ang="3">
                 <a:pos x="hc" y="t"/>
               </a:cxn>
               <a:cxn ang="0">
@@ -13561,9 +13604,9 @@
               <a:buNone/>
             </a:pPr>
             <a:endParaRPr lang="en-US" sz="1600" dirty="0">
-              <a:latin typeface="Arial" pitchFamily="18"/>
-              <a:ea typeface="Microsoft YaHei" pitchFamily="2"/>
-              <a:cs typeface="Lucida Sans" pitchFamily="2"/>
+              <a:latin typeface="Arial" panose="020B0604020202020204" pitchFamily="18"/>
+              <a:ea typeface="Microsoft YaHei" panose="020B0503020204020204" pitchFamily="2" charset="-122"/>
+              <a:cs typeface="Lucida Sans" panose="020B0602030504020204" pitchFamily="2"/>
             </a:endParaRPr>
           </a:p>
         </p:txBody>
@@ -13684,12 +13727,12 @@
               <a:gd name="f98" fmla="*/ f95 f29 1"/>
             </a:gdLst>
             <a:ahLst>
-              <a:ahXY gdRefX="f0" minX="f7" maxX="f10" gdRefY="" minY="0" maxY="0">
+              <a:ahXY gdRefX="f0" minX="f7" maxX="f10">
                 <a:pos x="f36" y="f37"/>
               </a:ahXY>
             </a:ahLst>
             <a:cxnLst>
-              <a:cxn ang="3cd4">
+              <a:cxn ang="3">
                 <a:pos x="hc" y="t"/>
               </a:cxn>
               <a:cxn ang="0">
@@ -13794,9 +13837,9 @@
               <a:buNone/>
             </a:pPr>
             <a:endParaRPr lang="en-US" sz="1600" dirty="0">
-              <a:latin typeface="Arial" pitchFamily="18"/>
-              <a:ea typeface="Microsoft YaHei" pitchFamily="2"/>
-              <a:cs typeface="Lucida Sans" pitchFamily="2"/>
+              <a:latin typeface="Arial" panose="020B0604020202020204" pitchFamily="18"/>
+              <a:ea typeface="Microsoft YaHei" panose="020B0503020204020204" pitchFamily="2" charset="-122"/>
+              <a:cs typeface="Lucida Sans" panose="020B0602030504020204" pitchFamily="2"/>
             </a:endParaRPr>
           </a:p>
         </p:txBody>
@@ -13883,16 +13926,16 @@
             </a:pPr>
             <a:r>
               <a:rPr lang="en-US" sz="1600" dirty="0" smtClean="0">
-                <a:latin typeface="Arial" pitchFamily="18"/>
-                <a:ea typeface="Microsoft YaHei" pitchFamily="2"/>
-                <a:cs typeface="Lucida Sans" pitchFamily="2"/>
+                <a:latin typeface="Arial" panose="020B0604020202020204" pitchFamily="18"/>
+                <a:ea typeface="Microsoft YaHei" panose="020B0503020204020204" pitchFamily="2" charset="-122"/>
+                <a:cs typeface="Lucida Sans" panose="020B0602030504020204" pitchFamily="2"/>
               </a:rPr>
               <a:t>PREV</a:t>
             </a:r>
             <a:endParaRPr lang="en-US" sz="1600" dirty="0">
-              <a:latin typeface="Arial" pitchFamily="18"/>
-              <a:ea typeface="Microsoft YaHei" pitchFamily="2"/>
-              <a:cs typeface="Lucida Sans" pitchFamily="2"/>
+              <a:latin typeface="Arial" panose="020B0604020202020204" pitchFamily="18"/>
+              <a:ea typeface="Microsoft YaHei" panose="020B0503020204020204" pitchFamily="2" charset="-122"/>
+              <a:cs typeface="Lucida Sans" panose="020B0602030504020204" pitchFamily="2"/>
             </a:endParaRPr>
           </a:p>
         </p:txBody>
@@ -13979,16 +14022,16 @@
             </a:pPr>
             <a:r>
               <a:rPr lang="en-US" sz="1600" dirty="0" smtClean="0">
-                <a:latin typeface="Arial" pitchFamily="18"/>
-                <a:ea typeface="Microsoft YaHei" pitchFamily="2"/>
-                <a:cs typeface="Lucida Sans" pitchFamily="2"/>
+                <a:latin typeface="Arial" panose="020B0604020202020204" pitchFamily="18"/>
+                <a:ea typeface="Microsoft YaHei" panose="020B0503020204020204" pitchFamily="2" charset="-122"/>
+                <a:cs typeface="Lucida Sans" panose="020B0602030504020204" pitchFamily="2"/>
               </a:rPr>
               <a:t>NEXT</a:t>
             </a:r>
             <a:endParaRPr lang="en-US" sz="1600" dirty="0">
-              <a:latin typeface="Arial" pitchFamily="18"/>
-              <a:ea typeface="Microsoft YaHei" pitchFamily="2"/>
-              <a:cs typeface="Lucida Sans" pitchFamily="2"/>
+              <a:latin typeface="Arial" panose="020B0604020202020204" pitchFamily="18"/>
+              <a:ea typeface="Microsoft YaHei" panose="020B0503020204020204" pitchFamily="2" charset="-122"/>
+              <a:cs typeface="Lucida Sans" panose="020B0602030504020204" pitchFamily="2"/>
             </a:endParaRPr>
           </a:p>
         </p:txBody>
@@ -14395,24 +14438,24 @@
             </a:pPr>
             <a:r>
               <a:rPr lang="en-US" sz="2000" b="1" dirty="0">
-                <a:latin typeface="Arial" pitchFamily="18"/>
-                <a:ea typeface="Microsoft YaHei" pitchFamily="2"/>
-                <a:cs typeface="Lucida Sans" pitchFamily="2"/>
+                <a:latin typeface="Arial" panose="020B0604020202020204" pitchFamily="18"/>
+                <a:ea typeface="Microsoft YaHei" panose="020B0503020204020204" pitchFamily="2" charset="-122"/>
+                <a:cs typeface="Lucida Sans" panose="020B0602030504020204" pitchFamily="2"/>
               </a:rPr>
               <a:t>A </a:t>
             </a:r>
             <a:r>
               <a:rPr lang="en-US" sz="2000" b="1" dirty="0" smtClean="0">
-                <a:latin typeface="Arial" pitchFamily="18"/>
-                <a:ea typeface="Microsoft YaHei" pitchFamily="2"/>
-                <a:cs typeface="Lucida Sans" pitchFamily="2"/>
+                <a:latin typeface="Arial" panose="020B0604020202020204" pitchFamily="18"/>
+                <a:ea typeface="Microsoft YaHei" panose="020B0503020204020204" pitchFamily="2" charset="-122"/>
+                <a:cs typeface="Lucida Sans" panose="020B0602030504020204" pitchFamily="2"/>
               </a:rPr>
               <a:t>118.00 </a:t>
             </a:r>
             <a:endParaRPr lang="en-US" sz="2000" b="1" dirty="0">
-              <a:latin typeface="Arial" pitchFamily="18"/>
-              <a:ea typeface="Microsoft YaHei" pitchFamily="2"/>
-              <a:cs typeface="Lucida Sans" pitchFamily="2"/>
+              <a:latin typeface="Arial" panose="020B0604020202020204" pitchFamily="18"/>
+              <a:ea typeface="Microsoft YaHei" panose="020B0503020204020204" pitchFamily="2" charset="-122"/>
+              <a:cs typeface="Lucida Sans" panose="020B0602030504020204" pitchFamily="2"/>
             </a:endParaRPr>
           </a:p>
         </p:txBody>
@@ -14499,24 +14542,24 @@
             </a:pPr>
             <a:r>
               <a:rPr lang="en-US" sz="1300" b="1" dirty="0">
-                <a:latin typeface="Arial" pitchFamily="18"/>
-                <a:ea typeface="Microsoft YaHei" pitchFamily="2"/>
-                <a:cs typeface="Lucida Sans" pitchFamily="2"/>
+                <a:latin typeface="Arial" panose="020B0604020202020204" pitchFamily="18"/>
+                <a:ea typeface="Microsoft YaHei" panose="020B0503020204020204" pitchFamily="2" charset="-122"/>
+                <a:cs typeface="Lucida Sans" panose="020B0602030504020204" pitchFamily="2"/>
               </a:rPr>
               <a:t>S </a:t>
             </a:r>
             <a:r>
               <a:rPr lang="en-US" sz="1300" b="1" dirty="0" smtClean="0">
-                <a:latin typeface="Arial" pitchFamily="18"/>
-                <a:ea typeface="Microsoft YaHei" pitchFamily="2"/>
-                <a:cs typeface="Lucida Sans" pitchFamily="2"/>
+                <a:latin typeface="Arial" panose="020B0604020202020204" pitchFamily="18"/>
+                <a:ea typeface="Microsoft YaHei" panose="020B0503020204020204" pitchFamily="2" charset="-122"/>
+                <a:cs typeface="Lucida Sans" panose="020B0602030504020204" pitchFamily="2"/>
               </a:rPr>
               <a:t>110.10</a:t>
             </a:r>
             <a:endParaRPr lang="en-US" sz="1300" b="1" dirty="0">
-              <a:latin typeface="Arial" pitchFamily="18"/>
-              <a:ea typeface="Microsoft YaHei" pitchFamily="2"/>
-              <a:cs typeface="Lucida Sans" pitchFamily="2"/>
+              <a:latin typeface="Arial" panose="020B0604020202020204" pitchFamily="18"/>
+              <a:ea typeface="Microsoft YaHei" panose="020B0503020204020204" pitchFamily="2" charset="-122"/>
+              <a:cs typeface="Lucida Sans" panose="020B0602030504020204" pitchFamily="2"/>
             </a:endParaRPr>
           </a:p>
         </p:txBody>
@@ -14603,16 +14646,16 @@
             </a:pPr>
             <a:r>
               <a:rPr lang="en-US" sz="1300" b="1" dirty="0" smtClean="0">
-                <a:latin typeface="Arial" pitchFamily="18"/>
-                <a:ea typeface="Microsoft YaHei" pitchFamily="2"/>
-                <a:cs typeface="Lucida Sans" pitchFamily="2"/>
+                <a:latin typeface="Arial" panose="020B0604020202020204" pitchFamily="18"/>
+                <a:ea typeface="Microsoft YaHei" panose="020B0503020204020204" pitchFamily="2" charset="-122"/>
+                <a:cs typeface="Lucida Sans" panose="020B0602030504020204" pitchFamily="2"/>
               </a:rPr>
               <a:t>PROG</a:t>
             </a:r>
             <a:endParaRPr lang="en-US" sz="1300" b="1" dirty="0">
-              <a:latin typeface="Arial" pitchFamily="18"/>
-              <a:ea typeface="Microsoft YaHei" pitchFamily="2"/>
-              <a:cs typeface="Lucida Sans" pitchFamily="2"/>
+              <a:latin typeface="Arial" panose="020B0604020202020204" pitchFamily="18"/>
+              <a:ea typeface="Microsoft YaHei" panose="020B0503020204020204" pitchFamily="2" charset="-122"/>
+              <a:cs typeface="Lucida Sans" panose="020B0602030504020204" pitchFamily="2"/>
             </a:endParaRPr>
           </a:p>
         </p:txBody>
@@ -14699,12 +14742,17 @@
             </a:pPr>
             <a:r>
               <a:rPr lang="en-US" sz="1300" b="1" dirty="0">
-                <a:latin typeface="Arial" pitchFamily="18"/>
-                <a:ea typeface="Microsoft YaHei" pitchFamily="2"/>
-                <a:cs typeface="Lucida Sans" pitchFamily="2"/>
+                <a:latin typeface="Arial" panose="020B0604020202020204" pitchFamily="18"/>
+                <a:ea typeface="Microsoft YaHei" panose="020B0503020204020204" pitchFamily="2" charset="-122"/>
+                <a:cs typeface="Lucida Sans" panose="020B0602030504020204" pitchFamily="2"/>
               </a:rPr>
               <a:t>P 1</a:t>
             </a:r>
+            <a:endParaRPr lang="en-US" sz="1300" b="1" dirty="0">
+              <a:latin typeface="Arial" panose="020B0604020202020204" pitchFamily="18"/>
+              <a:ea typeface="Microsoft YaHei" panose="020B0503020204020204" pitchFamily="2" charset="-122"/>
+              <a:cs typeface="Lucida Sans" panose="020B0602030504020204" pitchFamily="2"/>
+            </a:endParaRPr>
           </a:p>
         </p:txBody>
       </p:sp>
@@ -14790,12 +14838,17 @@
             </a:pPr>
             <a:r>
               <a:rPr lang="en-US" sz="1300" b="1" dirty="0">
-                <a:latin typeface="Arial" pitchFamily="18"/>
-                <a:ea typeface="Microsoft YaHei" pitchFamily="2"/>
-                <a:cs typeface="Lucida Sans" pitchFamily="2"/>
+                <a:latin typeface="Arial" panose="020B0604020202020204" pitchFamily="18"/>
+                <a:ea typeface="Microsoft YaHei" panose="020B0503020204020204" pitchFamily="2" charset="-122"/>
+                <a:cs typeface="Lucida Sans" panose="020B0602030504020204" pitchFamily="2"/>
               </a:rPr>
               <a:t>P 2</a:t>
             </a:r>
+            <a:endParaRPr lang="en-US" sz="1300" b="1" dirty="0">
+              <a:latin typeface="Arial" panose="020B0604020202020204" pitchFamily="18"/>
+              <a:ea typeface="Microsoft YaHei" panose="020B0503020204020204" pitchFamily="2" charset="-122"/>
+              <a:cs typeface="Lucida Sans" panose="020B0602030504020204" pitchFamily="2"/>
+            </a:endParaRPr>
           </a:p>
         </p:txBody>
       </p:sp>
@@ -14881,12 +14934,17 @@
             </a:pPr>
             <a:r>
               <a:rPr lang="en-US" sz="1300" b="1" dirty="0">
-                <a:latin typeface="Arial" pitchFamily="18"/>
-                <a:ea typeface="Microsoft YaHei" pitchFamily="2"/>
-                <a:cs typeface="Lucida Sans" pitchFamily="2"/>
+                <a:latin typeface="Arial" panose="020B0604020202020204" pitchFamily="18"/>
+                <a:ea typeface="Microsoft YaHei" panose="020B0503020204020204" pitchFamily="2" charset="-122"/>
+                <a:cs typeface="Lucida Sans" panose="020B0602030504020204" pitchFamily="2"/>
               </a:rPr>
               <a:t>P 3</a:t>
             </a:r>
+            <a:endParaRPr lang="en-US" sz="1300" b="1" dirty="0">
+              <a:latin typeface="Arial" panose="020B0604020202020204" pitchFamily="18"/>
+              <a:ea typeface="Microsoft YaHei" panose="020B0503020204020204" pitchFamily="2" charset="-122"/>
+              <a:cs typeface="Lucida Sans" panose="020B0602030504020204" pitchFamily="2"/>
+            </a:endParaRPr>
           </a:p>
         </p:txBody>
       </p:sp>
@@ -14972,12 +15030,17 @@
             </a:pPr>
             <a:r>
               <a:rPr lang="en-US" sz="1300" b="1" dirty="0">
-                <a:latin typeface="Arial" pitchFamily="18"/>
-                <a:ea typeface="Microsoft YaHei" pitchFamily="2"/>
-                <a:cs typeface="Lucida Sans" pitchFamily="2"/>
+                <a:latin typeface="Arial" panose="020B0604020202020204" pitchFamily="18"/>
+                <a:ea typeface="Microsoft YaHei" panose="020B0503020204020204" pitchFamily="2" charset="-122"/>
+                <a:cs typeface="Lucida Sans" panose="020B0602030504020204" pitchFamily="2"/>
               </a:rPr>
               <a:t>P 4</a:t>
             </a:r>
+            <a:endParaRPr lang="en-US" sz="1300" b="1" dirty="0">
+              <a:latin typeface="Arial" panose="020B0604020202020204" pitchFamily="18"/>
+              <a:ea typeface="Microsoft YaHei" panose="020B0503020204020204" pitchFamily="2" charset="-122"/>
+              <a:cs typeface="Lucida Sans" panose="020B0602030504020204" pitchFamily="2"/>
+            </a:endParaRPr>
           </a:p>
         </p:txBody>
       </p:sp>
@@ -15063,16 +15126,16 @@
             </a:pPr>
             <a:r>
               <a:rPr lang="en-US" sz="1300" b="1" dirty="0" smtClean="0">
-                <a:latin typeface="Arial" pitchFamily="18"/>
-                <a:ea typeface="Microsoft YaHei" pitchFamily="2"/>
-                <a:cs typeface="Lucida Sans" pitchFamily="2"/>
+                <a:latin typeface="Arial" panose="020B0604020202020204" pitchFamily="18"/>
+                <a:ea typeface="Microsoft YaHei" panose="020B0503020204020204" pitchFamily="2" charset="-122"/>
+                <a:cs typeface="Lucida Sans" panose="020B0602030504020204" pitchFamily="2"/>
               </a:rPr>
               <a:t>VOL</a:t>
             </a:r>
             <a:endParaRPr lang="en-US" sz="1300" b="1" dirty="0">
-              <a:latin typeface="Arial" pitchFamily="18"/>
-              <a:ea typeface="Microsoft YaHei" pitchFamily="2"/>
-              <a:cs typeface="Lucida Sans" pitchFamily="2"/>
+              <a:latin typeface="Arial" panose="020B0604020202020204" pitchFamily="18"/>
+              <a:ea typeface="Microsoft YaHei" panose="020B0503020204020204" pitchFamily="2" charset="-122"/>
+              <a:cs typeface="Lucida Sans" panose="020B0602030504020204" pitchFamily="2"/>
             </a:endParaRPr>
           </a:p>
         </p:txBody>
@@ -15275,10 +15338,6 @@
               </a:rPr>
               <a:t>Nav Selected</a:t>
             </a:r>
-            <a:r>
-              <a:rPr lang="en-US" sz="2500" dirty="0"/>
-              <a:t/>
-            </a:r>
             <a:br>
               <a:rPr lang="en-US" sz="2500" dirty="0"/>
             </a:br>
@@ -15369,9 +15428,9 @@
               <a:buNone/>
             </a:pPr>
             <a:endParaRPr lang="en-US" sz="1600" dirty="0">
-              <a:latin typeface="Arial" pitchFamily="18"/>
-              <a:ea typeface="Microsoft YaHei" pitchFamily="2"/>
-              <a:cs typeface="Lucida Sans" pitchFamily="2"/>
+              <a:latin typeface="Arial" panose="020B0604020202020204" pitchFamily="18"/>
+              <a:ea typeface="Microsoft YaHei" panose="020B0503020204020204" pitchFamily="2" charset="-122"/>
+              <a:cs typeface="Lucida Sans" panose="020B0602030504020204" pitchFamily="2"/>
             </a:endParaRPr>
           </a:p>
         </p:txBody>
@@ -15492,12 +15551,12 @@
               <a:gd name="f98" fmla="*/ f95 f29 1"/>
             </a:gdLst>
             <a:ahLst>
-              <a:ahXY gdRefX="f0" minX="f7" maxX="f10" gdRefY="" minY="0" maxY="0">
+              <a:ahXY gdRefX="f0" minX="f7" maxX="f10">
                 <a:pos x="f36" y="f37"/>
               </a:ahXY>
             </a:ahLst>
             <a:cxnLst>
-              <a:cxn ang="3cd4">
+              <a:cxn ang="3">
                 <a:pos x="hc" y="t"/>
               </a:cxn>
               <a:cxn ang="0">
@@ -15602,9 +15661,9 @@
               <a:buNone/>
             </a:pPr>
             <a:endParaRPr lang="en-US" sz="1600" dirty="0">
-              <a:latin typeface="Arial" pitchFamily="18"/>
-              <a:ea typeface="Microsoft YaHei" pitchFamily="2"/>
-              <a:cs typeface="Lucida Sans" pitchFamily="2"/>
+              <a:latin typeface="Arial" panose="020B0604020202020204" pitchFamily="18"/>
+              <a:ea typeface="Microsoft YaHei" panose="020B0503020204020204" pitchFamily="2" charset="-122"/>
+              <a:cs typeface="Lucida Sans" panose="020B0602030504020204" pitchFamily="2"/>
             </a:endParaRPr>
           </a:p>
         </p:txBody>
@@ -15725,12 +15784,12 @@
               <a:gd name="f98" fmla="*/ f95 f29 1"/>
             </a:gdLst>
             <a:ahLst>
-              <a:ahXY gdRefX="f0" minX="f7" maxX="f10" gdRefY="" minY="0" maxY="0">
+              <a:ahXY gdRefX="f0" minX="f7" maxX="f10">
                 <a:pos x="f36" y="f37"/>
               </a:ahXY>
             </a:ahLst>
             <a:cxnLst>
-              <a:cxn ang="3cd4">
+              <a:cxn ang="3">
                 <a:pos x="hc" y="t"/>
               </a:cxn>
               <a:cxn ang="0">
@@ -15835,9 +15894,9 @@
               <a:buNone/>
             </a:pPr>
             <a:endParaRPr lang="en-US" sz="1600" dirty="0">
-              <a:latin typeface="Arial" pitchFamily="18"/>
-              <a:ea typeface="Microsoft YaHei" pitchFamily="2"/>
-              <a:cs typeface="Lucida Sans" pitchFamily="2"/>
+              <a:latin typeface="Arial" panose="020B0604020202020204" pitchFamily="18"/>
+              <a:ea typeface="Microsoft YaHei" panose="020B0503020204020204" pitchFamily="2" charset="-122"/>
+              <a:cs typeface="Lucida Sans" panose="020B0602030504020204" pitchFamily="2"/>
             </a:endParaRPr>
           </a:p>
         </p:txBody>
@@ -15958,12 +16017,12 @@
               <a:gd name="f98" fmla="*/ f95 f29 1"/>
             </a:gdLst>
             <a:ahLst>
-              <a:ahXY gdRefX="f0" minX="f7" maxX="f10" gdRefY="" minY="0" maxY="0">
+              <a:ahXY gdRefX="f0" minX="f7" maxX="f10">
                 <a:pos x="f36" y="f37"/>
               </a:ahXY>
             </a:ahLst>
             <a:cxnLst>
-              <a:cxn ang="3cd4">
+              <a:cxn ang="3">
                 <a:pos x="hc" y="t"/>
               </a:cxn>
               <a:cxn ang="0">
@@ -16068,9 +16127,9 @@
               <a:buNone/>
             </a:pPr>
             <a:endParaRPr lang="en-US" sz="1600" dirty="0">
-              <a:latin typeface="Arial" pitchFamily="18"/>
-              <a:ea typeface="Microsoft YaHei" pitchFamily="2"/>
-              <a:cs typeface="Lucida Sans" pitchFamily="2"/>
+              <a:latin typeface="Arial" panose="020B0604020202020204" pitchFamily="18"/>
+              <a:ea typeface="Microsoft YaHei" panose="020B0503020204020204" pitchFamily="2" charset="-122"/>
+              <a:cs typeface="Lucida Sans" panose="020B0602030504020204" pitchFamily="2"/>
             </a:endParaRPr>
           </a:p>
         </p:txBody>
@@ -16191,12 +16250,12 @@
               <a:gd name="f98" fmla="*/ f95 f29 1"/>
             </a:gdLst>
             <a:ahLst>
-              <a:ahXY gdRefX="f0" minX="f7" maxX="f10" gdRefY="" minY="0" maxY="0">
+              <a:ahXY gdRefX="f0" minX="f7" maxX="f10">
                 <a:pos x="f36" y="f37"/>
               </a:ahXY>
             </a:ahLst>
             <a:cxnLst>
-              <a:cxn ang="3cd4">
+              <a:cxn ang="3">
                 <a:pos x="hc" y="t"/>
               </a:cxn>
               <a:cxn ang="0">
@@ -16301,9 +16360,9 @@
               <a:buNone/>
             </a:pPr>
             <a:endParaRPr lang="en-US" sz="1600" dirty="0">
-              <a:latin typeface="Arial" pitchFamily="18"/>
-              <a:ea typeface="Microsoft YaHei" pitchFamily="2"/>
-              <a:cs typeface="Lucida Sans" pitchFamily="2"/>
+              <a:latin typeface="Arial" panose="020B0604020202020204" pitchFamily="18"/>
+              <a:ea typeface="Microsoft YaHei" panose="020B0503020204020204" pitchFamily="2" charset="-122"/>
+              <a:cs typeface="Lucida Sans" panose="020B0602030504020204" pitchFamily="2"/>
             </a:endParaRPr>
           </a:p>
         </p:txBody>
@@ -16390,16 +16449,16 @@
             </a:pPr>
             <a:r>
               <a:rPr lang="en-US" sz="1600" b="1" dirty="0" smtClean="0">
-                <a:latin typeface="Arial" pitchFamily="18"/>
-                <a:ea typeface="Microsoft YaHei" pitchFamily="2"/>
-                <a:cs typeface="Lucida Sans" pitchFamily="2"/>
+                <a:latin typeface="Arial" panose="020B0604020202020204" pitchFamily="18"/>
+                <a:ea typeface="Microsoft YaHei" panose="020B0503020204020204" pitchFamily="2" charset="-122"/>
+                <a:cs typeface="Lucida Sans" panose="020B0602030504020204" pitchFamily="2"/>
               </a:rPr>
               <a:t>NAV</a:t>
             </a:r>
             <a:endParaRPr lang="en-US" sz="1600" b="1" dirty="0">
-              <a:latin typeface="Arial" pitchFamily="18"/>
-              <a:ea typeface="Microsoft YaHei" pitchFamily="2"/>
-              <a:cs typeface="Lucida Sans" pitchFamily="2"/>
+              <a:latin typeface="Arial" panose="020B0604020202020204" pitchFamily="18"/>
+              <a:ea typeface="Microsoft YaHei" panose="020B0503020204020204" pitchFamily="2" charset="-122"/>
+              <a:cs typeface="Lucida Sans" panose="020B0602030504020204" pitchFamily="2"/>
             </a:endParaRPr>
           </a:p>
         </p:txBody>
@@ -16520,12 +16579,12 @@
               <a:gd name="f98" fmla="*/ f95 f29 1"/>
             </a:gdLst>
             <a:ahLst>
-              <a:ahXY gdRefX="f0" minX="f7" maxX="f10" gdRefY="" minY="0" maxY="0">
+              <a:ahXY gdRefX="f0" minX="f7" maxX="f10">
                 <a:pos x="f36" y="f37"/>
               </a:ahXY>
             </a:ahLst>
             <a:cxnLst>
-              <a:cxn ang="3cd4">
+              <a:cxn ang="3">
                 <a:pos x="hc" y="t"/>
               </a:cxn>
               <a:cxn ang="0">
@@ -16630,9 +16689,9 @@
               <a:buNone/>
             </a:pPr>
             <a:endParaRPr lang="en-US" sz="1600" dirty="0">
-              <a:latin typeface="Arial" pitchFamily="18"/>
-              <a:ea typeface="Microsoft YaHei" pitchFamily="2"/>
-              <a:cs typeface="Lucida Sans" pitchFamily="2"/>
+              <a:latin typeface="Arial" panose="020B0604020202020204" pitchFamily="18"/>
+              <a:ea typeface="Microsoft YaHei" panose="020B0503020204020204" pitchFamily="2" charset="-122"/>
+              <a:cs typeface="Lucida Sans" panose="020B0602030504020204" pitchFamily="2"/>
             </a:endParaRPr>
           </a:p>
         </p:txBody>
@@ -16753,12 +16812,12 @@
               <a:gd name="f98" fmla="*/ f95 f29 1"/>
             </a:gdLst>
             <a:ahLst>
-              <a:ahXY gdRefX="f0" minX="f7" maxX="f10" gdRefY="" minY="0" maxY="0">
+              <a:ahXY gdRefX="f0" minX="f7" maxX="f10">
                 <a:pos x="f36" y="f37"/>
               </a:ahXY>
             </a:ahLst>
             <a:cxnLst>
-              <a:cxn ang="3cd4">
+              <a:cxn ang="3">
                 <a:pos x="hc" y="t"/>
               </a:cxn>
               <a:cxn ang="0">
@@ -16863,9 +16922,9 @@
               <a:buNone/>
             </a:pPr>
             <a:endParaRPr lang="en-US" sz="1600" dirty="0">
-              <a:latin typeface="Arial" pitchFamily="18"/>
-              <a:ea typeface="Microsoft YaHei" pitchFamily="2"/>
-              <a:cs typeface="Lucida Sans" pitchFamily="2"/>
+              <a:latin typeface="Arial" panose="020B0604020202020204" pitchFamily="18"/>
+              <a:ea typeface="Microsoft YaHei" panose="020B0503020204020204" pitchFamily="2" charset="-122"/>
+              <a:cs typeface="Lucida Sans" panose="020B0602030504020204" pitchFamily="2"/>
             </a:endParaRPr>
           </a:p>
         </p:txBody>
@@ -16986,12 +17045,12 @@
               <a:gd name="f98" fmla="*/ f95 f29 1"/>
             </a:gdLst>
             <a:ahLst>
-              <a:ahXY gdRefX="f0" minX="f7" maxX="f10" gdRefY="" minY="0" maxY="0">
+              <a:ahXY gdRefX="f0" minX="f7" maxX="f10">
                 <a:pos x="f36" y="f37"/>
               </a:ahXY>
             </a:ahLst>
             <a:cxnLst>
-              <a:cxn ang="3cd4">
+              <a:cxn ang="3">
                 <a:pos x="hc" y="t"/>
               </a:cxn>
               <a:cxn ang="0">
@@ -17096,9 +17155,9 @@
               <a:buNone/>
             </a:pPr>
             <a:endParaRPr lang="en-US" sz="1600" dirty="0">
-              <a:latin typeface="Arial" pitchFamily="18"/>
-              <a:ea typeface="Microsoft YaHei" pitchFamily="2"/>
-              <a:cs typeface="Lucida Sans" pitchFamily="2"/>
+              <a:latin typeface="Arial" panose="020B0604020202020204" pitchFamily="18"/>
+              <a:ea typeface="Microsoft YaHei" panose="020B0503020204020204" pitchFamily="2" charset="-122"/>
+              <a:cs typeface="Lucida Sans" panose="020B0602030504020204" pitchFamily="2"/>
             </a:endParaRPr>
           </a:p>
         </p:txBody>
@@ -17219,12 +17278,12 @@
               <a:gd name="f98" fmla="*/ f95 f29 1"/>
             </a:gdLst>
             <a:ahLst>
-              <a:ahXY gdRefX="f0" minX="f7" maxX="f10" gdRefY="" minY="0" maxY="0">
+              <a:ahXY gdRefX="f0" minX="f7" maxX="f10">
                 <a:pos x="f36" y="f37"/>
               </a:ahXY>
             </a:ahLst>
             <a:cxnLst>
-              <a:cxn ang="3cd4">
+              <a:cxn ang="3">
                 <a:pos x="hc" y="t"/>
               </a:cxn>
               <a:cxn ang="0">
@@ -17329,9 +17388,9 @@
               <a:buNone/>
             </a:pPr>
             <a:endParaRPr lang="en-US" sz="1600" dirty="0">
-              <a:latin typeface="Arial" pitchFamily="18"/>
-              <a:ea typeface="Microsoft YaHei" pitchFamily="2"/>
-              <a:cs typeface="Lucida Sans" pitchFamily="2"/>
+              <a:latin typeface="Arial" panose="020B0604020202020204" pitchFamily="18"/>
+              <a:ea typeface="Microsoft YaHei" panose="020B0503020204020204" pitchFamily="2" charset="-122"/>
+              <a:cs typeface="Lucida Sans" panose="020B0602030504020204" pitchFamily="2"/>
             </a:endParaRPr>
           </a:p>
         </p:txBody>
@@ -17418,16 +17477,16 @@
             </a:pPr>
             <a:r>
               <a:rPr lang="en-US" sz="1600" dirty="0" smtClean="0">
-                <a:latin typeface="Arial" pitchFamily="18"/>
-                <a:ea typeface="Microsoft YaHei" pitchFamily="2"/>
-                <a:cs typeface="Lucida Sans" pitchFamily="2"/>
+                <a:latin typeface="Arial" panose="020B0604020202020204" pitchFamily="18"/>
+                <a:ea typeface="Microsoft YaHei" panose="020B0503020204020204" pitchFamily="2" charset="-122"/>
+                <a:cs typeface="Lucida Sans" panose="020B0602030504020204" pitchFamily="2"/>
               </a:rPr>
               <a:t>BACK</a:t>
             </a:r>
             <a:endParaRPr lang="en-US" sz="1600" dirty="0">
-              <a:latin typeface="Arial" pitchFamily="18"/>
-              <a:ea typeface="Microsoft YaHei" pitchFamily="2"/>
-              <a:cs typeface="Lucida Sans" pitchFamily="2"/>
+              <a:latin typeface="Arial" panose="020B0604020202020204" pitchFamily="18"/>
+              <a:ea typeface="Microsoft YaHei" panose="020B0503020204020204" pitchFamily="2" charset="-122"/>
+              <a:cs typeface="Lucida Sans" panose="020B0602030504020204" pitchFamily="2"/>
             </a:endParaRPr>
           </a:p>
         </p:txBody>
@@ -17514,16 +17573,16 @@
             </a:pPr>
             <a:r>
               <a:rPr lang="en-US" sz="1600" dirty="0" smtClean="0">
-                <a:latin typeface="Arial" pitchFamily="18"/>
-                <a:ea typeface="Microsoft YaHei" pitchFamily="2"/>
-                <a:cs typeface="Lucida Sans" pitchFamily="2"/>
+                <a:latin typeface="Arial" panose="020B0604020202020204" pitchFamily="18"/>
+                <a:ea typeface="Microsoft YaHei" panose="020B0503020204020204" pitchFamily="2" charset="-122"/>
+                <a:cs typeface="Lucida Sans" panose="020B0602030504020204" pitchFamily="2"/>
               </a:rPr>
               <a:t>HOME</a:t>
             </a:r>
             <a:endParaRPr lang="en-US" sz="1600" dirty="0">
-              <a:latin typeface="Arial" pitchFamily="18"/>
-              <a:ea typeface="Microsoft YaHei" pitchFamily="2"/>
-              <a:cs typeface="Lucida Sans" pitchFamily="2"/>
+              <a:latin typeface="Arial" panose="020B0604020202020204" pitchFamily="18"/>
+              <a:ea typeface="Microsoft YaHei" panose="020B0503020204020204" pitchFamily="2" charset="-122"/>
+              <a:cs typeface="Lucida Sans" panose="020B0602030504020204" pitchFamily="2"/>
             </a:endParaRPr>
           </a:p>
         </p:txBody>
@@ -17610,16 +17669,16 @@
             </a:pPr>
             <a:r>
               <a:rPr lang="en-US" sz="1600" dirty="0" smtClean="0">
-                <a:latin typeface="Arial" pitchFamily="18"/>
-                <a:ea typeface="Microsoft YaHei" pitchFamily="2"/>
-                <a:cs typeface="Lucida Sans" pitchFamily="2"/>
+                <a:latin typeface="Arial" panose="020B0604020202020204" pitchFamily="18"/>
+                <a:ea typeface="Microsoft YaHei" panose="020B0503020204020204" pitchFamily="2" charset="-122"/>
+                <a:cs typeface="Lucida Sans" panose="020B0602030504020204" pitchFamily="2"/>
               </a:rPr>
               <a:t>OK</a:t>
             </a:r>
             <a:endParaRPr lang="en-US" sz="1600" dirty="0">
-              <a:latin typeface="Arial" pitchFamily="18"/>
-              <a:ea typeface="Microsoft YaHei" pitchFamily="2"/>
-              <a:cs typeface="Lucida Sans" pitchFamily="2"/>
+              <a:latin typeface="Arial" panose="020B0604020202020204" pitchFamily="18"/>
+              <a:ea typeface="Microsoft YaHei" panose="020B0503020204020204" pitchFamily="2" charset="-122"/>
+              <a:cs typeface="Lucida Sans" panose="020B0602030504020204" pitchFamily="2"/>
             </a:endParaRPr>
           </a:p>
         </p:txBody>
@@ -17706,16 +17765,16 @@
             </a:pPr>
             <a:r>
               <a:rPr lang="en-US" sz="1600" dirty="0" smtClean="0">
-                <a:latin typeface="Arial" pitchFamily="18"/>
-                <a:ea typeface="Microsoft YaHei" pitchFamily="2"/>
-                <a:cs typeface="Lucida Sans" pitchFamily="2"/>
+                <a:latin typeface="Arial" panose="020B0604020202020204" pitchFamily="18"/>
+                <a:ea typeface="Microsoft YaHei" panose="020B0503020204020204" pitchFamily="2" charset="-122"/>
+                <a:cs typeface="Lucida Sans" panose="020B0602030504020204" pitchFamily="2"/>
               </a:rPr>
               <a:t>SWAP</a:t>
             </a:r>
             <a:endParaRPr lang="en-US" sz="1600" dirty="0">
-              <a:latin typeface="Arial" pitchFamily="18"/>
-              <a:ea typeface="Microsoft YaHei" pitchFamily="2"/>
-              <a:cs typeface="Lucida Sans" pitchFamily="2"/>
+              <a:latin typeface="Arial" panose="020B0604020202020204" pitchFamily="18"/>
+              <a:ea typeface="Microsoft YaHei" panose="020B0503020204020204" pitchFamily="2" charset="-122"/>
+              <a:cs typeface="Lucida Sans" panose="020B0602030504020204" pitchFamily="2"/>
             </a:endParaRPr>
           </a:p>
         </p:txBody>
@@ -17836,12 +17895,12 @@
               <a:gd name="f98" fmla="*/ f95 f29 1"/>
             </a:gdLst>
             <a:ahLst>
-              <a:ahXY gdRefX="f0" minX="f7" maxX="f10" gdRefY="" minY="0" maxY="0">
+              <a:ahXY gdRefX="f0" minX="f7" maxX="f10">
                 <a:pos x="f36" y="f37"/>
               </a:ahXY>
             </a:ahLst>
             <a:cxnLst>
-              <a:cxn ang="3cd4">
+              <a:cxn ang="3">
                 <a:pos x="hc" y="t"/>
               </a:cxn>
               <a:cxn ang="0">
@@ -17946,9 +18005,9 @@
               <a:buNone/>
             </a:pPr>
             <a:endParaRPr lang="en-US" sz="1600" dirty="0">
-              <a:latin typeface="Arial" pitchFamily="18"/>
-              <a:ea typeface="Microsoft YaHei" pitchFamily="2"/>
-              <a:cs typeface="Lucida Sans" pitchFamily="2"/>
+              <a:latin typeface="Arial" panose="020B0604020202020204" pitchFamily="18"/>
+              <a:ea typeface="Microsoft YaHei" panose="020B0503020204020204" pitchFamily="2" charset="-122"/>
+              <a:cs typeface="Lucida Sans" panose="020B0602030504020204" pitchFamily="2"/>
             </a:endParaRPr>
           </a:p>
         </p:txBody>
@@ -18069,12 +18128,12 @@
               <a:gd name="f98" fmla="*/ f95 f29 1"/>
             </a:gdLst>
             <a:ahLst>
-              <a:ahXY gdRefX="f0" minX="f7" maxX="f10" gdRefY="" minY="0" maxY="0">
+              <a:ahXY gdRefX="f0" minX="f7" maxX="f10">
                 <a:pos x="f36" y="f37"/>
               </a:ahXY>
             </a:ahLst>
             <a:cxnLst>
-              <a:cxn ang="3cd4">
+              <a:cxn ang="3">
                 <a:pos x="hc" y="t"/>
               </a:cxn>
               <a:cxn ang="0">
@@ -18179,9 +18238,9 @@
               <a:buNone/>
             </a:pPr>
             <a:endParaRPr lang="en-US" sz="1600" dirty="0">
-              <a:latin typeface="Arial" pitchFamily="18"/>
-              <a:ea typeface="Microsoft YaHei" pitchFamily="2"/>
-              <a:cs typeface="Lucida Sans" pitchFamily="2"/>
+              <a:latin typeface="Arial" panose="020B0604020202020204" pitchFamily="18"/>
+              <a:ea typeface="Microsoft YaHei" panose="020B0503020204020204" pitchFamily="2" charset="-122"/>
+              <a:cs typeface="Lucida Sans" panose="020B0602030504020204" pitchFamily="2"/>
             </a:endParaRPr>
           </a:p>
         </p:txBody>
@@ -18302,12 +18361,12 @@
               <a:gd name="f98" fmla="*/ f95 f29 1"/>
             </a:gdLst>
             <a:ahLst>
-              <a:ahXY gdRefX="f0" minX="f7" maxX="f10" gdRefY="" minY="0" maxY="0">
+              <a:ahXY gdRefX="f0" minX="f7" maxX="f10">
                 <a:pos x="f36" y="f37"/>
               </a:ahXY>
             </a:ahLst>
             <a:cxnLst>
-              <a:cxn ang="3cd4">
+              <a:cxn ang="3">
                 <a:pos x="hc" y="t"/>
               </a:cxn>
               <a:cxn ang="0">
@@ -18412,9 +18471,9 @@
               <a:buNone/>
             </a:pPr>
             <a:endParaRPr lang="en-US" sz="1600" dirty="0">
-              <a:latin typeface="Arial" pitchFamily="18"/>
-              <a:ea typeface="Microsoft YaHei" pitchFamily="2"/>
-              <a:cs typeface="Lucida Sans" pitchFamily="2"/>
+              <a:latin typeface="Arial" panose="020B0604020202020204" pitchFamily="18"/>
+              <a:ea typeface="Microsoft YaHei" panose="020B0503020204020204" pitchFamily="2" charset="-122"/>
+              <a:cs typeface="Lucida Sans" panose="020B0602030504020204" pitchFamily="2"/>
             </a:endParaRPr>
           </a:p>
         </p:txBody>
@@ -18535,12 +18594,12 @@
               <a:gd name="f98" fmla="*/ f95 f29 1"/>
             </a:gdLst>
             <a:ahLst>
-              <a:ahXY gdRefX="f0" minX="f7" maxX="f10" gdRefY="" minY="0" maxY="0">
+              <a:ahXY gdRefX="f0" minX="f7" maxX="f10">
                 <a:pos x="f36" y="f37"/>
               </a:ahXY>
             </a:ahLst>
             <a:cxnLst>
-              <a:cxn ang="3cd4">
+              <a:cxn ang="3">
                 <a:pos x="hc" y="t"/>
               </a:cxn>
               <a:cxn ang="0">
@@ -18645,9 +18704,9 @@
               <a:buNone/>
             </a:pPr>
             <a:endParaRPr lang="en-US" sz="1600" dirty="0">
-              <a:latin typeface="Arial" pitchFamily="18"/>
-              <a:ea typeface="Microsoft YaHei" pitchFamily="2"/>
-              <a:cs typeface="Lucida Sans" pitchFamily="2"/>
+              <a:latin typeface="Arial" panose="020B0604020202020204" pitchFamily="18"/>
+              <a:ea typeface="Microsoft YaHei" panose="020B0503020204020204" pitchFamily="2" charset="-122"/>
+              <a:cs typeface="Lucida Sans" panose="020B0602030504020204" pitchFamily="2"/>
             </a:endParaRPr>
           </a:p>
         </p:txBody>
@@ -18675,7 +18734,7 @@
           <a:lstStyle/>
           <a:p>
             <a:pPr marL="228600" indent="-228600">
-              <a:buFont typeface="Arial" pitchFamily="34" charset="0"/>
+              <a:buFont typeface="Arial" panose="020B0604020202020204" pitchFamily="34" charset="0"/>
               <a:buChar char="•"/>
             </a:pPr>
             <a:r>
@@ -18718,10 +18777,11 @@
               <a:rPr lang="en-US" sz="1300" dirty="0" smtClean="0"/>
               <a:t>Press BACK to go back to page 1.</a:t>
             </a:r>
+            <a:endParaRPr lang="en-US" sz="1300" dirty="0" smtClean="0"/>
           </a:p>
           <a:p>
             <a:pPr marL="228600" indent="-228600">
-              <a:buFont typeface="Arial" pitchFamily="34" charset="0"/>
+              <a:buFont typeface="Arial" panose="020B0604020202020204" pitchFamily="34" charset="0"/>
               <a:buChar char="•"/>
             </a:pPr>
             <a:r>
@@ -18756,6 +18816,7 @@
               <a:rPr lang="en-US" sz="1300" dirty="0" smtClean="0"/>
               <a:t>frequency.</a:t>
             </a:r>
+            <a:endParaRPr lang="en-US" sz="1300" dirty="0" smtClean="0"/>
           </a:p>
         </p:txBody>
       </p:sp>
@@ -19007,12 +19068,12 @@
               <a:gd name="f98" fmla="*/ f95 f29 1"/>
             </a:gdLst>
             <a:ahLst>
-              <a:ahXY gdRefX="f0" minX="f7" maxX="f10" gdRefY="" minY="0" maxY="0">
+              <a:ahXY gdRefX="f0" minX="f7" maxX="f10">
                 <a:pos x="f36" y="f37"/>
               </a:ahXY>
             </a:ahLst>
             <a:cxnLst>
-              <a:cxn ang="3cd4">
+              <a:cxn ang="3">
                 <a:pos x="hc" y="t"/>
               </a:cxn>
               <a:cxn ang="0">
@@ -19117,9 +19178,9 @@
               <a:buNone/>
             </a:pPr>
             <a:endParaRPr lang="en-US" sz="1600" dirty="0">
-              <a:latin typeface="Arial" pitchFamily="18"/>
-              <a:ea typeface="Microsoft YaHei" pitchFamily="2"/>
-              <a:cs typeface="Lucida Sans" pitchFamily="2"/>
+              <a:latin typeface="Arial" panose="020B0604020202020204" pitchFamily="18"/>
+              <a:ea typeface="Microsoft YaHei" panose="020B0503020204020204" pitchFamily="2" charset="-122"/>
+              <a:cs typeface="Lucida Sans" panose="020B0602030504020204" pitchFamily="2"/>
             </a:endParaRPr>
           </a:p>
         </p:txBody>
@@ -19240,12 +19301,12 @@
               <a:gd name="f98" fmla="*/ f95 f29 1"/>
             </a:gdLst>
             <a:ahLst>
-              <a:ahXY gdRefX="f0" minX="f7" maxX="f10" gdRefY="" minY="0" maxY="0">
+              <a:ahXY gdRefX="f0" minX="f7" maxX="f10">
                 <a:pos x="f36" y="f37"/>
               </a:ahXY>
             </a:ahLst>
             <a:cxnLst>
-              <a:cxn ang="3cd4">
+              <a:cxn ang="3">
                 <a:pos x="hc" y="t"/>
               </a:cxn>
               <a:cxn ang="0">
@@ -19350,9 +19411,9 @@
               <a:buNone/>
             </a:pPr>
             <a:endParaRPr lang="en-US" sz="1600" dirty="0">
-              <a:latin typeface="Arial" pitchFamily="18"/>
-              <a:ea typeface="Microsoft YaHei" pitchFamily="2"/>
-              <a:cs typeface="Lucida Sans" pitchFamily="2"/>
+              <a:latin typeface="Arial" panose="020B0604020202020204" pitchFamily="18"/>
+              <a:ea typeface="Microsoft YaHei" panose="020B0503020204020204" pitchFamily="2" charset="-122"/>
+              <a:cs typeface="Lucida Sans" panose="020B0602030504020204" pitchFamily="2"/>
             </a:endParaRPr>
           </a:p>
         </p:txBody>
@@ -19439,16 +19500,16 @@
             </a:pPr>
             <a:r>
               <a:rPr lang="en-US" sz="1600" dirty="0" smtClean="0">
-                <a:latin typeface="Arial" pitchFamily="18"/>
-                <a:ea typeface="Microsoft YaHei" pitchFamily="2"/>
-                <a:cs typeface="Lucida Sans" pitchFamily="2"/>
+                <a:latin typeface="Arial" panose="020B0604020202020204" pitchFamily="18"/>
+                <a:ea typeface="Microsoft YaHei" panose="020B0503020204020204" pitchFamily="2" charset="-122"/>
+                <a:cs typeface="Lucida Sans" panose="020B0602030504020204" pitchFamily="2"/>
               </a:rPr>
               <a:t>PREV</a:t>
             </a:r>
             <a:endParaRPr lang="en-US" sz="1600" dirty="0">
-              <a:latin typeface="Arial" pitchFamily="18"/>
-              <a:ea typeface="Microsoft YaHei" pitchFamily="2"/>
-              <a:cs typeface="Lucida Sans" pitchFamily="2"/>
+              <a:latin typeface="Arial" panose="020B0604020202020204" pitchFamily="18"/>
+              <a:ea typeface="Microsoft YaHei" panose="020B0503020204020204" pitchFamily="2" charset="-122"/>
+              <a:cs typeface="Lucida Sans" panose="020B0602030504020204" pitchFamily="2"/>
             </a:endParaRPr>
           </a:p>
         </p:txBody>
@@ -19535,16 +19596,16 @@
             </a:pPr>
             <a:r>
               <a:rPr lang="en-US" sz="1600" dirty="0" smtClean="0">
-                <a:latin typeface="Arial" pitchFamily="18"/>
-                <a:ea typeface="Microsoft YaHei" pitchFamily="2"/>
-                <a:cs typeface="Lucida Sans" pitchFamily="2"/>
+                <a:latin typeface="Arial" panose="020B0604020202020204" pitchFamily="18"/>
+                <a:ea typeface="Microsoft YaHei" panose="020B0503020204020204" pitchFamily="2" charset="-122"/>
+                <a:cs typeface="Lucida Sans" panose="020B0602030504020204" pitchFamily="2"/>
               </a:rPr>
               <a:t>NEXT</a:t>
             </a:r>
             <a:endParaRPr lang="en-US" sz="1600" dirty="0">
-              <a:latin typeface="Arial" pitchFamily="18"/>
-              <a:ea typeface="Microsoft YaHei" pitchFamily="2"/>
-              <a:cs typeface="Lucida Sans" pitchFamily="2"/>
+              <a:latin typeface="Arial" panose="020B0604020202020204" pitchFamily="18"/>
+              <a:ea typeface="Microsoft YaHei" panose="020B0503020204020204" pitchFamily="2" charset="-122"/>
+              <a:cs typeface="Lucida Sans" panose="020B0602030504020204" pitchFamily="2"/>
             </a:endParaRPr>
           </a:p>
         </p:txBody>
@@ -19951,24 +20012,24 @@
             </a:pPr>
             <a:r>
               <a:rPr lang="en-US" sz="1300" b="1" dirty="0">
-                <a:latin typeface="Arial" pitchFamily="18"/>
-                <a:ea typeface="Microsoft YaHei" pitchFamily="2"/>
-                <a:cs typeface="Lucida Sans" pitchFamily="2"/>
+                <a:latin typeface="Arial" panose="020B0604020202020204" pitchFamily="18"/>
+                <a:ea typeface="Microsoft YaHei" panose="020B0503020204020204" pitchFamily="2" charset="-122"/>
+                <a:cs typeface="Lucida Sans" panose="020B0602030504020204" pitchFamily="2"/>
               </a:rPr>
               <a:t>S </a:t>
             </a:r>
             <a:r>
               <a:rPr lang="en-US" sz="1300" b="1" dirty="0" smtClean="0">
-                <a:latin typeface="Arial" pitchFamily="18"/>
-                <a:ea typeface="Microsoft YaHei" pitchFamily="2"/>
-                <a:cs typeface="Lucida Sans" pitchFamily="2"/>
+                <a:latin typeface="Arial" panose="020B0604020202020204" pitchFamily="18"/>
+                <a:ea typeface="Microsoft YaHei" panose="020B0503020204020204" pitchFamily="2" charset="-122"/>
+                <a:cs typeface="Lucida Sans" panose="020B0602030504020204" pitchFamily="2"/>
               </a:rPr>
               <a:t>110.10</a:t>
             </a:r>
             <a:endParaRPr lang="en-US" sz="1300" b="1" dirty="0">
-              <a:latin typeface="Arial" pitchFamily="18"/>
-              <a:ea typeface="Microsoft YaHei" pitchFamily="2"/>
-              <a:cs typeface="Lucida Sans" pitchFamily="2"/>
+              <a:latin typeface="Arial" panose="020B0604020202020204" pitchFamily="18"/>
+              <a:ea typeface="Microsoft YaHei" panose="020B0503020204020204" pitchFamily="2" charset="-122"/>
+              <a:cs typeface="Lucida Sans" panose="020B0602030504020204" pitchFamily="2"/>
             </a:endParaRPr>
           </a:p>
         </p:txBody>
@@ -20055,16 +20116,16 @@
             </a:pPr>
             <a:r>
               <a:rPr lang="en-US" sz="1300" b="1" dirty="0" smtClean="0">
-                <a:latin typeface="Arial" pitchFamily="18"/>
-                <a:ea typeface="Microsoft YaHei" pitchFamily="2"/>
-                <a:cs typeface="Lucida Sans" pitchFamily="2"/>
+                <a:latin typeface="Arial" panose="020B0604020202020204" pitchFamily="18"/>
+                <a:ea typeface="Microsoft YaHei" panose="020B0503020204020204" pitchFamily="2" charset="-122"/>
+                <a:cs typeface="Lucida Sans" panose="020B0602030504020204" pitchFamily="2"/>
               </a:rPr>
               <a:t>PROG</a:t>
             </a:r>
             <a:endParaRPr lang="en-US" sz="1300" b="1" dirty="0">
-              <a:latin typeface="Arial" pitchFamily="18"/>
-              <a:ea typeface="Microsoft YaHei" pitchFamily="2"/>
-              <a:cs typeface="Lucida Sans" pitchFamily="2"/>
+              <a:latin typeface="Arial" panose="020B0604020202020204" pitchFamily="18"/>
+              <a:ea typeface="Microsoft YaHei" panose="020B0503020204020204" pitchFamily="2" charset="-122"/>
+              <a:cs typeface="Lucida Sans" panose="020B0602030504020204" pitchFamily="2"/>
             </a:endParaRPr>
           </a:p>
         </p:txBody>
@@ -20185,24 +20246,24 @@
             </a:pPr>
             <a:r>
               <a:rPr lang="en-US" sz="2000" b="1" dirty="0">
-                <a:latin typeface="Arial" pitchFamily="18"/>
-                <a:ea typeface="Microsoft YaHei" pitchFamily="2"/>
-                <a:cs typeface="Lucida Sans" pitchFamily="2"/>
+                <a:latin typeface="Arial" panose="020B0604020202020204" pitchFamily="18"/>
+                <a:ea typeface="Microsoft YaHei" panose="020B0503020204020204" pitchFamily="2" charset="-122"/>
+                <a:cs typeface="Lucida Sans" panose="020B0602030504020204" pitchFamily="2"/>
               </a:rPr>
               <a:t>A </a:t>
             </a:r>
             <a:r>
               <a:rPr lang="en-US" sz="2000" b="1" dirty="0" smtClean="0">
-                <a:latin typeface="Arial" pitchFamily="18"/>
-                <a:ea typeface="Microsoft YaHei" pitchFamily="2"/>
-                <a:cs typeface="Lucida Sans" pitchFamily="2"/>
+                <a:latin typeface="Arial" panose="020B0604020202020204" pitchFamily="18"/>
+                <a:ea typeface="Microsoft YaHei" panose="020B0503020204020204" pitchFamily="2" charset="-122"/>
+                <a:cs typeface="Lucida Sans" panose="020B0602030504020204" pitchFamily="2"/>
               </a:rPr>
               <a:t>118.00 </a:t>
             </a:r>
             <a:endParaRPr lang="en-US" sz="2000" b="1" dirty="0">
-              <a:latin typeface="Arial" pitchFamily="18"/>
-              <a:ea typeface="Microsoft YaHei" pitchFamily="2"/>
-              <a:cs typeface="Lucida Sans" pitchFamily="2"/>
+              <a:latin typeface="Arial" panose="020B0604020202020204" pitchFamily="18"/>
+              <a:ea typeface="Microsoft YaHei" panose="020B0503020204020204" pitchFamily="2" charset="-122"/>
+              <a:cs typeface="Lucida Sans" panose="020B0602030504020204" pitchFamily="2"/>
             </a:endParaRPr>
           </a:p>
         </p:txBody>
@@ -20289,16 +20350,16 @@
             </a:pPr>
             <a:r>
               <a:rPr lang="en-US" sz="1300" b="1" dirty="0" smtClean="0">
-                <a:latin typeface="Arial" pitchFamily="18"/>
-                <a:ea typeface="Microsoft YaHei" pitchFamily="2"/>
-                <a:cs typeface="Lucida Sans" pitchFamily="2"/>
+                <a:latin typeface="Arial" panose="020B0604020202020204" pitchFamily="18"/>
+                <a:ea typeface="Microsoft YaHei" panose="020B0503020204020204" pitchFamily="2" charset="-122"/>
+                <a:cs typeface="Lucida Sans" panose="020B0602030504020204" pitchFamily="2"/>
               </a:rPr>
               <a:t>VOL</a:t>
             </a:r>
             <a:endParaRPr lang="en-US" sz="1300" b="1" dirty="0">
-              <a:latin typeface="Arial" pitchFamily="18"/>
-              <a:ea typeface="Microsoft YaHei" pitchFamily="2"/>
-              <a:cs typeface="Lucida Sans" pitchFamily="2"/>
+              <a:latin typeface="Arial" panose="020B0604020202020204" pitchFamily="18"/>
+              <a:ea typeface="Microsoft YaHei" panose="020B0503020204020204" pitchFamily="2" charset="-122"/>
+              <a:cs typeface="Lucida Sans" panose="020B0602030504020204" pitchFamily="2"/>
             </a:endParaRPr>
           </a:p>
         </p:txBody>
@@ -20385,16 +20446,16 @@
             </a:pPr>
             <a:r>
               <a:rPr lang="en-US" sz="1300" b="1" dirty="0" smtClean="0">
-                <a:latin typeface="Arial" pitchFamily="18"/>
-                <a:ea typeface="Microsoft YaHei" pitchFamily="2"/>
-                <a:cs typeface="Lucida Sans" pitchFamily="2"/>
+                <a:latin typeface="Arial" panose="020B0604020202020204" pitchFamily="18"/>
+                <a:ea typeface="Microsoft YaHei" panose="020B0503020204020204" pitchFamily="2" charset="-122"/>
+                <a:cs typeface="Lucida Sans" panose="020B0602030504020204" pitchFamily="2"/>
               </a:rPr>
               <a:t>PROG</a:t>
             </a:r>
             <a:endParaRPr lang="en-US" sz="1300" b="1" dirty="0">
-              <a:latin typeface="Arial" pitchFamily="18"/>
-              <a:ea typeface="Microsoft YaHei" pitchFamily="2"/>
-              <a:cs typeface="Lucida Sans" pitchFamily="2"/>
+              <a:latin typeface="Arial" panose="020B0604020202020204" pitchFamily="18"/>
+              <a:ea typeface="Microsoft YaHei" panose="020B0503020204020204" pitchFamily="2" charset="-122"/>
+              <a:cs typeface="Lucida Sans" panose="020B0602030504020204" pitchFamily="2"/>
             </a:endParaRPr>
           </a:p>
         </p:txBody>
@@ -20481,12 +20542,17 @@
             </a:pPr>
             <a:r>
               <a:rPr lang="en-US" sz="1300" b="1" dirty="0">
-                <a:latin typeface="Arial" pitchFamily="18"/>
-                <a:ea typeface="Microsoft YaHei" pitchFamily="2"/>
-                <a:cs typeface="Lucida Sans" pitchFamily="2"/>
+                <a:latin typeface="Arial" panose="020B0604020202020204" pitchFamily="18"/>
+                <a:ea typeface="Microsoft YaHei" panose="020B0503020204020204" pitchFamily="2" charset="-122"/>
+                <a:cs typeface="Lucida Sans" panose="020B0602030504020204" pitchFamily="2"/>
               </a:rPr>
               <a:t>P 1</a:t>
             </a:r>
+            <a:endParaRPr lang="en-US" sz="1300" b="1" dirty="0">
+              <a:latin typeface="Arial" panose="020B0604020202020204" pitchFamily="18"/>
+              <a:ea typeface="Microsoft YaHei" panose="020B0503020204020204" pitchFamily="2" charset="-122"/>
+              <a:cs typeface="Lucida Sans" panose="020B0602030504020204" pitchFamily="2"/>
+            </a:endParaRPr>
           </a:p>
         </p:txBody>
       </p:sp>
@@ -20572,12 +20638,17 @@
             </a:pPr>
             <a:r>
               <a:rPr lang="en-US" sz="1300" b="1" dirty="0">
-                <a:latin typeface="Arial" pitchFamily="18"/>
-                <a:ea typeface="Microsoft YaHei" pitchFamily="2"/>
-                <a:cs typeface="Lucida Sans" pitchFamily="2"/>
+                <a:latin typeface="Arial" panose="020B0604020202020204" pitchFamily="18"/>
+                <a:ea typeface="Microsoft YaHei" panose="020B0503020204020204" pitchFamily="2" charset="-122"/>
+                <a:cs typeface="Lucida Sans" panose="020B0602030504020204" pitchFamily="2"/>
               </a:rPr>
               <a:t>P 2</a:t>
             </a:r>
+            <a:endParaRPr lang="en-US" sz="1300" b="1" dirty="0">
+              <a:latin typeface="Arial" panose="020B0604020202020204" pitchFamily="18"/>
+              <a:ea typeface="Microsoft YaHei" panose="020B0503020204020204" pitchFamily="2" charset="-122"/>
+              <a:cs typeface="Lucida Sans" panose="020B0602030504020204" pitchFamily="2"/>
+            </a:endParaRPr>
           </a:p>
         </p:txBody>
       </p:sp>
@@ -20663,12 +20734,17 @@
             </a:pPr>
             <a:r>
               <a:rPr lang="en-US" sz="1300" b="1" dirty="0">
-                <a:latin typeface="Arial" pitchFamily="18"/>
-                <a:ea typeface="Microsoft YaHei" pitchFamily="2"/>
-                <a:cs typeface="Lucida Sans" pitchFamily="2"/>
+                <a:latin typeface="Arial" panose="020B0604020202020204" pitchFamily="18"/>
+                <a:ea typeface="Microsoft YaHei" panose="020B0503020204020204" pitchFamily="2" charset="-122"/>
+                <a:cs typeface="Lucida Sans" panose="020B0602030504020204" pitchFamily="2"/>
               </a:rPr>
               <a:t>P 3</a:t>
             </a:r>
+            <a:endParaRPr lang="en-US" sz="1300" b="1" dirty="0">
+              <a:latin typeface="Arial" panose="020B0604020202020204" pitchFamily="18"/>
+              <a:ea typeface="Microsoft YaHei" panose="020B0503020204020204" pitchFamily="2" charset="-122"/>
+              <a:cs typeface="Lucida Sans" panose="020B0602030504020204" pitchFamily="2"/>
+            </a:endParaRPr>
           </a:p>
         </p:txBody>
       </p:sp>
@@ -20754,12 +20830,17 @@
             </a:pPr>
             <a:r>
               <a:rPr lang="en-US" sz="1300" b="1" dirty="0">
-                <a:latin typeface="Arial" pitchFamily="18"/>
-                <a:ea typeface="Microsoft YaHei" pitchFamily="2"/>
-                <a:cs typeface="Lucida Sans" pitchFamily="2"/>
+                <a:latin typeface="Arial" panose="020B0604020202020204" pitchFamily="18"/>
+                <a:ea typeface="Microsoft YaHei" panose="020B0503020204020204" pitchFamily="2" charset="-122"/>
+                <a:cs typeface="Lucida Sans" panose="020B0602030504020204" pitchFamily="2"/>
               </a:rPr>
               <a:t>P 4</a:t>
             </a:r>
+            <a:endParaRPr lang="en-US" sz="1300" b="1" dirty="0">
+              <a:latin typeface="Arial" panose="020B0604020202020204" pitchFamily="18"/>
+              <a:ea typeface="Microsoft YaHei" panose="020B0503020204020204" pitchFamily="2" charset="-122"/>
+              <a:cs typeface="Lucida Sans" panose="020B0602030504020204" pitchFamily="2"/>
+            </a:endParaRPr>
           </a:p>
         </p:txBody>
       </p:sp>
@@ -20894,10 +20975,6 @@
               </a:rPr>
               <a:t>Nav Selected</a:t>
             </a:r>
-            <a:r>
-              <a:rPr lang="en-US" sz="2500" dirty="0"/>
-              <a:t/>
-            </a:r>
             <a:br>
               <a:rPr lang="en-US" sz="2500" dirty="0"/>
             </a:br>
@@ -20988,9 +21065,9 @@
               <a:buNone/>
             </a:pPr>
             <a:endParaRPr lang="en-US" sz="1600" dirty="0">
-              <a:latin typeface="Arial" pitchFamily="18"/>
-              <a:ea typeface="Microsoft YaHei" pitchFamily="2"/>
-              <a:cs typeface="Lucida Sans" pitchFamily="2"/>
+              <a:latin typeface="Arial" panose="020B0604020202020204" pitchFamily="18"/>
+              <a:ea typeface="Microsoft YaHei" panose="020B0503020204020204" pitchFamily="2" charset="-122"/>
+              <a:cs typeface="Lucida Sans" panose="020B0602030504020204" pitchFamily="2"/>
             </a:endParaRPr>
           </a:p>
         </p:txBody>
@@ -21111,12 +21188,12 @@
               <a:gd name="f98" fmla="*/ f95 f29 1"/>
             </a:gdLst>
             <a:ahLst>
-              <a:ahXY gdRefX="f0" minX="f7" maxX="f10" gdRefY="" minY="0" maxY="0">
+              <a:ahXY gdRefX="f0" minX="f7" maxX="f10">
                 <a:pos x="f36" y="f37"/>
               </a:ahXY>
             </a:ahLst>
             <a:cxnLst>
-              <a:cxn ang="3cd4">
+              <a:cxn ang="3">
                 <a:pos x="hc" y="t"/>
               </a:cxn>
               <a:cxn ang="0">
@@ -21221,9 +21298,9 @@
               <a:buNone/>
             </a:pPr>
             <a:endParaRPr lang="en-US" sz="1600" dirty="0">
-              <a:latin typeface="Arial" pitchFamily="18"/>
-              <a:ea typeface="Microsoft YaHei" pitchFamily="2"/>
-              <a:cs typeface="Lucida Sans" pitchFamily="2"/>
+              <a:latin typeface="Arial" panose="020B0604020202020204" pitchFamily="18"/>
+              <a:ea typeface="Microsoft YaHei" panose="020B0503020204020204" pitchFamily="2" charset="-122"/>
+              <a:cs typeface="Lucida Sans" panose="020B0602030504020204" pitchFamily="2"/>
             </a:endParaRPr>
           </a:p>
         </p:txBody>
@@ -21344,12 +21421,12 @@
               <a:gd name="f98" fmla="*/ f95 f29 1"/>
             </a:gdLst>
             <a:ahLst>
-              <a:ahXY gdRefX="f0" minX="f7" maxX="f10" gdRefY="" minY="0" maxY="0">
+              <a:ahXY gdRefX="f0" minX="f7" maxX="f10">
                 <a:pos x="f36" y="f37"/>
               </a:ahXY>
             </a:ahLst>
             <a:cxnLst>
-              <a:cxn ang="3cd4">
+              <a:cxn ang="3">
                 <a:pos x="hc" y="t"/>
               </a:cxn>
               <a:cxn ang="0">
@@ -21454,9 +21531,9 @@
               <a:buNone/>
             </a:pPr>
             <a:endParaRPr lang="en-US" sz="1600" dirty="0">
-              <a:latin typeface="Arial" pitchFamily="18"/>
-              <a:ea typeface="Microsoft YaHei" pitchFamily="2"/>
-              <a:cs typeface="Lucida Sans" pitchFamily="2"/>
+              <a:latin typeface="Arial" panose="020B0604020202020204" pitchFamily="18"/>
+              <a:ea typeface="Microsoft YaHei" panose="020B0503020204020204" pitchFamily="2" charset="-122"/>
+              <a:cs typeface="Lucida Sans" panose="020B0602030504020204" pitchFamily="2"/>
             </a:endParaRPr>
           </a:p>
         </p:txBody>
@@ -21577,12 +21654,12 @@
               <a:gd name="f98" fmla="*/ f95 f29 1"/>
             </a:gdLst>
             <a:ahLst>
-              <a:ahXY gdRefX="f0" minX="f7" maxX="f10" gdRefY="" minY="0" maxY="0">
+              <a:ahXY gdRefX="f0" minX="f7" maxX="f10">
                 <a:pos x="f36" y="f37"/>
               </a:ahXY>
             </a:ahLst>
             <a:cxnLst>
-              <a:cxn ang="3cd4">
+              <a:cxn ang="3">
                 <a:pos x="hc" y="t"/>
               </a:cxn>
               <a:cxn ang="0">
@@ -21687,9 +21764,9 @@
               <a:buNone/>
             </a:pPr>
             <a:endParaRPr lang="en-US" sz="1600" dirty="0">
-              <a:latin typeface="Arial" pitchFamily="18"/>
-              <a:ea typeface="Microsoft YaHei" pitchFamily="2"/>
-              <a:cs typeface="Lucida Sans" pitchFamily="2"/>
+              <a:latin typeface="Arial" panose="020B0604020202020204" pitchFamily="18"/>
+              <a:ea typeface="Microsoft YaHei" panose="020B0503020204020204" pitchFamily="2" charset="-122"/>
+              <a:cs typeface="Lucida Sans" panose="020B0602030504020204" pitchFamily="2"/>
             </a:endParaRPr>
           </a:p>
         </p:txBody>
@@ -21810,12 +21887,12 @@
               <a:gd name="f98" fmla="*/ f95 f29 1"/>
             </a:gdLst>
             <a:ahLst>
-              <a:ahXY gdRefX="f0" minX="f7" maxX="f10" gdRefY="" minY="0" maxY="0">
+              <a:ahXY gdRefX="f0" minX="f7" maxX="f10">
                 <a:pos x="f36" y="f37"/>
               </a:ahXY>
             </a:ahLst>
             <a:cxnLst>
-              <a:cxn ang="3cd4">
+              <a:cxn ang="3">
                 <a:pos x="hc" y="t"/>
               </a:cxn>
               <a:cxn ang="0">
@@ -21920,9 +21997,9 @@
               <a:buNone/>
             </a:pPr>
             <a:endParaRPr lang="en-US" sz="1600" dirty="0">
-              <a:latin typeface="Arial" pitchFamily="18"/>
-              <a:ea typeface="Microsoft YaHei" pitchFamily="2"/>
-              <a:cs typeface="Lucida Sans" pitchFamily="2"/>
+              <a:latin typeface="Arial" panose="020B0604020202020204" pitchFamily="18"/>
+              <a:ea typeface="Microsoft YaHei" panose="020B0503020204020204" pitchFamily="2" charset="-122"/>
+              <a:cs typeface="Lucida Sans" panose="020B0602030504020204" pitchFamily="2"/>
             </a:endParaRPr>
           </a:p>
         </p:txBody>
@@ -22009,16 +22086,16 @@
             </a:pPr>
             <a:r>
               <a:rPr lang="en-US" sz="1600" b="1" dirty="0" smtClean="0">
-                <a:latin typeface="Arial" pitchFamily="18"/>
-                <a:ea typeface="Microsoft YaHei" pitchFamily="2"/>
-                <a:cs typeface="Lucida Sans" pitchFamily="2"/>
+                <a:latin typeface="Arial" panose="020B0604020202020204" pitchFamily="18"/>
+                <a:ea typeface="Microsoft YaHei" panose="020B0503020204020204" pitchFamily="2" charset="-122"/>
+                <a:cs typeface="Lucida Sans" panose="020B0602030504020204" pitchFamily="2"/>
               </a:rPr>
               <a:t>NAV</a:t>
             </a:r>
             <a:endParaRPr lang="en-US" sz="1600" b="1" dirty="0">
-              <a:latin typeface="Arial" pitchFamily="18"/>
-              <a:ea typeface="Microsoft YaHei" pitchFamily="2"/>
-              <a:cs typeface="Lucida Sans" pitchFamily="2"/>
+              <a:latin typeface="Arial" panose="020B0604020202020204" pitchFamily="18"/>
+              <a:ea typeface="Microsoft YaHei" panose="020B0503020204020204" pitchFamily="2" charset="-122"/>
+              <a:cs typeface="Lucida Sans" panose="020B0602030504020204" pitchFamily="2"/>
             </a:endParaRPr>
           </a:p>
         </p:txBody>
@@ -22139,12 +22216,12 @@
               <a:gd name="f98" fmla="*/ f95 f29 1"/>
             </a:gdLst>
             <a:ahLst>
-              <a:ahXY gdRefX="f0" minX="f7" maxX="f10" gdRefY="" minY="0" maxY="0">
+              <a:ahXY gdRefX="f0" minX="f7" maxX="f10">
                 <a:pos x="f36" y="f37"/>
               </a:ahXY>
             </a:ahLst>
             <a:cxnLst>
-              <a:cxn ang="3cd4">
+              <a:cxn ang="3">
                 <a:pos x="hc" y="t"/>
               </a:cxn>
               <a:cxn ang="0">
@@ -22249,9 +22326,9 @@
               <a:buNone/>
             </a:pPr>
             <a:endParaRPr lang="en-US" sz="1600" dirty="0">
-              <a:latin typeface="Arial" pitchFamily="18"/>
-              <a:ea typeface="Microsoft YaHei" pitchFamily="2"/>
-              <a:cs typeface="Lucida Sans" pitchFamily="2"/>
+              <a:latin typeface="Arial" panose="020B0604020202020204" pitchFamily="18"/>
+              <a:ea typeface="Microsoft YaHei" panose="020B0503020204020204" pitchFamily="2" charset="-122"/>
+              <a:cs typeface="Lucida Sans" panose="020B0602030504020204" pitchFamily="2"/>
             </a:endParaRPr>
           </a:p>
         </p:txBody>
@@ -22372,12 +22449,12 @@
               <a:gd name="f98" fmla="*/ f95 f29 1"/>
             </a:gdLst>
             <a:ahLst>
-              <a:ahXY gdRefX="f0" minX="f7" maxX="f10" gdRefY="" minY="0" maxY="0">
+              <a:ahXY gdRefX="f0" minX="f7" maxX="f10">
                 <a:pos x="f36" y="f37"/>
               </a:ahXY>
             </a:ahLst>
             <a:cxnLst>
-              <a:cxn ang="3cd4">
+              <a:cxn ang="3">
                 <a:pos x="hc" y="t"/>
               </a:cxn>
               <a:cxn ang="0">
@@ -22482,9 +22559,9 @@
               <a:buNone/>
             </a:pPr>
             <a:endParaRPr lang="en-US" sz="1600" dirty="0">
-              <a:latin typeface="Arial" pitchFamily="18"/>
-              <a:ea typeface="Microsoft YaHei" pitchFamily="2"/>
-              <a:cs typeface="Lucida Sans" pitchFamily="2"/>
+              <a:latin typeface="Arial" panose="020B0604020202020204" pitchFamily="18"/>
+              <a:ea typeface="Microsoft YaHei" panose="020B0503020204020204" pitchFamily="2" charset="-122"/>
+              <a:cs typeface="Lucida Sans" panose="020B0602030504020204" pitchFamily="2"/>
             </a:endParaRPr>
           </a:p>
         </p:txBody>
@@ -22605,12 +22682,12 @@
               <a:gd name="f98" fmla="*/ f95 f29 1"/>
             </a:gdLst>
             <a:ahLst>
-              <a:ahXY gdRefX="f0" minX="f7" maxX="f10" gdRefY="" minY="0" maxY="0">
+              <a:ahXY gdRefX="f0" minX="f7" maxX="f10">
                 <a:pos x="f36" y="f37"/>
               </a:ahXY>
             </a:ahLst>
             <a:cxnLst>
-              <a:cxn ang="3cd4">
+              <a:cxn ang="3">
                 <a:pos x="hc" y="t"/>
               </a:cxn>
               <a:cxn ang="0">
@@ -22715,9 +22792,9 @@
               <a:buNone/>
             </a:pPr>
             <a:endParaRPr lang="en-US" sz="1600" dirty="0">
-              <a:latin typeface="Arial" pitchFamily="18"/>
-              <a:ea typeface="Microsoft YaHei" pitchFamily="2"/>
-              <a:cs typeface="Lucida Sans" pitchFamily="2"/>
+              <a:latin typeface="Arial" panose="020B0604020202020204" pitchFamily="18"/>
+              <a:ea typeface="Microsoft YaHei" panose="020B0503020204020204" pitchFamily="2" charset="-122"/>
+              <a:cs typeface="Lucida Sans" panose="020B0602030504020204" pitchFamily="2"/>
             </a:endParaRPr>
           </a:p>
         </p:txBody>
@@ -22838,12 +22915,12 @@
               <a:gd name="f98" fmla="*/ f95 f29 1"/>
             </a:gdLst>
             <a:ahLst>
-              <a:ahXY gdRefX="f0" minX="f7" maxX="f10" gdRefY="" minY="0" maxY="0">
+              <a:ahXY gdRefX="f0" minX="f7" maxX="f10">
                 <a:pos x="f36" y="f37"/>
               </a:ahXY>
             </a:ahLst>
             <a:cxnLst>
-              <a:cxn ang="3cd4">
+              <a:cxn ang="3">
                 <a:pos x="hc" y="t"/>
               </a:cxn>
               <a:cxn ang="0">
@@ -22948,9 +23025,9 @@
               <a:buNone/>
             </a:pPr>
             <a:endParaRPr lang="en-US" sz="1600" dirty="0">
-              <a:latin typeface="Arial" pitchFamily="18"/>
-              <a:ea typeface="Microsoft YaHei" pitchFamily="2"/>
-              <a:cs typeface="Lucida Sans" pitchFamily="2"/>
+              <a:latin typeface="Arial" panose="020B0604020202020204" pitchFamily="18"/>
+              <a:ea typeface="Microsoft YaHei" panose="020B0503020204020204" pitchFamily="2" charset="-122"/>
+              <a:cs typeface="Lucida Sans" panose="020B0602030504020204" pitchFamily="2"/>
             </a:endParaRPr>
           </a:p>
         </p:txBody>
@@ -23037,16 +23114,16 @@
             </a:pPr>
             <a:r>
               <a:rPr lang="en-US" sz="1600" dirty="0" smtClean="0">
-                <a:latin typeface="Arial" pitchFamily="18"/>
-                <a:ea typeface="Microsoft YaHei" pitchFamily="2"/>
-                <a:cs typeface="Lucida Sans" pitchFamily="2"/>
+                <a:latin typeface="Arial" panose="020B0604020202020204" pitchFamily="18"/>
+                <a:ea typeface="Microsoft YaHei" panose="020B0503020204020204" pitchFamily="2" charset="-122"/>
+                <a:cs typeface="Lucida Sans" panose="020B0602030504020204" pitchFamily="2"/>
               </a:rPr>
               <a:t>BACK</a:t>
             </a:r>
             <a:endParaRPr lang="en-US" sz="1600" dirty="0">
-              <a:latin typeface="Arial" pitchFamily="18"/>
-              <a:ea typeface="Microsoft YaHei" pitchFamily="2"/>
-              <a:cs typeface="Lucida Sans" pitchFamily="2"/>
+              <a:latin typeface="Arial" panose="020B0604020202020204" pitchFamily="18"/>
+              <a:ea typeface="Microsoft YaHei" panose="020B0503020204020204" pitchFamily="2" charset="-122"/>
+              <a:cs typeface="Lucida Sans" panose="020B0602030504020204" pitchFamily="2"/>
             </a:endParaRPr>
           </a:p>
         </p:txBody>
@@ -23133,16 +23210,16 @@
             </a:pPr>
             <a:r>
               <a:rPr lang="en-US" sz="1600" dirty="0" smtClean="0">
-                <a:latin typeface="Arial" pitchFamily="18"/>
-                <a:ea typeface="Microsoft YaHei" pitchFamily="2"/>
-                <a:cs typeface="Lucida Sans" pitchFamily="2"/>
+                <a:latin typeface="Arial" panose="020B0604020202020204" pitchFamily="18"/>
+                <a:ea typeface="Microsoft YaHei" panose="020B0503020204020204" pitchFamily="2" charset="-122"/>
+                <a:cs typeface="Lucida Sans" panose="020B0602030504020204" pitchFamily="2"/>
               </a:rPr>
               <a:t>HOME</a:t>
             </a:r>
             <a:endParaRPr lang="en-US" sz="1600" dirty="0">
-              <a:latin typeface="Arial" pitchFamily="18"/>
-              <a:ea typeface="Microsoft YaHei" pitchFamily="2"/>
-              <a:cs typeface="Lucida Sans" pitchFamily="2"/>
+              <a:latin typeface="Arial" panose="020B0604020202020204" pitchFamily="18"/>
+              <a:ea typeface="Microsoft YaHei" panose="020B0503020204020204" pitchFamily="2" charset="-122"/>
+              <a:cs typeface="Lucida Sans" panose="020B0602030504020204" pitchFamily="2"/>
             </a:endParaRPr>
           </a:p>
         </p:txBody>
@@ -23229,16 +23306,16 @@
             </a:pPr>
             <a:r>
               <a:rPr lang="en-US" sz="1600" dirty="0" smtClean="0">
-                <a:latin typeface="Arial" pitchFamily="18"/>
-                <a:ea typeface="Microsoft YaHei" pitchFamily="2"/>
-                <a:cs typeface="Lucida Sans" pitchFamily="2"/>
+                <a:latin typeface="Arial" panose="020B0604020202020204" pitchFamily="18"/>
+                <a:ea typeface="Microsoft YaHei" panose="020B0503020204020204" pitchFamily="2" charset="-122"/>
+                <a:cs typeface="Lucida Sans" panose="020B0602030504020204" pitchFamily="2"/>
               </a:rPr>
               <a:t>OK</a:t>
             </a:r>
             <a:endParaRPr lang="en-US" sz="1600" dirty="0">
-              <a:latin typeface="Arial" pitchFamily="18"/>
-              <a:ea typeface="Microsoft YaHei" pitchFamily="2"/>
-              <a:cs typeface="Lucida Sans" pitchFamily="2"/>
+              <a:latin typeface="Arial" panose="020B0604020202020204" pitchFamily="18"/>
+              <a:ea typeface="Microsoft YaHei" panose="020B0503020204020204" pitchFamily="2" charset="-122"/>
+              <a:cs typeface="Lucida Sans" panose="020B0602030504020204" pitchFamily="2"/>
             </a:endParaRPr>
           </a:p>
         </p:txBody>
@@ -23325,16 +23402,16 @@
             </a:pPr>
             <a:r>
               <a:rPr lang="en-US" sz="1600" dirty="0" smtClean="0">
-                <a:latin typeface="Arial" pitchFamily="18"/>
-                <a:ea typeface="Microsoft YaHei" pitchFamily="2"/>
-                <a:cs typeface="Lucida Sans" pitchFamily="2"/>
+                <a:latin typeface="Arial" panose="020B0604020202020204" pitchFamily="18"/>
+                <a:ea typeface="Microsoft YaHei" panose="020B0503020204020204" pitchFamily="2" charset="-122"/>
+                <a:cs typeface="Lucida Sans" panose="020B0602030504020204" pitchFamily="2"/>
               </a:rPr>
               <a:t>SWAP</a:t>
             </a:r>
             <a:endParaRPr lang="en-US" sz="1600" dirty="0">
-              <a:latin typeface="Arial" pitchFamily="18"/>
-              <a:ea typeface="Microsoft YaHei" pitchFamily="2"/>
-              <a:cs typeface="Lucida Sans" pitchFamily="2"/>
+              <a:latin typeface="Arial" panose="020B0604020202020204" pitchFamily="18"/>
+              <a:ea typeface="Microsoft YaHei" panose="020B0503020204020204" pitchFamily="2" charset="-122"/>
+              <a:cs typeface="Lucida Sans" panose="020B0602030504020204" pitchFamily="2"/>
             </a:endParaRPr>
           </a:p>
         </p:txBody>
@@ -23455,12 +23532,12 @@
               <a:gd name="f98" fmla="*/ f95 f29 1"/>
             </a:gdLst>
             <a:ahLst>
-              <a:ahXY gdRefX="f0" minX="f7" maxX="f10" gdRefY="" minY="0" maxY="0">
+              <a:ahXY gdRefX="f0" minX="f7" maxX="f10">
                 <a:pos x="f36" y="f37"/>
               </a:ahXY>
             </a:ahLst>
             <a:cxnLst>
-              <a:cxn ang="3cd4">
+              <a:cxn ang="3">
                 <a:pos x="hc" y="t"/>
               </a:cxn>
               <a:cxn ang="0">
@@ -23565,9 +23642,9 @@
               <a:buNone/>
             </a:pPr>
             <a:endParaRPr lang="en-US" sz="1600" dirty="0">
-              <a:latin typeface="Arial" pitchFamily="18"/>
-              <a:ea typeface="Microsoft YaHei" pitchFamily="2"/>
-              <a:cs typeface="Lucida Sans" pitchFamily="2"/>
+              <a:latin typeface="Arial" panose="020B0604020202020204" pitchFamily="18"/>
+              <a:ea typeface="Microsoft YaHei" panose="020B0503020204020204" pitchFamily="2" charset="-122"/>
+              <a:cs typeface="Lucida Sans" panose="020B0602030504020204" pitchFamily="2"/>
             </a:endParaRPr>
           </a:p>
         </p:txBody>
@@ -23688,12 +23765,12 @@
               <a:gd name="f98" fmla="*/ f95 f29 1"/>
             </a:gdLst>
             <a:ahLst>
-              <a:ahXY gdRefX="f0" minX="f7" maxX="f10" gdRefY="" minY="0" maxY="0">
+              <a:ahXY gdRefX="f0" minX="f7" maxX="f10">
                 <a:pos x="f36" y="f37"/>
               </a:ahXY>
             </a:ahLst>
             <a:cxnLst>
-              <a:cxn ang="3cd4">
+              <a:cxn ang="3">
                 <a:pos x="hc" y="t"/>
               </a:cxn>
               <a:cxn ang="0">
@@ -23798,9 +23875,9 @@
               <a:buNone/>
             </a:pPr>
             <a:endParaRPr lang="en-US" sz="1600" dirty="0">
-              <a:latin typeface="Arial" pitchFamily="18"/>
-              <a:ea typeface="Microsoft YaHei" pitchFamily="2"/>
-              <a:cs typeface="Lucida Sans" pitchFamily="2"/>
+              <a:latin typeface="Arial" panose="020B0604020202020204" pitchFamily="18"/>
+              <a:ea typeface="Microsoft YaHei" panose="020B0503020204020204" pitchFamily="2" charset="-122"/>
+              <a:cs typeface="Lucida Sans" panose="020B0602030504020204" pitchFamily="2"/>
             </a:endParaRPr>
           </a:p>
         </p:txBody>
@@ -23921,12 +23998,12 @@
               <a:gd name="f98" fmla="*/ f95 f29 1"/>
             </a:gdLst>
             <a:ahLst>
-              <a:ahXY gdRefX="f0" minX="f7" maxX="f10" gdRefY="" minY="0" maxY="0">
+              <a:ahXY gdRefX="f0" minX="f7" maxX="f10">
                 <a:pos x="f36" y="f37"/>
               </a:ahXY>
             </a:ahLst>
             <a:cxnLst>
-              <a:cxn ang="3cd4">
+              <a:cxn ang="3">
                 <a:pos x="hc" y="t"/>
               </a:cxn>
               <a:cxn ang="0">
@@ -24031,9 +24108,9 @@
               <a:buNone/>
             </a:pPr>
             <a:endParaRPr lang="en-US" sz="1600" dirty="0">
-              <a:latin typeface="Arial" pitchFamily="18"/>
-              <a:ea typeface="Microsoft YaHei" pitchFamily="2"/>
-              <a:cs typeface="Lucida Sans" pitchFamily="2"/>
+              <a:latin typeface="Arial" panose="020B0604020202020204" pitchFamily="18"/>
+              <a:ea typeface="Microsoft YaHei" panose="020B0503020204020204" pitchFamily="2" charset="-122"/>
+              <a:cs typeface="Lucida Sans" panose="020B0602030504020204" pitchFamily="2"/>
             </a:endParaRPr>
           </a:p>
         </p:txBody>
@@ -24154,12 +24231,12 @@
               <a:gd name="f98" fmla="*/ f95 f29 1"/>
             </a:gdLst>
             <a:ahLst>
-              <a:ahXY gdRefX="f0" minX="f7" maxX="f10" gdRefY="" minY="0" maxY="0">
+              <a:ahXY gdRefX="f0" minX="f7" maxX="f10">
                 <a:pos x="f36" y="f37"/>
               </a:ahXY>
             </a:ahLst>
             <a:cxnLst>
-              <a:cxn ang="3cd4">
+              <a:cxn ang="3">
                 <a:pos x="hc" y="t"/>
               </a:cxn>
               <a:cxn ang="0">
@@ -24264,9 +24341,9 @@
               <a:buNone/>
             </a:pPr>
             <a:endParaRPr lang="en-US" sz="1600" dirty="0">
-              <a:latin typeface="Arial" pitchFamily="18"/>
-              <a:ea typeface="Microsoft YaHei" pitchFamily="2"/>
-              <a:cs typeface="Lucida Sans" pitchFamily="2"/>
+              <a:latin typeface="Arial" panose="020B0604020202020204" pitchFamily="18"/>
+              <a:ea typeface="Microsoft YaHei" panose="020B0503020204020204" pitchFamily="2" charset="-122"/>
+              <a:cs typeface="Lucida Sans" panose="020B0602030504020204" pitchFamily="2"/>
             </a:endParaRPr>
           </a:p>
         </p:txBody>
@@ -24279,7 +24356,7 @@
         </p:nvSpPr>
         <p:spPr>
           <a:xfrm>
-            <a:off x="762000" y="4572000"/>
+            <a:off x="838200" y="4572000"/>
             <a:ext cx="7104556" cy="1484139"/>
           </a:xfrm>
           <a:prstGeom prst="rect">
@@ -24294,7 +24371,7 @@
           <a:lstStyle/>
           <a:p>
             <a:pPr>
-              <a:buFont typeface="Arial" pitchFamily="34" charset="0"/>
+              <a:buFont typeface="Arial" panose="020B0604020202020204" pitchFamily="34" charset="0"/>
               <a:buChar char="•"/>
             </a:pPr>
             <a:r>
@@ -24333,7 +24410,7 @@
           </a:p>
           <a:p>
             <a:pPr>
-              <a:buFont typeface="Arial" pitchFamily="34" charset="0"/>
+              <a:buFont typeface="Arial" panose="020B0604020202020204" pitchFamily="34" charset="0"/>
               <a:buChar char="•"/>
             </a:pPr>
             <a:r>
@@ -24360,7 +24437,7 @@
           </a:p>
           <a:p>
             <a:pPr>
-              <a:buFont typeface="Arial" pitchFamily="34" charset="0"/>
+              <a:buFont typeface="Arial" panose="020B0604020202020204" pitchFamily="34" charset="0"/>
               <a:buChar char="•"/>
             </a:pPr>
             <a:r>
@@ -24379,7 +24456,7 @@
           </a:p>
           <a:p>
             <a:pPr>
-              <a:buFont typeface="Arial" pitchFamily="34" charset="0"/>
+              <a:buFont typeface="Arial" panose="020B0604020202020204" pitchFamily="34" charset="0"/>
               <a:buChar char="•"/>
             </a:pPr>
             <a:r>
@@ -24642,12 +24719,12 @@
               <a:gd name="f98" fmla="*/ f95 f29 1"/>
             </a:gdLst>
             <a:ahLst>
-              <a:ahXY gdRefX="f0" minX="f7" maxX="f10" gdRefY="" minY="0" maxY="0">
+              <a:ahXY gdRefX="f0" minX="f7" maxX="f10">
                 <a:pos x="f36" y="f37"/>
               </a:ahXY>
             </a:ahLst>
             <a:cxnLst>
-              <a:cxn ang="3cd4">
+              <a:cxn ang="3">
                 <a:pos x="hc" y="t"/>
               </a:cxn>
               <a:cxn ang="0">
@@ -24752,9 +24829,9 @@
               <a:buNone/>
             </a:pPr>
             <a:endParaRPr lang="en-US" sz="1600" dirty="0">
-              <a:latin typeface="Arial" pitchFamily="18"/>
-              <a:ea typeface="Microsoft YaHei" pitchFamily="2"/>
-              <a:cs typeface="Lucida Sans" pitchFamily="2"/>
+              <a:latin typeface="Arial" panose="020B0604020202020204" pitchFamily="18"/>
+              <a:ea typeface="Microsoft YaHei" panose="020B0503020204020204" pitchFamily="2" charset="-122"/>
+              <a:cs typeface="Lucida Sans" panose="020B0602030504020204" pitchFamily="2"/>
             </a:endParaRPr>
           </a:p>
         </p:txBody>
@@ -24875,12 +24952,12 @@
               <a:gd name="f98" fmla="*/ f95 f29 1"/>
             </a:gdLst>
             <a:ahLst>
-              <a:ahXY gdRefX="f0" minX="f7" maxX="f10" gdRefY="" minY="0" maxY="0">
+              <a:ahXY gdRefX="f0" minX="f7" maxX="f10">
                 <a:pos x="f36" y="f37"/>
               </a:ahXY>
             </a:ahLst>
             <a:cxnLst>
-              <a:cxn ang="3cd4">
+              <a:cxn ang="3">
                 <a:pos x="hc" y="t"/>
               </a:cxn>
               <a:cxn ang="0">
@@ -24985,9 +25062,9 @@
               <a:buNone/>
             </a:pPr>
             <a:endParaRPr lang="en-US" sz="1600" dirty="0">
-              <a:latin typeface="Arial" pitchFamily="18"/>
-              <a:ea typeface="Microsoft YaHei" pitchFamily="2"/>
-              <a:cs typeface="Lucida Sans" pitchFamily="2"/>
+              <a:latin typeface="Arial" panose="020B0604020202020204" pitchFamily="18"/>
+              <a:ea typeface="Microsoft YaHei" panose="020B0503020204020204" pitchFamily="2" charset="-122"/>
+              <a:cs typeface="Lucida Sans" panose="020B0602030504020204" pitchFamily="2"/>
             </a:endParaRPr>
           </a:p>
         </p:txBody>
@@ -25074,16 +25151,16 @@
             </a:pPr>
             <a:r>
               <a:rPr lang="en-US" sz="1600" dirty="0" smtClean="0">
-                <a:latin typeface="Arial" pitchFamily="18"/>
-                <a:ea typeface="Microsoft YaHei" pitchFamily="2"/>
-                <a:cs typeface="Lucida Sans" pitchFamily="2"/>
+                <a:latin typeface="Arial" panose="020B0604020202020204" pitchFamily="18"/>
+                <a:ea typeface="Microsoft YaHei" panose="020B0503020204020204" pitchFamily="2" charset="-122"/>
+                <a:cs typeface="Lucida Sans" panose="020B0602030504020204" pitchFamily="2"/>
               </a:rPr>
               <a:t>PREV</a:t>
             </a:r>
             <a:endParaRPr lang="en-US" sz="1600" dirty="0">
-              <a:latin typeface="Arial" pitchFamily="18"/>
-              <a:ea typeface="Microsoft YaHei" pitchFamily="2"/>
-              <a:cs typeface="Lucida Sans" pitchFamily="2"/>
+              <a:latin typeface="Arial" panose="020B0604020202020204" pitchFamily="18"/>
+              <a:ea typeface="Microsoft YaHei" panose="020B0503020204020204" pitchFamily="2" charset="-122"/>
+              <a:cs typeface="Lucida Sans" panose="020B0602030504020204" pitchFamily="2"/>
             </a:endParaRPr>
           </a:p>
         </p:txBody>
@@ -25170,16 +25247,16 @@
             </a:pPr>
             <a:r>
               <a:rPr lang="en-US" sz="1600" dirty="0" smtClean="0">
-                <a:latin typeface="Arial" pitchFamily="18"/>
-                <a:ea typeface="Microsoft YaHei" pitchFamily="2"/>
-                <a:cs typeface="Lucida Sans" pitchFamily="2"/>
+                <a:latin typeface="Arial" panose="020B0604020202020204" pitchFamily="18"/>
+                <a:ea typeface="Microsoft YaHei" panose="020B0503020204020204" pitchFamily="2" charset="-122"/>
+                <a:cs typeface="Lucida Sans" panose="020B0602030504020204" pitchFamily="2"/>
               </a:rPr>
               <a:t>NEXT</a:t>
             </a:r>
             <a:endParaRPr lang="en-US" sz="1600" dirty="0">
-              <a:latin typeface="Arial" pitchFamily="18"/>
-              <a:ea typeface="Microsoft YaHei" pitchFamily="2"/>
-              <a:cs typeface="Lucida Sans" pitchFamily="2"/>
+              <a:latin typeface="Arial" panose="020B0604020202020204" pitchFamily="18"/>
+              <a:ea typeface="Microsoft YaHei" panose="020B0503020204020204" pitchFamily="2" charset="-122"/>
+              <a:cs typeface="Lucida Sans" panose="020B0602030504020204" pitchFamily="2"/>
             </a:endParaRPr>
           </a:p>
         </p:txBody>
@@ -25586,24 +25663,24 @@
             </a:pPr>
             <a:r>
               <a:rPr lang="en-US" sz="1300" b="1" dirty="0">
-                <a:latin typeface="Arial" pitchFamily="18"/>
-                <a:ea typeface="Microsoft YaHei" pitchFamily="2"/>
-                <a:cs typeface="Lucida Sans" pitchFamily="2"/>
+                <a:latin typeface="Arial" panose="020B0604020202020204" pitchFamily="18"/>
+                <a:ea typeface="Microsoft YaHei" panose="020B0503020204020204" pitchFamily="2" charset="-122"/>
+                <a:cs typeface="Lucida Sans" panose="020B0602030504020204" pitchFamily="2"/>
               </a:rPr>
               <a:t>S </a:t>
             </a:r>
             <a:r>
               <a:rPr lang="en-US" sz="1300" b="1" dirty="0" smtClean="0">
-                <a:latin typeface="Arial" pitchFamily="18"/>
-                <a:ea typeface="Microsoft YaHei" pitchFamily="2"/>
-                <a:cs typeface="Lucida Sans" pitchFamily="2"/>
+                <a:latin typeface="Arial" panose="020B0604020202020204" pitchFamily="18"/>
+                <a:ea typeface="Microsoft YaHei" panose="020B0503020204020204" pitchFamily="2" charset="-122"/>
+                <a:cs typeface="Lucida Sans" panose="020B0602030504020204" pitchFamily="2"/>
               </a:rPr>
               <a:t>120.250</a:t>
             </a:r>
             <a:endParaRPr lang="en-US" sz="1300" b="1" dirty="0">
-              <a:latin typeface="Arial" pitchFamily="18"/>
-              <a:ea typeface="Microsoft YaHei" pitchFamily="2"/>
-              <a:cs typeface="Lucida Sans" pitchFamily="2"/>
+              <a:latin typeface="Arial" panose="020B0604020202020204" pitchFamily="18"/>
+              <a:ea typeface="Microsoft YaHei" panose="020B0503020204020204" pitchFamily="2" charset="-122"/>
+              <a:cs typeface="Lucida Sans" panose="020B0602030504020204" pitchFamily="2"/>
             </a:endParaRPr>
           </a:p>
         </p:txBody>
@@ -25690,16 +25767,16 @@
             </a:pPr>
             <a:r>
               <a:rPr lang="en-US" sz="1300" b="1" dirty="0" smtClean="0">
-                <a:latin typeface="Arial" pitchFamily="18"/>
-                <a:ea typeface="Microsoft YaHei" pitchFamily="2"/>
-                <a:cs typeface="Lucida Sans" pitchFamily="2"/>
+                <a:latin typeface="Arial" panose="020B0604020202020204" pitchFamily="18"/>
+                <a:ea typeface="Microsoft YaHei" panose="020B0503020204020204" pitchFamily="2" charset="-122"/>
+                <a:cs typeface="Lucida Sans" panose="020B0602030504020204" pitchFamily="2"/>
               </a:rPr>
               <a:t>PROG</a:t>
             </a:r>
             <a:endParaRPr lang="en-US" sz="1300" b="1" dirty="0">
-              <a:latin typeface="Arial" pitchFamily="18"/>
-              <a:ea typeface="Microsoft YaHei" pitchFamily="2"/>
-              <a:cs typeface="Lucida Sans" pitchFamily="2"/>
+              <a:latin typeface="Arial" panose="020B0604020202020204" pitchFamily="18"/>
+              <a:ea typeface="Microsoft YaHei" panose="020B0503020204020204" pitchFamily="2" charset="-122"/>
+              <a:cs typeface="Lucida Sans" panose="020B0602030504020204" pitchFamily="2"/>
             </a:endParaRPr>
           </a:p>
         </p:txBody>
@@ -25820,24 +25897,24 @@
             </a:pPr>
             <a:r>
               <a:rPr lang="en-US" sz="2000" b="1" dirty="0">
-                <a:latin typeface="Arial" pitchFamily="18"/>
-                <a:ea typeface="Microsoft YaHei" pitchFamily="2"/>
-                <a:cs typeface="Lucida Sans" pitchFamily="2"/>
+                <a:latin typeface="Arial" panose="020B0604020202020204" pitchFamily="18"/>
+                <a:ea typeface="Microsoft YaHei" panose="020B0503020204020204" pitchFamily="2" charset="-122"/>
+                <a:cs typeface="Lucida Sans" panose="020B0602030504020204" pitchFamily="2"/>
               </a:rPr>
               <a:t>A </a:t>
             </a:r>
             <a:r>
               <a:rPr lang="en-US" sz="2000" b="1" dirty="0" smtClean="0">
-                <a:latin typeface="Arial" pitchFamily="18"/>
-                <a:ea typeface="Microsoft YaHei" pitchFamily="2"/>
-                <a:cs typeface="Lucida Sans" pitchFamily="2"/>
+                <a:latin typeface="Arial" panose="020B0604020202020204" pitchFamily="18"/>
+                <a:ea typeface="Microsoft YaHei" panose="020B0503020204020204" pitchFamily="2" charset="-122"/>
+                <a:cs typeface="Lucida Sans" panose="020B0602030504020204" pitchFamily="2"/>
               </a:rPr>
               <a:t>118.00 </a:t>
             </a:r>
             <a:endParaRPr lang="en-US" sz="2000" b="1" dirty="0">
-              <a:latin typeface="Arial" pitchFamily="18"/>
-              <a:ea typeface="Microsoft YaHei" pitchFamily="2"/>
-              <a:cs typeface="Lucida Sans" pitchFamily="2"/>
+              <a:latin typeface="Arial" panose="020B0604020202020204" pitchFamily="18"/>
+              <a:ea typeface="Microsoft YaHei" panose="020B0503020204020204" pitchFamily="2" charset="-122"/>
+              <a:cs typeface="Lucida Sans" panose="020B0602030504020204" pitchFamily="2"/>
             </a:endParaRPr>
           </a:p>
         </p:txBody>
@@ -25924,16 +26001,16 @@
             </a:pPr>
             <a:r>
               <a:rPr lang="en-US" sz="1300" b="1" dirty="0" smtClean="0">
-                <a:latin typeface="Arial" pitchFamily="18"/>
-                <a:ea typeface="Microsoft YaHei" pitchFamily="2"/>
-                <a:cs typeface="Lucida Sans" pitchFamily="2"/>
+                <a:latin typeface="Arial" panose="020B0604020202020204" pitchFamily="18"/>
+                <a:ea typeface="Microsoft YaHei" panose="020B0503020204020204" pitchFamily="2" charset="-122"/>
+                <a:cs typeface="Lucida Sans" panose="020B0602030504020204" pitchFamily="2"/>
               </a:rPr>
               <a:t>VOL</a:t>
             </a:r>
             <a:endParaRPr lang="en-US" sz="1300" b="1" dirty="0">
-              <a:latin typeface="Arial" pitchFamily="18"/>
-              <a:ea typeface="Microsoft YaHei" pitchFamily="2"/>
-              <a:cs typeface="Lucida Sans" pitchFamily="2"/>
+              <a:latin typeface="Arial" panose="020B0604020202020204" pitchFamily="18"/>
+              <a:ea typeface="Microsoft YaHei" panose="020B0503020204020204" pitchFamily="2" charset="-122"/>
+              <a:cs typeface="Lucida Sans" panose="020B0602030504020204" pitchFamily="2"/>
             </a:endParaRPr>
           </a:p>
         </p:txBody>
@@ -26020,16 +26097,16 @@
             </a:pPr>
             <a:r>
               <a:rPr lang="en-US" sz="1300" b="1" dirty="0" smtClean="0">
-                <a:latin typeface="Arial" pitchFamily="18"/>
-                <a:ea typeface="Microsoft YaHei" pitchFamily="2"/>
-                <a:cs typeface="Lucida Sans" pitchFamily="2"/>
+                <a:latin typeface="Arial" panose="020B0604020202020204" pitchFamily="18"/>
+                <a:ea typeface="Microsoft YaHei" panose="020B0503020204020204" pitchFamily="2" charset="-122"/>
+                <a:cs typeface="Lucida Sans" panose="020B0602030504020204" pitchFamily="2"/>
               </a:rPr>
               <a:t>PROG</a:t>
             </a:r>
             <a:endParaRPr lang="en-US" sz="1300" b="1" dirty="0">
-              <a:latin typeface="Arial" pitchFamily="18"/>
-              <a:ea typeface="Microsoft YaHei" pitchFamily="2"/>
-              <a:cs typeface="Lucida Sans" pitchFamily="2"/>
+              <a:latin typeface="Arial" panose="020B0604020202020204" pitchFamily="18"/>
+              <a:ea typeface="Microsoft YaHei" panose="020B0503020204020204" pitchFamily="2" charset="-122"/>
+              <a:cs typeface="Lucida Sans" panose="020B0602030504020204" pitchFamily="2"/>
             </a:endParaRPr>
           </a:p>
         </p:txBody>
@@ -26116,12 +26193,17 @@
             </a:pPr>
             <a:r>
               <a:rPr lang="en-US" sz="1300" b="1" dirty="0">
-                <a:latin typeface="Arial" pitchFamily="18"/>
-                <a:ea typeface="Microsoft YaHei" pitchFamily="2"/>
-                <a:cs typeface="Lucida Sans" pitchFamily="2"/>
+                <a:latin typeface="Arial" panose="020B0604020202020204" pitchFamily="18"/>
+                <a:ea typeface="Microsoft YaHei" panose="020B0503020204020204" pitchFamily="2" charset="-122"/>
+                <a:cs typeface="Lucida Sans" panose="020B0602030504020204" pitchFamily="2"/>
               </a:rPr>
               <a:t>P 1</a:t>
             </a:r>
+            <a:endParaRPr lang="en-US" sz="1300" b="1" dirty="0">
+              <a:latin typeface="Arial" panose="020B0604020202020204" pitchFamily="18"/>
+              <a:ea typeface="Microsoft YaHei" panose="020B0503020204020204" pitchFamily="2" charset="-122"/>
+              <a:cs typeface="Lucida Sans" panose="020B0602030504020204" pitchFamily="2"/>
+            </a:endParaRPr>
           </a:p>
         </p:txBody>
       </p:sp>
@@ -26207,12 +26289,17 @@
             </a:pPr>
             <a:r>
               <a:rPr lang="en-US" sz="1300" b="1" dirty="0">
-                <a:latin typeface="Arial" pitchFamily="18"/>
-                <a:ea typeface="Microsoft YaHei" pitchFamily="2"/>
-                <a:cs typeface="Lucida Sans" pitchFamily="2"/>
+                <a:latin typeface="Arial" panose="020B0604020202020204" pitchFamily="18"/>
+                <a:ea typeface="Microsoft YaHei" panose="020B0503020204020204" pitchFamily="2" charset="-122"/>
+                <a:cs typeface="Lucida Sans" panose="020B0602030504020204" pitchFamily="2"/>
               </a:rPr>
               <a:t>P 2</a:t>
             </a:r>
+            <a:endParaRPr lang="en-US" sz="1300" b="1" dirty="0">
+              <a:latin typeface="Arial" panose="020B0604020202020204" pitchFamily="18"/>
+              <a:ea typeface="Microsoft YaHei" panose="020B0503020204020204" pitchFamily="2" charset="-122"/>
+              <a:cs typeface="Lucida Sans" panose="020B0602030504020204" pitchFamily="2"/>
+            </a:endParaRPr>
           </a:p>
         </p:txBody>
       </p:sp>
@@ -26298,12 +26385,17 @@
             </a:pPr>
             <a:r>
               <a:rPr lang="en-US" sz="1300" b="1" dirty="0">
-                <a:latin typeface="Arial" pitchFamily="18"/>
-                <a:ea typeface="Microsoft YaHei" pitchFamily="2"/>
-                <a:cs typeface="Lucida Sans" pitchFamily="2"/>
+                <a:latin typeface="Arial" panose="020B0604020202020204" pitchFamily="18"/>
+                <a:ea typeface="Microsoft YaHei" panose="020B0503020204020204" pitchFamily="2" charset="-122"/>
+                <a:cs typeface="Lucida Sans" panose="020B0602030504020204" pitchFamily="2"/>
               </a:rPr>
               <a:t>P 3</a:t>
             </a:r>
+            <a:endParaRPr lang="en-US" sz="1300" b="1" dirty="0">
+              <a:latin typeface="Arial" panose="020B0604020202020204" pitchFamily="18"/>
+              <a:ea typeface="Microsoft YaHei" panose="020B0503020204020204" pitchFamily="2" charset="-122"/>
+              <a:cs typeface="Lucida Sans" panose="020B0602030504020204" pitchFamily="2"/>
+            </a:endParaRPr>
           </a:p>
         </p:txBody>
       </p:sp>
@@ -26389,12 +26481,17 @@
             </a:pPr>
             <a:r>
               <a:rPr lang="en-US" sz="1300" b="1" dirty="0">
-                <a:latin typeface="Arial" pitchFamily="18"/>
-                <a:ea typeface="Microsoft YaHei" pitchFamily="2"/>
-                <a:cs typeface="Lucida Sans" pitchFamily="2"/>
+                <a:latin typeface="Arial" panose="020B0604020202020204" pitchFamily="18"/>
+                <a:ea typeface="Microsoft YaHei" panose="020B0503020204020204" pitchFamily="2" charset="-122"/>
+                <a:cs typeface="Lucida Sans" panose="020B0602030504020204" pitchFamily="2"/>
               </a:rPr>
               <a:t>P 4</a:t>
             </a:r>
+            <a:endParaRPr lang="en-US" sz="1300" b="1" dirty="0">
+              <a:latin typeface="Arial" panose="020B0604020202020204" pitchFamily="18"/>
+              <a:ea typeface="Microsoft YaHei" panose="020B0503020204020204" pitchFamily="2" charset="-122"/>
+              <a:cs typeface="Lucida Sans" panose="020B0602030504020204" pitchFamily="2"/>
+            </a:endParaRPr>
           </a:p>
         </p:txBody>
       </p:sp>
@@ -26529,10 +26626,6 @@
               </a:rPr>
               <a:t>Nav Selected</a:t>
             </a:r>
-            <a:r>
-              <a:rPr lang="en-US" sz="2500" dirty="0"/>
-              <a:t/>
-            </a:r>
             <a:br>
               <a:rPr lang="en-US" sz="2500" dirty="0"/>
             </a:br>
@@ -26623,9 +26716,9 @@
               <a:buNone/>
             </a:pPr>
             <a:endParaRPr lang="en-US" sz="1600" dirty="0">
-              <a:latin typeface="Arial" pitchFamily="18"/>
-              <a:ea typeface="Microsoft YaHei" pitchFamily="2"/>
-              <a:cs typeface="Lucida Sans" pitchFamily="2"/>
+              <a:latin typeface="Arial" panose="020B0604020202020204" pitchFamily="18"/>
+              <a:ea typeface="Microsoft YaHei" panose="020B0503020204020204" pitchFamily="2" charset="-122"/>
+              <a:cs typeface="Lucida Sans" panose="020B0602030504020204" pitchFamily="2"/>
             </a:endParaRPr>
           </a:p>
         </p:txBody>
@@ -26746,12 +26839,12 @@
               <a:gd name="f98" fmla="*/ f95 f29 1"/>
             </a:gdLst>
             <a:ahLst>
-              <a:ahXY gdRefX="f0" minX="f7" maxX="f10" gdRefY="" minY="0" maxY="0">
+              <a:ahXY gdRefX="f0" minX="f7" maxX="f10">
                 <a:pos x="f36" y="f37"/>
               </a:ahXY>
             </a:ahLst>
             <a:cxnLst>
-              <a:cxn ang="3cd4">
+              <a:cxn ang="3">
                 <a:pos x="hc" y="t"/>
               </a:cxn>
               <a:cxn ang="0">
@@ -26856,9 +26949,9 @@
               <a:buNone/>
             </a:pPr>
             <a:endParaRPr lang="en-US" sz="1600" dirty="0">
-              <a:latin typeface="Arial" pitchFamily="18"/>
-              <a:ea typeface="Microsoft YaHei" pitchFamily="2"/>
-              <a:cs typeface="Lucida Sans" pitchFamily="2"/>
+              <a:latin typeface="Arial" panose="020B0604020202020204" pitchFamily="18"/>
+              <a:ea typeface="Microsoft YaHei" panose="020B0503020204020204" pitchFamily="2" charset="-122"/>
+              <a:cs typeface="Lucida Sans" panose="020B0602030504020204" pitchFamily="2"/>
             </a:endParaRPr>
           </a:p>
         </p:txBody>
@@ -26979,12 +27072,12 @@
               <a:gd name="f98" fmla="*/ f95 f29 1"/>
             </a:gdLst>
             <a:ahLst>
-              <a:ahXY gdRefX="f0" minX="f7" maxX="f10" gdRefY="" minY="0" maxY="0">
+              <a:ahXY gdRefX="f0" minX="f7" maxX="f10">
                 <a:pos x="f36" y="f37"/>
               </a:ahXY>
             </a:ahLst>
             <a:cxnLst>
-              <a:cxn ang="3cd4">
+              <a:cxn ang="3">
                 <a:pos x="hc" y="t"/>
               </a:cxn>
               <a:cxn ang="0">
@@ -27089,9 +27182,9 @@
               <a:buNone/>
             </a:pPr>
             <a:endParaRPr lang="en-US" sz="1600" dirty="0">
-              <a:latin typeface="Arial" pitchFamily="18"/>
-              <a:ea typeface="Microsoft YaHei" pitchFamily="2"/>
-              <a:cs typeface="Lucida Sans" pitchFamily="2"/>
+              <a:latin typeface="Arial" panose="020B0604020202020204" pitchFamily="18"/>
+              <a:ea typeface="Microsoft YaHei" panose="020B0503020204020204" pitchFamily="2" charset="-122"/>
+              <a:cs typeface="Lucida Sans" panose="020B0602030504020204" pitchFamily="2"/>
             </a:endParaRPr>
           </a:p>
         </p:txBody>
@@ -27212,12 +27305,12 @@
               <a:gd name="f98" fmla="*/ f95 f29 1"/>
             </a:gdLst>
             <a:ahLst>
-              <a:ahXY gdRefX="f0" minX="f7" maxX="f10" gdRefY="" minY="0" maxY="0">
+              <a:ahXY gdRefX="f0" minX="f7" maxX="f10">
                 <a:pos x="f36" y="f37"/>
               </a:ahXY>
             </a:ahLst>
             <a:cxnLst>
-              <a:cxn ang="3cd4">
+              <a:cxn ang="3">
                 <a:pos x="hc" y="t"/>
               </a:cxn>
               <a:cxn ang="0">
@@ -27322,9 +27415,9 @@
               <a:buNone/>
             </a:pPr>
             <a:endParaRPr lang="en-US" sz="1600" dirty="0">
-              <a:latin typeface="Arial" pitchFamily="18"/>
-              <a:ea typeface="Microsoft YaHei" pitchFamily="2"/>
-              <a:cs typeface="Lucida Sans" pitchFamily="2"/>
+              <a:latin typeface="Arial" panose="020B0604020202020204" pitchFamily="18"/>
+              <a:ea typeface="Microsoft YaHei" panose="020B0503020204020204" pitchFamily="2" charset="-122"/>
+              <a:cs typeface="Lucida Sans" panose="020B0602030504020204" pitchFamily="2"/>
             </a:endParaRPr>
           </a:p>
         </p:txBody>
@@ -27445,12 +27538,12 @@
               <a:gd name="f98" fmla="*/ f95 f29 1"/>
             </a:gdLst>
             <a:ahLst>
-              <a:ahXY gdRefX="f0" minX="f7" maxX="f10" gdRefY="" minY="0" maxY="0">
+              <a:ahXY gdRefX="f0" minX="f7" maxX="f10">
                 <a:pos x="f36" y="f37"/>
               </a:ahXY>
             </a:ahLst>
             <a:cxnLst>
-              <a:cxn ang="3cd4">
+              <a:cxn ang="3">
                 <a:pos x="hc" y="t"/>
               </a:cxn>
               <a:cxn ang="0">
@@ -27555,9 +27648,9 @@
               <a:buNone/>
             </a:pPr>
             <a:endParaRPr lang="en-US" sz="1600" dirty="0">
-              <a:latin typeface="Arial" pitchFamily="18"/>
-              <a:ea typeface="Microsoft YaHei" pitchFamily="2"/>
-              <a:cs typeface="Lucida Sans" pitchFamily="2"/>
+              <a:latin typeface="Arial" panose="020B0604020202020204" pitchFamily="18"/>
+              <a:ea typeface="Microsoft YaHei" panose="020B0503020204020204" pitchFamily="2" charset="-122"/>
+              <a:cs typeface="Lucida Sans" panose="020B0602030504020204" pitchFamily="2"/>
             </a:endParaRPr>
           </a:p>
         </p:txBody>
@@ -27644,16 +27737,16 @@
             </a:pPr>
             <a:r>
               <a:rPr lang="en-US" sz="1600" b="1" dirty="0" smtClean="0">
-                <a:latin typeface="Arial" pitchFamily="18"/>
-                <a:ea typeface="Microsoft YaHei" pitchFamily="2"/>
-                <a:cs typeface="Lucida Sans" pitchFamily="2"/>
+                <a:latin typeface="Arial" panose="020B0604020202020204" pitchFamily="18"/>
+                <a:ea typeface="Microsoft YaHei" panose="020B0503020204020204" pitchFamily="2" charset="-122"/>
+                <a:cs typeface="Lucida Sans" panose="020B0602030504020204" pitchFamily="2"/>
               </a:rPr>
               <a:t>NAV</a:t>
             </a:r>
             <a:endParaRPr lang="en-US" sz="1600" b="1" dirty="0">
-              <a:latin typeface="Arial" pitchFamily="18"/>
-              <a:ea typeface="Microsoft YaHei" pitchFamily="2"/>
-              <a:cs typeface="Lucida Sans" pitchFamily="2"/>
+              <a:latin typeface="Arial" panose="020B0604020202020204" pitchFamily="18"/>
+              <a:ea typeface="Microsoft YaHei" panose="020B0503020204020204" pitchFamily="2" charset="-122"/>
+              <a:cs typeface="Lucida Sans" panose="020B0602030504020204" pitchFamily="2"/>
             </a:endParaRPr>
           </a:p>
         </p:txBody>
@@ -27774,12 +27867,12 @@
               <a:gd name="f98" fmla="*/ f95 f29 1"/>
             </a:gdLst>
             <a:ahLst>
-              <a:ahXY gdRefX="f0" minX="f7" maxX="f10" gdRefY="" minY="0" maxY="0">
+              <a:ahXY gdRefX="f0" minX="f7" maxX="f10">
                 <a:pos x="f36" y="f37"/>
               </a:ahXY>
             </a:ahLst>
             <a:cxnLst>
-              <a:cxn ang="3cd4">
+              <a:cxn ang="3">
                 <a:pos x="hc" y="t"/>
               </a:cxn>
               <a:cxn ang="0">
@@ -27884,9 +27977,9 @@
               <a:buNone/>
             </a:pPr>
             <a:endParaRPr lang="en-US" sz="1600" dirty="0">
-              <a:latin typeface="Arial" pitchFamily="18"/>
-              <a:ea typeface="Microsoft YaHei" pitchFamily="2"/>
-              <a:cs typeface="Lucida Sans" pitchFamily="2"/>
+              <a:latin typeface="Arial" panose="020B0604020202020204" pitchFamily="18"/>
+              <a:ea typeface="Microsoft YaHei" panose="020B0503020204020204" pitchFamily="2" charset="-122"/>
+              <a:cs typeface="Lucida Sans" panose="020B0602030504020204" pitchFamily="2"/>
             </a:endParaRPr>
           </a:p>
         </p:txBody>
@@ -28007,12 +28100,12 @@
               <a:gd name="f98" fmla="*/ f95 f29 1"/>
             </a:gdLst>
             <a:ahLst>
-              <a:ahXY gdRefX="f0" minX="f7" maxX="f10" gdRefY="" minY="0" maxY="0">
+              <a:ahXY gdRefX="f0" minX="f7" maxX="f10">
                 <a:pos x="f36" y="f37"/>
               </a:ahXY>
             </a:ahLst>
             <a:cxnLst>
-              <a:cxn ang="3cd4">
+              <a:cxn ang="3">
                 <a:pos x="hc" y="t"/>
               </a:cxn>
               <a:cxn ang="0">
@@ -28117,9 +28210,9 @@
               <a:buNone/>
             </a:pPr>
             <a:endParaRPr lang="en-US" sz="1600" dirty="0">
-              <a:latin typeface="Arial" pitchFamily="18"/>
-              <a:ea typeface="Microsoft YaHei" pitchFamily="2"/>
-              <a:cs typeface="Lucida Sans" pitchFamily="2"/>
+              <a:latin typeface="Arial" panose="020B0604020202020204" pitchFamily="18"/>
+              <a:ea typeface="Microsoft YaHei" panose="020B0503020204020204" pitchFamily="2" charset="-122"/>
+              <a:cs typeface="Lucida Sans" panose="020B0602030504020204" pitchFamily="2"/>
             </a:endParaRPr>
           </a:p>
         </p:txBody>
@@ -28240,12 +28333,12 @@
               <a:gd name="f98" fmla="*/ f95 f29 1"/>
             </a:gdLst>
             <a:ahLst>
-              <a:ahXY gdRefX="f0" minX="f7" maxX="f10" gdRefY="" minY="0" maxY="0">
+              <a:ahXY gdRefX="f0" minX="f7" maxX="f10">
                 <a:pos x="f36" y="f37"/>
               </a:ahXY>
             </a:ahLst>
             <a:cxnLst>
-              <a:cxn ang="3cd4">
+              <a:cxn ang="3">
                 <a:pos x="hc" y="t"/>
               </a:cxn>
               <a:cxn ang="0">
@@ -28350,9 +28443,9 @@
               <a:buNone/>
             </a:pPr>
             <a:endParaRPr lang="en-US" sz="1600" dirty="0">
-              <a:latin typeface="Arial" pitchFamily="18"/>
-              <a:ea typeface="Microsoft YaHei" pitchFamily="2"/>
-              <a:cs typeface="Lucida Sans" pitchFamily="2"/>
+              <a:latin typeface="Arial" panose="020B0604020202020204" pitchFamily="18"/>
+              <a:ea typeface="Microsoft YaHei" panose="020B0503020204020204" pitchFamily="2" charset="-122"/>
+              <a:cs typeface="Lucida Sans" panose="020B0602030504020204" pitchFamily="2"/>
             </a:endParaRPr>
           </a:p>
         </p:txBody>
@@ -28473,12 +28566,12 @@
               <a:gd name="f98" fmla="*/ f95 f29 1"/>
             </a:gdLst>
             <a:ahLst>
-              <a:ahXY gdRefX="f0" minX="f7" maxX="f10" gdRefY="" minY="0" maxY="0">
+              <a:ahXY gdRefX="f0" minX="f7" maxX="f10">
                 <a:pos x="f36" y="f37"/>
               </a:ahXY>
             </a:ahLst>
             <a:cxnLst>
-              <a:cxn ang="3cd4">
+              <a:cxn ang="3">
                 <a:pos x="hc" y="t"/>
               </a:cxn>
               <a:cxn ang="0">
@@ -28583,9 +28676,9 @@
               <a:buNone/>
             </a:pPr>
             <a:endParaRPr lang="en-US" sz="1600" dirty="0">
-              <a:latin typeface="Arial" pitchFamily="18"/>
-              <a:ea typeface="Microsoft YaHei" pitchFamily="2"/>
-              <a:cs typeface="Lucida Sans" pitchFamily="2"/>
+              <a:latin typeface="Arial" panose="020B0604020202020204" pitchFamily="18"/>
+              <a:ea typeface="Microsoft YaHei" panose="020B0503020204020204" pitchFamily="2" charset="-122"/>
+              <a:cs typeface="Lucida Sans" panose="020B0602030504020204" pitchFamily="2"/>
             </a:endParaRPr>
           </a:p>
         </p:txBody>
@@ -28672,16 +28765,16 @@
             </a:pPr>
             <a:r>
               <a:rPr lang="en-US" sz="1600" dirty="0" smtClean="0">
-                <a:latin typeface="Arial" pitchFamily="18"/>
-                <a:ea typeface="Microsoft YaHei" pitchFamily="2"/>
-                <a:cs typeface="Lucida Sans" pitchFamily="2"/>
+                <a:latin typeface="Arial" panose="020B0604020202020204" pitchFamily="18"/>
+                <a:ea typeface="Microsoft YaHei" panose="020B0503020204020204" pitchFamily="2" charset="-122"/>
+                <a:cs typeface="Lucida Sans" panose="020B0602030504020204" pitchFamily="2"/>
               </a:rPr>
               <a:t>BACK</a:t>
             </a:r>
             <a:endParaRPr lang="en-US" sz="1600" dirty="0">
-              <a:latin typeface="Arial" pitchFamily="18"/>
-              <a:ea typeface="Microsoft YaHei" pitchFamily="2"/>
-              <a:cs typeface="Lucida Sans" pitchFamily="2"/>
+              <a:latin typeface="Arial" panose="020B0604020202020204" pitchFamily="18"/>
+              <a:ea typeface="Microsoft YaHei" panose="020B0503020204020204" pitchFamily="2" charset="-122"/>
+              <a:cs typeface="Lucida Sans" panose="020B0602030504020204" pitchFamily="2"/>
             </a:endParaRPr>
           </a:p>
         </p:txBody>
@@ -28768,16 +28861,16 @@
             </a:pPr>
             <a:r>
               <a:rPr lang="en-US" sz="1600" dirty="0" smtClean="0">
-                <a:latin typeface="Arial" pitchFamily="18"/>
-                <a:ea typeface="Microsoft YaHei" pitchFamily="2"/>
-                <a:cs typeface="Lucida Sans" pitchFamily="2"/>
+                <a:latin typeface="Arial" panose="020B0604020202020204" pitchFamily="18"/>
+                <a:ea typeface="Microsoft YaHei" panose="020B0503020204020204" pitchFamily="2" charset="-122"/>
+                <a:cs typeface="Lucida Sans" panose="020B0602030504020204" pitchFamily="2"/>
               </a:rPr>
               <a:t>HOME</a:t>
             </a:r>
             <a:endParaRPr lang="en-US" sz="1600" dirty="0">
-              <a:latin typeface="Arial" pitchFamily="18"/>
-              <a:ea typeface="Microsoft YaHei" pitchFamily="2"/>
-              <a:cs typeface="Lucida Sans" pitchFamily="2"/>
+              <a:latin typeface="Arial" panose="020B0604020202020204" pitchFamily="18"/>
+              <a:ea typeface="Microsoft YaHei" panose="020B0503020204020204" pitchFamily="2" charset="-122"/>
+              <a:cs typeface="Lucida Sans" panose="020B0602030504020204" pitchFamily="2"/>
             </a:endParaRPr>
           </a:p>
         </p:txBody>
@@ -28864,16 +28957,16 @@
             </a:pPr>
             <a:r>
               <a:rPr lang="en-US" sz="1600" dirty="0" smtClean="0">
-                <a:latin typeface="Arial" pitchFamily="18"/>
-                <a:ea typeface="Microsoft YaHei" pitchFamily="2"/>
-                <a:cs typeface="Lucida Sans" pitchFamily="2"/>
+                <a:latin typeface="Arial" panose="020B0604020202020204" pitchFamily="18"/>
+                <a:ea typeface="Microsoft YaHei" panose="020B0503020204020204" pitchFamily="2" charset="-122"/>
+                <a:cs typeface="Lucida Sans" panose="020B0602030504020204" pitchFamily="2"/>
               </a:rPr>
               <a:t>OK</a:t>
             </a:r>
             <a:endParaRPr lang="en-US" sz="1600" dirty="0">
-              <a:latin typeface="Arial" pitchFamily="18"/>
-              <a:ea typeface="Microsoft YaHei" pitchFamily="2"/>
-              <a:cs typeface="Lucida Sans" pitchFamily="2"/>
+              <a:latin typeface="Arial" panose="020B0604020202020204" pitchFamily="18"/>
+              <a:ea typeface="Microsoft YaHei" panose="020B0503020204020204" pitchFamily="2" charset="-122"/>
+              <a:cs typeface="Lucida Sans" panose="020B0602030504020204" pitchFamily="2"/>
             </a:endParaRPr>
           </a:p>
         </p:txBody>
@@ -28960,16 +29053,16 @@
             </a:pPr>
             <a:r>
               <a:rPr lang="en-US" sz="1600" dirty="0" smtClean="0">
-                <a:latin typeface="Arial" pitchFamily="18"/>
-                <a:ea typeface="Microsoft YaHei" pitchFamily="2"/>
-                <a:cs typeface="Lucida Sans" pitchFamily="2"/>
+                <a:latin typeface="Arial" panose="020B0604020202020204" pitchFamily="18"/>
+                <a:ea typeface="Microsoft YaHei" panose="020B0503020204020204" pitchFamily="2" charset="-122"/>
+                <a:cs typeface="Lucida Sans" panose="020B0602030504020204" pitchFamily="2"/>
               </a:rPr>
               <a:t>SWAP</a:t>
             </a:r>
             <a:endParaRPr lang="en-US" sz="1600" dirty="0">
-              <a:latin typeface="Arial" pitchFamily="18"/>
-              <a:ea typeface="Microsoft YaHei" pitchFamily="2"/>
-              <a:cs typeface="Lucida Sans" pitchFamily="2"/>
+              <a:latin typeface="Arial" panose="020B0604020202020204" pitchFamily="18"/>
+              <a:ea typeface="Microsoft YaHei" panose="020B0503020204020204" pitchFamily="2" charset="-122"/>
+              <a:cs typeface="Lucida Sans" panose="020B0602030504020204" pitchFamily="2"/>
             </a:endParaRPr>
           </a:p>
         </p:txBody>
@@ -29090,12 +29183,12 @@
               <a:gd name="f98" fmla="*/ f95 f29 1"/>
             </a:gdLst>
             <a:ahLst>
-              <a:ahXY gdRefX="f0" minX="f7" maxX="f10" gdRefY="" minY="0" maxY="0">
+              <a:ahXY gdRefX="f0" minX="f7" maxX="f10">
                 <a:pos x="f36" y="f37"/>
               </a:ahXY>
             </a:ahLst>
             <a:cxnLst>
-              <a:cxn ang="3cd4">
+              <a:cxn ang="3">
                 <a:pos x="hc" y="t"/>
               </a:cxn>
               <a:cxn ang="0">
@@ -29200,9 +29293,9 @@
               <a:buNone/>
             </a:pPr>
             <a:endParaRPr lang="en-US" sz="1600" dirty="0">
-              <a:latin typeface="Arial" pitchFamily="18"/>
-              <a:ea typeface="Microsoft YaHei" pitchFamily="2"/>
-              <a:cs typeface="Lucida Sans" pitchFamily="2"/>
+              <a:latin typeface="Arial" panose="020B0604020202020204" pitchFamily="18"/>
+              <a:ea typeface="Microsoft YaHei" panose="020B0503020204020204" pitchFamily="2" charset="-122"/>
+              <a:cs typeface="Lucida Sans" panose="020B0602030504020204" pitchFamily="2"/>
             </a:endParaRPr>
           </a:p>
         </p:txBody>
@@ -29323,12 +29416,12 @@
               <a:gd name="f98" fmla="*/ f95 f29 1"/>
             </a:gdLst>
             <a:ahLst>
-              <a:ahXY gdRefX="f0" minX="f7" maxX="f10" gdRefY="" minY="0" maxY="0">
+              <a:ahXY gdRefX="f0" minX="f7" maxX="f10">
                 <a:pos x="f36" y="f37"/>
               </a:ahXY>
             </a:ahLst>
             <a:cxnLst>
-              <a:cxn ang="3cd4">
+              <a:cxn ang="3">
                 <a:pos x="hc" y="t"/>
               </a:cxn>
               <a:cxn ang="0">
@@ -29433,9 +29526,9 @@
               <a:buNone/>
             </a:pPr>
             <a:endParaRPr lang="en-US" sz="1600" dirty="0">
-              <a:latin typeface="Arial" pitchFamily="18"/>
-              <a:ea typeface="Microsoft YaHei" pitchFamily="2"/>
-              <a:cs typeface="Lucida Sans" pitchFamily="2"/>
+              <a:latin typeface="Arial" panose="020B0604020202020204" pitchFamily="18"/>
+              <a:ea typeface="Microsoft YaHei" panose="020B0503020204020204" pitchFamily="2" charset="-122"/>
+              <a:cs typeface="Lucida Sans" panose="020B0602030504020204" pitchFamily="2"/>
             </a:endParaRPr>
           </a:p>
         </p:txBody>
@@ -29556,12 +29649,12 @@
               <a:gd name="f98" fmla="*/ f95 f29 1"/>
             </a:gdLst>
             <a:ahLst>
-              <a:ahXY gdRefX="f0" minX="f7" maxX="f10" gdRefY="" minY="0" maxY="0">
+              <a:ahXY gdRefX="f0" minX="f7" maxX="f10">
                 <a:pos x="f36" y="f37"/>
               </a:ahXY>
             </a:ahLst>
             <a:cxnLst>
-              <a:cxn ang="3cd4">
+              <a:cxn ang="3">
                 <a:pos x="hc" y="t"/>
               </a:cxn>
               <a:cxn ang="0">
@@ -29666,9 +29759,9 @@
               <a:buNone/>
             </a:pPr>
             <a:endParaRPr lang="en-US" sz="1600" dirty="0">
-              <a:latin typeface="Arial" pitchFamily="18"/>
-              <a:ea typeface="Microsoft YaHei" pitchFamily="2"/>
-              <a:cs typeface="Lucida Sans" pitchFamily="2"/>
+              <a:latin typeface="Arial" panose="020B0604020202020204" pitchFamily="18"/>
+              <a:ea typeface="Microsoft YaHei" panose="020B0503020204020204" pitchFamily="2" charset="-122"/>
+              <a:cs typeface="Lucida Sans" panose="020B0602030504020204" pitchFamily="2"/>
             </a:endParaRPr>
           </a:p>
         </p:txBody>
@@ -29789,12 +29882,12 @@
               <a:gd name="f98" fmla="*/ f95 f29 1"/>
             </a:gdLst>
             <a:ahLst>
-              <a:ahXY gdRefX="f0" minX="f7" maxX="f10" gdRefY="" minY="0" maxY="0">
+              <a:ahXY gdRefX="f0" minX="f7" maxX="f10">
                 <a:pos x="f36" y="f37"/>
               </a:ahXY>
             </a:ahLst>
             <a:cxnLst>
-              <a:cxn ang="3cd4">
+              <a:cxn ang="3">
                 <a:pos x="hc" y="t"/>
               </a:cxn>
               <a:cxn ang="0">
@@ -29899,9 +29992,9 @@
               <a:buNone/>
             </a:pPr>
             <a:endParaRPr lang="en-US" sz="1600" dirty="0">
-              <a:latin typeface="Arial" pitchFamily="18"/>
-              <a:ea typeface="Microsoft YaHei" pitchFamily="2"/>
-              <a:cs typeface="Lucida Sans" pitchFamily="2"/>
+              <a:latin typeface="Arial" panose="020B0604020202020204" pitchFamily="18"/>
+              <a:ea typeface="Microsoft YaHei" panose="020B0503020204020204" pitchFamily="2" charset="-122"/>
+              <a:cs typeface="Lucida Sans" panose="020B0602030504020204" pitchFamily="2"/>
             </a:endParaRPr>
           </a:p>
         </p:txBody>
@@ -29929,7 +30022,7 @@
           <a:lstStyle/>
           <a:p>
             <a:pPr>
-              <a:buFont typeface="Arial" pitchFamily="34" charset="0"/>
+              <a:buFont typeface="Arial" panose="020B0604020202020204" pitchFamily="34" charset="0"/>
               <a:buChar char="•"/>
             </a:pPr>
             <a:r>
@@ -29956,7 +30049,7 @@
           </a:p>
           <a:p>
             <a:pPr>
-              <a:buFont typeface="Arial" pitchFamily="34" charset="0"/>
+              <a:buFont typeface="Arial" panose="020B0604020202020204" pitchFamily="34" charset="0"/>
               <a:buChar char="•"/>
             </a:pPr>
             <a:r>
@@ -29983,7 +30076,7 @@
           </a:p>
           <a:p>
             <a:pPr>
-              <a:buFont typeface="Arial" pitchFamily="34" charset="0"/>
+              <a:buFont typeface="Arial" panose="020B0604020202020204" pitchFamily="34" charset="0"/>
               <a:buChar char="•"/>
             </a:pPr>
             <a:r>
@@ -29994,7 +30087,7 @@
           </a:p>
           <a:p>
             <a:pPr>
-              <a:buFont typeface="Arial" pitchFamily="34" charset="0"/>
+              <a:buFont typeface="Arial" panose="020B0604020202020204" pitchFamily="34" charset="0"/>
               <a:buChar char="•"/>
             </a:pPr>
             <a:r>
@@ -30009,7 +30102,7 @@
           </a:p>
           <a:p>
             <a:pPr>
-              <a:buFont typeface="Arial" pitchFamily="34" charset="0"/>
+              <a:buFont typeface="Arial" panose="020B0604020202020204" pitchFamily="34" charset="0"/>
               <a:buChar char="•"/>
             </a:pPr>
             <a:endParaRPr lang="en-US" sz="1300" dirty="0"/>
@@ -30264,12 +30357,12 @@
               <a:gd name="f98" fmla="*/ f95 f29 1"/>
             </a:gdLst>
             <a:ahLst>
-              <a:ahXY gdRefX="f0" minX="f7" maxX="f10" gdRefY="" minY="0" maxY="0">
+              <a:ahXY gdRefX="f0" minX="f7" maxX="f10">
                 <a:pos x="f36" y="f37"/>
               </a:ahXY>
             </a:ahLst>
             <a:cxnLst>
-              <a:cxn ang="3cd4">
+              <a:cxn ang="3">
                 <a:pos x="hc" y="t"/>
               </a:cxn>
               <a:cxn ang="0">
@@ -30374,9 +30467,9 @@
               <a:buNone/>
             </a:pPr>
             <a:endParaRPr lang="en-US" sz="1600" dirty="0">
-              <a:latin typeface="Arial" pitchFamily="18"/>
-              <a:ea typeface="Microsoft YaHei" pitchFamily="2"/>
-              <a:cs typeface="Lucida Sans" pitchFamily="2"/>
+              <a:latin typeface="Arial" panose="020B0604020202020204" pitchFamily="18"/>
+              <a:ea typeface="Microsoft YaHei" panose="020B0503020204020204" pitchFamily="2" charset="-122"/>
+              <a:cs typeface="Lucida Sans" panose="020B0602030504020204" pitchFamily="2"/>
             </a:endParaRPr>
           </a:p>
         </p:txBody>
@@ -30497,12 +30590,12 @@
               <a:gd name="f98" fmla="*/ f95 f29 1"/>
             </a:gdLst>
             <a:ahLst>
-              <a:ahXY gdRefX="f0" minX="f7" maxX="f10" gdRefY="" minY="0" maxY="0">
+              <a:ahXY gdRefX="f0" minX="f7" maxX="f10">
                 <a:pos x="f36" y="f37"/>
               </a:ahXY>
             </a:ahLst>
             <a:cxnLst>
-              <a:cxn ang="3cd4">
+              <a:cxn ang="3">
                 <a:pos x="hc" y="t"/>
               </a:cxn>
               <a:cxn ang="0">
@@ -30607,9 +30700,9 @@
               <a:buNone/>
             </a:pPr>
             <a:endParaRPr lang="en-US" sz="1600" dirty="0">
-              <a:latin typeface="Arial" pitchFamily="18"/>
-              <a:ea typeface="Microsoft YaHei" pitchFamily="2"/>
-              <a:cs typeface="Lucida Sans" pitchFamily="2"/>
+              <a:latin typeface="Arial" panose="020B0604020202020204" pitchFamily="18"/>
+              <a:ea typeface="Microsoft YaHei" panose="020B0503020204020204" pitchFamily="2" charset="-122"/>
+              <a:cs typeface="Lucida Sans" panose="020B0602030504020204" pitchFamily="2"/>
             </a:endParaRPr>
           </a:p>
         </p:txBody>
@@ -30696,16 +30789,16 @@
             </a:pPr>
             <a:r>
               <a:rPr lang="en-US" sz="1600" dirty="0" smtClean="0">
-                <a:latin typeface="Arial" pitchFamily="18"/>
-                <a:ea typeface="Microsoft YaHei" pitchFamily="2"/>
-                <a:cs typeface="Lucida Sans" pitchFamily="2"/>
+                <a:latin typeface="Arial" panose="020B0604020202020204" pitchFamily="18"/>
+                <a:ea typeface="Microsoft YaHei" panose="020B0503020204020204" pitchFamily="2" charset="-122"/>
+                <a:cs typeface="Lucida Sans" panose="020B0602030504020204" pitchFamily="2"/>
               </a:rPr>
               <a:t>PREV</a:t>
             </a:r>
             <a:endParaRPr lang="en-US" sz="1600" dirty="0">
-              <a:latin typeface="Arial" pitchFamily="18"/>
-              <a:ea typeface="Microsoft YaHei" pitchFamily="2"/>
-              <a:cs typeface="Lucida Sans" pitchFamily="2"/>
+              <a:latin typeface="Arial" panose="020B0604020202020204" pitchFamily="18"/>
+              <a:ea typeface="Microsoft YaHei" panose="020B0503020204020204" pitchFamily="2" charset="-122"/>
+              <a:cs typeface="Lucida Sans" panose="020B0602030504020204" pitchFamily="2"/>
             </a:endParaRPr>
           </a:p>
         </p:txBody>
@@ -30792,16 +30885,16 @@
             </a:pPr>
             <a:r>
               <a:rPr lang="en-US" sz="1600" dirty="0" smtClean="0">
-                <a:latin typeface="Arial" pitchFamily="18"/>
-                <a:ea typeface="Microsoft YaHei" pitchFamily="2"/>
-                <a:cs typeface="Lucida Sans" pitchFamily="2"/>
+                <a:latin typeface="Arial" panose="020B0604020202020204" pitchFamily="18"/>
+                <a:ea typeface="Microsoft YaHei" panose="020B0503020204020204" pitchFamily="2" charset="-122"/>
+                <a:cs typeface="Lucida Sans" panose="020B0602030504020204" pitchFamily="2"/>
               </a:rPr>
               <a:t>NEXT</a:t>
             </a:r>
             <a:endParaRPr lang="en-US" sz="1600" dirty="0">
-              <a:latin typeface="Arial" pitchFamily="18"/>
-              <a:ea typeface="Microsoft YaHei" pitchFamily="2"/>
-              <a:cs typeface="Lucida Sans" pitchFamily="2"/>
+              <a:latin typeface="Arial" panose="020B0604020202020204" pitchFamily="18"/>
+              <a:ea typeface="Microsoft YaHei" panose="020B0503020204020204" pitchFamily="2" charset="-122"/>
+              <a:cs typeface="Lucida Sans" panose="020B0602030504020204" pitchFamily="2"/>
             </a:endParaRPr>
           </a:p>
         </p:txBody>
@@ -31208,24 +31301,24 @@
             </a:pPr>
             <a:r>
               <a:rPr lang="en-US" sz="1300" b="1" dirty="0">
-                <a:latin typeface="Arial" pitchFamily="18"/>
-                <a:ea typeface="Microsoft YaHei" pitchFamily="2"/>
-                <a:cs typeface="Lucida Sans" pitchFamily="2"/>
+                <a:latin typeface="Arial" panose="020B0604020202020204" pitchFamily="18"/>
+                <a:ea typeface="Microsoft YaHei" panose="020B0503020204020204" pitchFamily="2" charset="-122"/>
+                <a:cs typeface="Lucida Sans" panose="020B0602030504020204" pitchFamily="2"/>
               </a:rPr>
               <a:t>S </a:t>
             </a:r>
             <a:r>
               <a:rPr lang="en-US" sz="1300" b="1" dirty="0" smtClean="0">
-                <a:latin typeface="Arial" pitchFamily="18"/>
-                <a:ea typeface="Microsoft YaHei" pitchFamily="2"/>
-                <a:cs typeface="Lucida Sans" pitchFamily="2"/>
+                <a:latin typeface="Arial" panose="020B0604020202020204" pitchFamily="18"/>
+                <a:ea typeface="Microsoft YaHei" panose="020B0503020204020204" pitchFamily="2" charset="-122"/>
+                <a:cs typeface="Lucida Sans" panose="020B0602030504020204" pitchFamily="2"/>
               </a:rPr>
               <a:t>120.250</a:t>
             </a:r>
             <a:endParaRPr lang="en-US" sz="1300" b="1" dirty="0">
-              <a:latin typeface="Arial" pitchFamily="18"/>
-              <a:ea typeface="Microsoft YaHei" pitchFamily="2"/>
-              <a:cs typeface="Lucida Sans" pitchFamily="2"/>
+              <a:latin typeface="Arial" panose="020B0604020202020204" pitchFamily="18"/>
+              <a:ea typeface="Microsoft YaHei" panose="020B0503020204020204" pitchFamily="2" charset="-122"/>
+              <a:cs typeface="Lucida Sans" panose="020B0602030504020204" pitchFamily="2"/>
             </a:endParaRPr>
           </a:p>
         </p:txBody>
@@ -31312,16 +31405,16 @@
             </a:pPr>
             <a:r>
               <a:rPr lang="en-US" sz="1300" b="1" dirty="0" smtClean="0">
-                <a:latin typeface="Arial" pitchFamily="18"/>
-                <a:ea typeface="Microsoft YaHei" pitchFamily="2"/>
-                <a:cs typeface="Lucida Sans" pitchFamily="2"/>
+                <a:latin typeface="Arial" panose="020B0604020202020204" pitchFamily="18"/>
+                <a:ea typeface="Microsoft YaHei" panose="020B0503020204020204" pitchFamily="2" charset="-122"/>
+                <a:cs typeface="Lucida Sans" panose="020B0602030504020204" pitchFamily="2"/>
               </a:rPr>
               <a:t>PROG</a:t>
             </a:r>
             <a:endParaRPr lang="en-US" sz="1300" b="1" dirty="0">
-              <a:latin typeface="Arial" pitchFamily="18"/>
-              <a:ea typeface="Microsoft YaHei" pitchFamily="2"/>
-              <a:cs typeface="Lucida Sans" pitchFamily="2"/>
+              <a:latin typeface="Arial" panose="020B0604020202020204" pitchFamily="18"/>
+              <a:ea typeface="Microsoft YaHei" panose="020B0503020204020204" pitchFamily="2" charset="-122"/>
+              <a:cs typeface="Lucida Sans" panose="020B0602030504020204" pitchFamily="2"/>
             </a:endParaRPr>
           </a:p>
         </p:txBody>
@@ -31442,24 +31535,24 @@
             </a:pPr>
             <a:r>
               <a:rPr lang="en-US" sz="2000" b="1" dirty="0">
-                <a:latin typeface="Arial" pitchFamily="18"/>
-                <a:ea typeface="Microsoft YaHei" pitchFamily="2"/>
-                <a:cs typeface="Lucida Sans" pitchFamily="2"/>
+                <a:latin typeface="Arial" panose="020B0604020202020204" pitchFamily="18"/>
+                <a:ea typeface="Microsoft YaHei" panose="020B0503020204020204" pitchFamily="2" charset="-122"/>
+                <a:cs typeface="Lucida Sans" panose="020B0602030504020204" pitchFamily="2"/>
               </a:rPr>
               <a:t>A </a:t>
             </a:r>
             <a:r>
               <a:rPr lang="en-US" sz="2000" b="1" dirty="0" smtClean="0">
-                <a:latin typeface="Arial" pitchFamily="18"/>
-                <a:ea typeface="Microsoft YaHei" pitchFamily="2"/>
-                <a:cs typeface="Lucida Sans" pitchFamily="2"/>
+                <a:latin typeface="Arial" panose="020B0604020202020204" pitchFamily="18"/>
+                <a:ea typeface="Microsoft YaHei" panose="020B0503020204020204" pitchFamily="2" charset="-122"/>
+                <a:cs typeface="Lucida Sans" panose="020B0602030504020204" pitchFamily="2"/>
               </a:rPr>
               <a:t>118.00 </a:t>
             </a:r>
             <a:endParaRPr lang="en-US" sz="2000" b="1" dirty="0">
-              <a:latin typeface="Arial" pitchFamily="18"/>
-              <a:ea typeface="Microsoft YaHei" pitchFamily="2"/>
-              <a:cs typeface="Lucida Sans" pitchFamily="2"/>
+              <a:latin typeface="Arial" panose="020B0604020202020204" pitchFamily="18"/>
+              <a:ea typeface="Microsoft YaHei" panose="020B0503020204020204" pitchFamily="2" charset="-122"/>
+              <a:cs typeface="Lucida Sans" panose="020B0602030504020204" pitchFamily="2"/>
             </a:endParaRPr>
           </a:p>
         </p:txBody>
@@ -31546,12 +31639,17 @@
             </a:pPr>
             <a:r>
               <a:rPr lang="en-US" sz="1300" b="1" dirty="0">
-                <a:latin typeface="Arial" pitchFamily="18"/>
-                <a:ea typeface="Microsoft YaHei" pitchFamily="2"/>
-                <a:cs typeface="Lucida Sans" pitchFamily="2"/>
+                <a:latin typeface="Arial" panose="020B0604020202020204" pitchFamily="18"/>
+                <a:ea typeface="Microsoft YaHei" panose="020B0503020204020204" pitchFamily="2" charset="-122"/>
+                <a:cs typeface="Lucida Sans" panose="020B0602030504020204" pitchFamily="2"/>
               </a:rPr>
               <a:t>P 1</a:t>
             </a:r>
+            <a:endParaRPr lang="en-US" sz="1300" b="1" dirty="0">
+              <a:latin typeface="Arial" panose="020B0604020202020204" pitchFamily="18"/>
+              <a:ea typeface="Microsoft YaHei" panose="020B0503020204020204" pitchFamily="2" charset="-122"/>
+              <a:cs typeface="Lucida Sans" panose="020B0602030504020204" pitchFamily="2"/>
+            </a:endParaRPr>
           </a:p>
         </p:txBody>
       </p:sp>
@@ -31637,12 +31735,17 @@
             </a:pPr>
             <a:r>
               <a:rPr lang="en-US" sz="1300" b="1" dirty="0">
-                <a:latin typeface="Arial" pitchFamily="18"/>
-                <a:ea typeface="Microsoft YaHei" pitchFamily="2"/>
-                <a:cs typeface="Lucida Sans" pitchFamily="2"/>
+                <a:latin typeface="Arial" panose="020B0604020202020204" pitchFamily="18"/>
+                <a:ea typeface="Microsoft YaHei" panose="020B0503020204020204" pitchFamily="2" charset="-122"/>
+                <a:cs typeface="Lucida Sans" panose="020B0602030504020204" pitchFamily="2"/>
               </a:rPr>
               <a:t>P 2</a:t>
             </a:r>
+            <a:endParaRPr lang="en-US" sz="1300" b="1" dirty="0">
+              <a:latin typeface="Arial" panose="020B0604020202020204" pitchFamily="18"/>
+              <a:ea typeface="Microsoft YaHei" panose="020B0503020204020204" pitchFamily="2" charset="-122"/>
+              <a:cs typeface="Lucida Sans" panose="020B0602030504020204" pitchFamily="2"/>
+            </a:endParaRPr>
           </a:p>
         </p:txBody>
       </p:sp>
@@ -31728,12 +31831,17 @@
             </a:pPr>
             <a:r>
               <a:rPr lang="en-US" sz="1300" b="1" dirty="0">
-                <a:latin typeface="Arial" pitchFamily="18"/>
-                <a:ea typeface="Microsoft YaHei" pitchFamily="2"/>
-                <a:cs typeface="Lucida Sans" pitchFamily="2"/>
+                <a:latin typeface="Arial" panose="020B0604020202020204" pitchFamily="18"/>
+                <a:ea typeface="Microsoft YaHei" panose="020B0503020204020204" pitchFamily="2" charset="-122"/>
+                <a:cs typeface="Lucida Sans" panose="020B0602030504020204" pitchFamily="2"/>
               </a:rPr>
               <a:t>P 3</a:t>
             </a:r>
+            <a:endParaRPr lang="en-US" sz="1300" b="1" dirty="0">
+              <a:latin typeface="Arial" panose="020B0604020202020204" pitchFamily="18"/>
+              <a:ea typeface="Microsoft YaHei" panose="020B0503020204020204" pitchFamily="2" charset="-122"/>
+              <a:cs typeface="Lucida Sans" panose="020B0602030504020204" pitchFamily="2"/>
+            </a:endParaRPr>
           </a:p>
         </p:txBody>
       </p:sp>
@@ -31819,12 +31927,17 @@
             </a:pPr>
             <a:r>
               <a:rPr lang="en-US" sz="1300" b="1" dirty="0">
-                <a:latin typeface="Arial" pitchFamily="18"/>
-                <a:ea typeface="Microsoft YaHei" pitchFamily="2"/>
-                <a:cs typeface="Lucida Sans" pitchFamily="2"/>
+                <a:latin typeface="Arial" panose="020B0604020202020204" pitchFamily="18"/>
+                <a:ea typeface="Microsoft YaHei" panose="020B0503020204020204" pitchFamily="2" charset="-122"/>
+                <a:cs typeface="Lucida Sans" panose="020B0602030504020204" pitchFamily="2"/>
               </a:rPr>
               <a:t>P 4</a:t>
             </a:r>
+            <a:endParaRPr lang="en-US" sz="1300" b="1" dirty="0">
+              <a:latin typeface="Arial" panose="020B0604020202020204" pitchFamily="18"/>
+              <a:ea typeface="Microsoft YaHei" panose="020B0503020204020204" pitchFamily="2" charset="-122"/>
+              <a:cs typeface="Lucida Sans" panose="020B0602030504020204" pitchFamily="2"/>
+            </a:endParaRPr>
           </a:p>
         </p:txBody>
       </p:sp>
@@ -31910,16 +32023,16 @@
             </a:pPr>
             <a:r>
               <a:rPr lang="en-US" sz="1300" b="1" dirty="0" smtClean="0">
-                <a:latin typeface="Arial" pitchFamily="18"/>
-                <a:ea typeface="Microsoft YaHei" pitchFamily="2"/>
-                <a:cs typeface="Lucida Sans" pitchFamily="2"/>
+                <a:latin typeface="Arial" panose="020B0604020202020204" pitchFamily="18"/>
+                <a:ea typeface="Microsoft YaHei" panose="020B0503020204020204" pitchFamily="2" charset="-122"/>
+                <a:cs typeface="Lucida Sans" panose="020B0602030504020204" pitchFamily="2"/>
               </a:rPr>
               <a:t>VOL</a:t>
             </a:r>
             <a:endParaRPr lang="en-US" sz="1300" b="1" dirty="0">
-              <a:latin typeface="Arial" pitchFamily="18"/>
-              <a:ea typeface="Microsoft YaHei" pitchFamily="2"/>
-              <a:cs typeface="Lucida Sans" pitchFamily="2"/>
+              <a:latin typeface="Arial" panose="020B0604020202020204" pitchFamily="18"/>
+              <a:ea typeface="Microsoft YaHei" panose="020B0503020204020204" pitchFamily="2" charset="-122"/>
+              <a:cs typeface="Lucida Sans" panose="020B0602030504020204" pitchFamily="2"/>
             </a:endParaRPr>
           </a:p>
         </p:txBody>
@@ -32006,16 +32119,16 @@
             </a:pPr>
             <a:r>
               <a:rPr lang="en-US" sz="1300" b="1" dirty="0" smtClean="0">
-                <a:latin typeface="Arial" pitchFamily="18"/>
-                <a:ea typeface="Microsoft YaHei" pitchFamily="2"/>
-                <a:cs typeface="Lucida Sans" pitchFamily="2"/>
+                <a:latin typeface="Arial" panose="020B0604020202020204" pitchFamily="18"/>
+                <a:ea typeface="Microsoft YaHei" panose="020B0503020204020204" pitchFamily="2" charset="-122"/>
+                <a:cs typeface="Lucida Sans" panose="020B0602030504020204" pitchFamily="2"/>
               </a:rPr>
               <a:t>PROG</a:t>
             </a:r>
             <a:endParaRPr lang="en-US" sz="1300" b="1" dirty="0">
-              <a:latin typeface="Arial" pitchFamily="18"/>
-              <a:ea typeface="Microsoft YaHei" pitchFamily="2"/>
-              <a:cs typeface="Lucida Sans" pitchFamily="2"/>
+              <a:latin typeface="Arial" panose="020B0604020202020204" pitchFamily="18"/>
+              <a:ea typeface="Microsoft YaHei" panose="020B0503020204020204" pitchFamily="2" charset="-122"/>
+              <a:cs typeface="Lucida Sans" panose="020B0602030504020204" pitchFamily="2"/>
             </a:endParaRPr>
           </a:p>
         </p:txBody>
@@ -32151,10 +32264,6 @@
               </a:rPr>
               <a:t>Nav Selected</a:t>
             </a:r>
-            <a:r>
-              <a:rPr lang="en-US" sz="2500" dirty="0"/>
-              <a:t/>
-            </a:r>
             <a:br>
               <a:rPr lang="en-US" sz="2500" dirty="0"/>
             </a:br>
@@ -32245,9 +32354,9 @@
               <a:buNone/>
             </a:pPr>
             <a:endParaRPr lang="en-US" sz="1600" dirty="0">
-              <a:latin typeface="Arial" pitchFamily="18"/>
-              <a:ea typeface="Microsoft YaHei" pitchFamily="2"/>
-              <a:cs typeface="Lucida Sans" pitchFamily="2"/>
+              <a:latin typeface="Arial" panose="020B0604020202020204" pitchFamily="18"/>
+              <a:ea typeface="Microsoft YaHei" panose="020B0503020204020204" pitchFamily="2" charset="-122"/>
+              <a:cs typeface="Lucida Sans" panose="020B0602030504020204" pitchFamily="2"/>
             </a:endParaRPr>
           </a:p>
         </p:txBody>
@@ -32368,12 +32477,12 @@
               <a:gd name="f98" fmla="*/ f95 f29 1"/>
             </a:gdLst>
             <a:ahLst>
-              <a:ahXY gdRefX="f0" minX="f7" maxX="f10" gdRefY="" minY="0" maxY="0">
+              <a:ahXY gdRefX="f0" minX="f7" maxX="f10">
                 <a:pos x="f36" y="f37"/>
               </a:ahXY>
             </a:ahLst>
             <a:cxnLst>
-              <a:cxn ang="3cd4">
+              <a:cxn ang="3">
                 <a:pos x="hc" y="t"/>
               </a:cxn>
               <a:cxn ang="0">
@@ -32478,9 +32587,9 @@
               <a:buNone/>
             </a:pPr>
             <a:endParaRPr lang="en-US" sz="1600" dirty="0">
-              <a:latin typeface="Arial" pitchFamily="18"/>
-              <a:ea typeface="Microsoft YaHei" pitchFamily="2"/>
-              <a:cs typeface="Lucida Sans" pitchFamily="2"/>
+              <a:latin typeface="Arial" panose="020B0604020202020204" pitchFamily="18"/>
+              <a:ea typeface="Microsoft YaHei" panose="020B0503020204020204" pitchFamily="2" charset="-122"/>
+              <a:cs typeface="Lucida Sans" panose="020B0602030504020204" pitchFamily="2"/>
             </a:endParaRPr>
           </a:p>
         </p:txBody>
@@ -32601,12 +32710,12 @@
               <a:gd name="f98" fmla="*/ f95 f29 1"/>
             </a:gdLst>
             <a:ahLst>
-              <a:ahXY gdRefX="f0" minX="f7" maxX="f10" gdRefY="" minY="0" maxY="0">
+              <a:ahXY gdRefX="f0" minX="f7" maxX="f10">
                 <a:pos x="f36" y="f37"/>
               </a:ahXY>
             </a:ahLst>
             <a:cxnLst>
-              <a:cxn ang="3cd4">
+              <a:cxn ang="3">
                 <a:pos x="hc" y="t"/>
               </a:cxn>
               <a:cxn ang="0">
@@ -32711,9 +32820,9 @@
               <a:buNone/>
             </a:pPr>
             <a:endParaRPr lang="en-US" sz="1600" dirty="0">
-              <a:latin typeface="Arial" pitchFamily="18"/>
-              <a:ea typeface="Microsoft YaHei" pitchFamily="2"/>
-              <a:cs typeface="Lucida Sans" pitchFamily="2"/>
+              <a:latin typeface="Arial" panose="020B0604020202020204" pitchFamily="18"/>
+              <a:ea typeface="Microsoft YaHei" panose="020B0503020204020204" pitchFamily="2" charset="-122"/>
+              <a:cs typeface="Lucida Sans" panose="020B0602030504020204" pitchFamily="2"/>
             </a:endParaRPr>
           </a:p>
         </p:txBody>
@@ -32834,12 +32943,12 @@
               <a:gd name="f98" fmla="*/ f95 f29 1"/>
             </a:gdLst>
             <a:ahLst>
-              <a:ahXY gdRefX="f0" minX="f7" maxX="f10" gdRefY="" minY="0" maxY="0">
+              <a:ahXY gdRefX="f0" minX="f7" maxX="f10">
                 <a:pos x="f36" y="f37"/>
               </a:ahXY>
             </a:ahLst>
             <a:cxnLst>
-              <a:cxn ang="3cd4">
+              <a:cxn ang="3">
                 <a:pos x="hc" y="t"/>
               </a:cxn>
               <a:cxn ang="0">
@@ -32944,9 +33053,9 @@
               <a:buNone/>
             </a:pPr>
             <a:endParaRPr lang="en-US" sz="1600" dirty="0">
-              <a:latin typeface="Arial" pitchFamily="18"/>
-              <a:ea typeface="Microsoft YaHei" pitchFamily="2"/>
-              <a:cs typeface="Lucida Sans" pitchFamily="2"/>
+              <a:latin typeface="Arial" panose="020B0604020202020204" pitchFamily="18"/>
+              <a:ea typeface="Microsoft YaHei" panose="020B0503020204020204" pitchFamily="2" charset="-122"/>
+              <a:cs typeface="Lucida Sans" panose="020B0602030504020204" pitchFamily="2"/>
             </a:endParaRPr>
           </a:p>
         </p:txBody>
@@ -33067,12 +33176,12 @@
               <a:gd name="f98" fmla="*/ f95 f29 1"/>
             </a:gdLst>
             <a:ahLst>
-              <a:ahXY gdRefX="f0" minX="f7" maxX="f10" gdRefY="" minY="0" maxY="0">
+              <a:ahXY gdRefX="f0" minX="f7" maxX="f10">
                 <a:pos x="f36" y="f37"/>
               </a:ahXY>
             </a:ahLst>
             <a:cxnLst>
-              <a:cxn ang="3cd4">
+              <a:cxn ang="3">
                 <a:pos x="hc" y="t"/>
               </a:cxn>
               <a:cxn ang="0">
@@ -33177,9 +33286,9 @@
               <a:buNone/>
             </a:pPr>
             <a:endParaRPr lang="en-US" sz="1600" dirty="0">
-              <a:latin typeface="Arial" pitchFamily="18"/>
-              <a:ea typeface="Microsoft YaHei" pitchFamily="2"/>
-              <a:cs typeface="Lucida Sans" pitchFamily="2"/>
+              <a:latin typeface="Arial" panose="020B0604020202020204" pitchFamily="18"/>
+              <a:ea typeface="Microsoft YaHei" panose="020B0503020204020204" pitchFamily="2" charset="-122"/>
+              <a:cs typeface="Lucida Sans" panose="020B0602030504020204" pitchFamily="2"/>
             </a:endParaRPr>
           </a:p>
         </p:txBody>
@@ -33266,16 +33375,16 @@
             </a:pPr>
             <a:r>
               <a:rPr lang="en-US" sz="1600" b="1" dirty="0" smtClean="0">
-                <a:latin typeface="Arial" pitchFamily="18"/>
-                <a:ea typeface="Microsoft YaHei" pitchFamily="2"/>
-                <a:cs typeface="Lucida Sans" pitchFamily="2"/>
+                <a:latin typeface="Arial" panose="020B0604020202020204" pitchFamily="18"/>
+                <a:ea typeface="Microsoft YaHei" panose="020B0503020204020204" pitchFamily="2" charset="-122"/>
+                <a:cs typeface="Lucida Sans" panose="020B0602030504020204" pitchFamily="2"/>
               </a:rPr>
               <a:t>NAV</a:t>
             </a:r>
             <a:endParaRPr lang="en-US" sz="1600" b="1" dirty="0">
-              <a:latin typeface="Arial" pitchFamily="18"/>
-              <a:ea typeface="Microsoft YaHei" pitchFamily="2"/>
-              <a:cs typeface="Lucida Sans" pitchFamily="2"/>
+              <a:latin typeface="Arial" panose="020B0604020202020204" pitchFamily="18"/>
+              <a:ea typeface="Microsoft YaHei" panose="020B0503020204020204" pitchFamily="2" charset="-122"/>
+              <a:cs typeface="Lucida Sans" panose="020B0602030504020204" pitchFamily="2"/>
             </a:endParaRPr>
           </a:p>
         </p:txBody>
@@ -33396,12 +33505,12 @@
               <a:gd name="f98" fmla="*/ f95 f29 1"/>
             </a:gdLst>
             <a:ahLst>
-              <a:ahXY gdRefX="f0" minX="f7" maxX="f10" gdRefY="" minY="0" maxY="0">
+              <a:ahXY gdRefX="f0" minX="f7" maxX="f10">
                 <a:pos x="f36" y="f37"/>
               </a:ahXY>
             </a:ahLst>
             <a:cxnLst>
-              <a:cxn ang="3cd4">
+              <a:cxn ang="3">
                 <a:pos x="hc" y="t"/>
               </a:cxn>
               <a:cxn ang="0">
@@ -33506,9 +33615,9 @@
               <a:buNone/>
             </a:pPr>
             <a:endParaRPr lang="en-US" sz="1600" dirty="0">
-              <a:latin typeface="Arial" pitchFamily="18"/>
-              <a:ea typeface="Microsoft YaHei" pitchFamily="2"/>
-              <a:cs typeface="Lucida Sans" pitchFamily="2"/>
+              <a:latin typeface="Arial" panose="020B0604020202020204" pitchFamily="18"/>
+              <a:ea typeface="Microsoft YaHei" panose="020B0503020204020204" pitchFamily="2" charset="-122"/>
+              <a:cs typeface="Lucida Sans" panose="020B0602030504020204" pitchFamily="2"/>
             </a:endParaRPr>
           </a:p>
         </p:txBody>
@@ -33629,12 +33738,12 @@
               <a:gd name="f98" fmla="*/ f95 f29 1"/>
             </a:gdLst>
             <a:ahLst>
-              <a:ahXY gdRefX="f0" minX="f7" maxX="f10" gdRefY="" minY="0" maxY="0">
+              <a:ahXY gdRefX="f0" minX="f7" maxX="f10">
                 <a:pos x="f36" y="f37"/>
               </a:ahXY>
             </a:ahLst>
             <a:cxnLst>
-              <a:cxn ang="3cd4">
+              <a:cxn ang="3">
                 <a:pos x="hc" y="t"/>
               </a:cxn>
               <a:cxn ang="0">
@@ -33739,9 +33848,9 @@
               <a:buNone/>
             </a:pPr>
             <a:endParaRPr lang="en-US" sz="1600" dirty="0">
-              <a:latin typeface="Arial" pitchFamily="18"/>
-              <a:ea typeface="Microsoft YaHei" pitchFamily="2"/>
-              <a:cs typeface="Lucida Sans" pitchFamily="2"/>
+              <a:latin typeface="Arial" panose="020B0604020202020204" pitchFamily="18"/>
+              <a:ea typeface="Microsoft YaHei" panose="020B0503020204020204" pitchFamily="2" charset="-122"/>
+              <a:cs typeface="Lucida Sans" panose="020B0602030504020204" pitchFamily="2"/>
             </a:endParaRPr>
           </a:p>
         </p:txBody>
@@ -33862,12 +33971,12 @@
               <a:gd name="f98" fmla="*/ f95 f29 1"/>
             </a:gdLst>
             <a:ahLst>
-              <a:ahXY gdRefX="f0" minX="f7" maxX="f10" gdRefY="" minY="0" maxY="0">
+              <a:ahXY gdRefX="f0" minX="f7" maxX="f10">
                 <a:pos x="f36" y="f37"/>
               </a:ahXY>
             </a:ahLst>
             <a:cxnLst>
-              <a:cxn ang="3cd4">
+              <a:cxn ang="3">
                 <a:pos x="hc" y="t"/>
               </a:cxn>
               <a:cxn ang="0">
@@ -33972,9 +34081,9 @@
               <a:buNone/>
             </a:pPr>
             <a:endParaRPr lang="en-US" sz="1600" dirty="0">
-              <a:latin typeface="Arial" pitchFamily="18"/>
-              <a:ea typeface="Microsoft YaHei" pitchFamily="2"/>
-              <a:cs typeface="Lucida Sans" pitchFamily="2"/>
+              <a:latin typeface="Arial" panose="020B0604020202020204" pitchFamily="18"/>
+              <a:ea typeface="Microsoft YaHei" panose="020B0503020204020204" pitchFamily="2" charset="-122"/>
+              <a:cs typeface="Lucida Sans" panose="020B0602030504020204" pitchFamily="2"/>
             </a:endParaRPr>
           </a:p>
         </p:txBody>
@@ -34095,12 +34204,12 @@
               <a:gd name="f98" fmla="*/ f95 f29 1"/>
             </a:gdLst>
             <a:ahLst>
-              <a:ahXY gdRefX="f0" minX="f7" maxX="f10" gdRefY="" minY="0" maxY="0">
+              <a:ahXY gdRefX="f0" minX="f7" maxX="f10">
                 <a:pos x="f36" y="f37"/>
               </a:ahXY>
             </a:ahLst>
             <a:cxnLst>
-              <a:cxn ang="3cd4">
+              <a:cxn ang="3">
                 <a:pos x="hc" y="t"/>
               </a:cxn>
               <a:cxn ang="0">
@@ -34205,9 +34314,9 @@
               <a:buNone/>
             </a:pPr>
             <a:endParaRPr lang="en-US" sz="1600" dirty="0">
-              <a:latin typeface="Arial" pitchFamily="18"/>
-              <a:ea typeface="Microsoft YaHei" pitchFamily="2"/>
-              <a:cs typeface="Lucida Sans" pitchFamily="2"/>
+              <a:latin typeface="Arial" panose="020B0604020202020204" pitchFamily="18"/>
+              <a:ea typeface="Microsoft YaHei" panose="020B0503020204020204" pitchFamily="2" charset="-122"/>
+              <a:cs typeface="Lucida Sans" panose="020B0602030504020204" pitchFamily="2"/>
             </a:endParaRPr>
           </a:p>
         </p:txBody>
@@ -34294,16 +34403,16 @@
             </a:pPr>
             <a:r>
               <a:rPr lang="en-US" sz="1600" dirty="0" smtClean="0">
-                <a:latin typeface="Arial" pitchFamily="18"/>
-                <a:ea typeface="Microsoft YaHei" pitchFamily="2"/>
-                <a:cs typeface="Lucida Sans" pitchFamily="2"/>
+                <a:latin typeface="Arial" panose="020B0604020202020204" pitchFamily="18"/>
+                <a:ea typeface="Microsoft YaHei" panose="020B0503020204020204" pitchFamily="2" charset="-122"/>
+                <a:cs typeface="Lucida Sans" panose="020B0602030504020204" pitchFamily="2"/>
               </a:rPr>
               <a:t>BACK</a:t>
             </a:r>
             <a:endParaRPr lang="en-US" sz="1600" dirty="0">
-              <a:latin typeface="Arial" pitchFamily="18"/>
-              <a:ea typeface="Microsoft YaHei" pitchFamily="2"/>
-              <a:cs typeface="Lucida Sans" pitchFamily="2"/>
+              <a:latin typeface="Arial" panose="020B0604020202020204" pitchFamily="18"/>
+              <a:ea typeface="Microsoft YaHei" panose="020B0503020204020204" pitchFamily="2" charset="-122"/>
+              <a:cs typeface="Lucida Sans" panose="020B0602030504020204" pitchFamily="2"/>
             </a:endParaRPr>
           </a:p>
         </p:txBody>
@@ -34390,16 +34499,16 @@
             </a:pPr>
             <a:r>
               <a:rPr lang="en-US" sz="1600" dirty="0" smtClean="0">
-                <a:latin typeface="Arial" pitchFamily="18"/>
-                <a:ea typeface="Microsoft YaHei" pitchFamily="2"/>
-                <a:cs typeface="Lucida Sans" pitchFamily="2"/>
+                <a:latin typeface="Arial" panose="020B0604020202020204" pitchFamily="18"/>
+                <a:ea typeface="Microsoft YaHei" panose="020B0503020204020204" pitchFamily="2" charset="-122"/>
+                <a:cs typeface="Lucida Sans" panose="020B0602030504020204" pitchFamily="2"/>
               </a:rPr>
               <a:t>HOME</a:t>
             </a:r>
             <a:endParaRPr lang="en-US" sz="1600" dirty="0">
-              <a:latin typeface="Arial" pitchFamily="18"/>
-              <a:ea typeface="Microsoft YaHei" pitchFamily="2"/>
-              <a:cs typeface="Lucida Sans" pitchFamily="2"/>
+              <a:latin typeface="Arial" panose="020B0604020202020204" pitchFamily="18"/>
+              <a:ea typeface="Microsoft YaHei" panose="020B0503020204020204" pitchFamily="2" charset="-122"/>
+              <a:cs typeface="Lucida Sans" panose="020B0602030504020204" pitchFamily="2"/>
             </a:endParaRPr>
           </a:p>
         </p:txBody>
@@ -34486,16 +34595,16 @@
             </a:pPr>
             <a:r>
               <a:rPr lang="en-US" sz="1600" dirty="0" smtClean="0">
-                <a:latin typeface="Arial" pitchFamily="18"/>
-                <a:ea typeface="Microsoft YaHei" pitchFamily="2"/>
-                <a:cs typeface="Lucida Sans" pitchFamily="2"/>
+                <a:latin typeface="Arial" panose="020B0604020202020204" pitchFamily="18"/>
+                <a:ea typeface="Microsoft YaHei" panose="020B0503020204020204" pitchFamily="2" charset="-122"/>
+                <a:cs typeface="Lucida Sans" panose="020B0602030504020204" pitchFamily="2"/>
               </a:rPr>
               <a:t>OK</a:t>
             </a:r>
             <a:endParaRPr lang="en-US" sz="1600" dirty="0">
-              <a:latin typeface="Arial" pitchFamily="18"/>
-              <a:ea typeface="Microsoft YaHei" pitchFamily="2"/>
-              <a:cs typeface="Lucida Sans" pitchFamily="2"/>
+              <a:latin typeface="Arial" panose="020B0604020202020204" pitchFamily="18"/>
+              <a:ea typeface="Microsoft YaHei" panose="020B0503020204020204" pitchFamily="2" charset="-122"/>
+              <a:cs typeface="Lucida Sans" panose="020B0602030504020204" pitchFamily="2"/>
             </a:endParaRPr>
           </a:p>
         </p:txBody>
@@ -34582,16 +34691,16 @@
             </a:pPr>
             <a:r>
               <a:rPr lang="en-US" sz="1600" dirty="0" smtClean="0">
-                <a:latin typeface="Arial" pitchFamily="18"/>
-                <a:ea typeface="Microsoft YaHei" pitchFamily="2"/>
-                <a:cs typeface="Lucida Sans" pitchFamily="2"/>
+                <a:latin typeface="Arial" panose="020B0604020202020204" pitchFamily="18"/>
+                <a:ea typeface="Microsoft YaHei" panose="020B0503020204020204" pitchFamily="2" charset="-122"/>
+                <a:cs typeface="Lucida Sans" panose="020B0602030504020204" pitchFamily="2"/>
               </a:rPr>
               <a:t>SWAP</a:t>
             </a:r>
             <a:endParaRPr lang="en-US" sz="1600" dirty="0">
-              <a:latin typeface="Arial" pitchFamily="18"/>
-              <a:ea typeface="Microsoft YaHei" pitchFamily="2"/>
-              <a:cs typeface="Lucida Sans" pitchFamily="2"/>
+              <a:latin typeface="Arial" panose="020B0604020202020204" pitchFamily="18"/>
+              <a:ea typeface="Microsoft YaHei" panose="020B0503020204020204" pitchFamily="2" charset="-122"/>
+              <a:cs typeface="Lucida Sans" panose="020B0602030504020204" pitchFamily="2"/>
             </a:endParaRPr>
           </a:p>
         </p:txBody>
@@ -34712,12 +34821,12 @@
               <a:gd name="f98" fmla="*/ f95 f29 1"/>
             </a:gdLst>
             <a:ahLst>
-              <a:ahXY gdRefX="f0" minX="f7" maxX="f10" gdRefY="" minY="0" maxY="0">
+              <a:ahXY gdRefX="f0" minX="f7" maxX="f10">
                 <a:pos x="f36" y="f37"/>
               </a:ahXY>
             </a:ahLst>
             <a:cxnLst>
-              <a:cxn ang="3cd4">
+              <a:cxn ang="3">
                 <a:pos x="hc" y="t"/>
               </a:cxn>
               <a:cxn ang="0">
@@ -34822,9 +34931,9 @@
               <a:buNone/>
             </a:pPr>
             <a:endParaRPr lang="en-US" sz="1600" dirty="0">
-              <a:latin typeface="Arial" pitchFamily="18"/>
-              <a:ea typeface="Microsoft YaHei" pitchFamily="2"/>
-              <a:cs typeface="Lucida Sans" pitchFamily="2"/>
+              <a:latin typeface="Arial" panose="020B0604020202020204" pitchFamily="18"/>
+              <a:ea typeface="Microsoft YaHei" panose="020B0503020204020204" pitchFamily="2" charset="-122"/>
+              <a:cs typeface="Lucida Sans" panose="020B0602030504020204" pitchFamily="2"/>
             </a:endParaRPr>
           </a:p>
         </p:txBody>
@@ -34945,12 +35054,12 @@
               <a:gd name="f98" fmla="*/ f95 f29 1"/>
             </a:gdLst>
             <a:ahLst>
-              <a:ahXY gdRefX="f0" minX="f7" maxX="f10" gdRefY="" minY="0" maxY="0">
+              <a:ahXY gdRefX="f0" minX="f7" maxX="f10">
                 <a:pos x="f36" y="f37"/>
               </a:ahXY>
             </a:ahLst>
             <a:cxnLst>
-              <a:cxn ang="3cd4">
+              <a:cxn ang="3">
                 <a:pos x="hc" y="t"/>
               </a:cxn>
               <a:cxn ang="0">
@@ -35055,9 +35164,9 @@
               <a:buNone/>
             </a:pPr>
             <a:endParaRPr lang="en-US" sz="1600" dirty="0">
-              <a:latin typeface="Arial" pitchFamily="18"/>
-              <a:ea typeface="Microsoft YaHei" pitchFamily="2"/>
-              <a:cs typeface="Lucida Sans" pitchFamily="2"/>
+              <a:latin typeface="Arial" panose="020B0604020202020204" pitchFamily="18"/>
+              <a:ea typeface="Microsoft YaHei" panose="020B0503020204020204" pitchFamily="2" charset="-122"/>
+              <a:cs typeface="Lucida Sans" panose="020B0602030504020204" pitchFamily="2"/>
             </a:endParaRPr>
           </a:p>
         </p:txBody>
@@ -35178,12 +35287,12 @@
               <a:gd name="f98" fmla="*/ f95 f29 1"/>
             </a:gdLst>
             <a:ahLst>
-              <a:ahXY gdRefX="f0" minX="f7" maxX="f10" gdRefY="" minY="0" maxY="0">
+              <a:ahXY gdRefX="f0" minX="f7" maxX="f10">
                 <a:pos x="f36" y="f37"/>
               </a:ahXY>
             </a:ahLst>
             <a:cxnLst>
-              <a:cxn ang="3cd4">
+              <a:cxn ang="3">
                 <a:pos x="hc" y="t"/>
               </a:cxn>
               <a:cxn ang="0">
@@ -35288,9 +35397,9 @@
               <a:buNone/>
             </a:pPr>
             <a:endParaRPr lang="en-US" sz="1600" dirty="0">
-              <a:latin typeface="Arial" pitchFamily="18"/>
-              <a:ea typeface="Microsoft YaHei" pitchFamily="2"/>
-              <a:cs typeface="Lucida Sans" pitchFamily="2"/>
+              <a:latin typeface="Arial" panose="020B0604020202020204" pitchFamily="18"/>
+              <a:ea typeface="Microsoft YaHei" panose="020B0503020204020204" pitchFamily="2" charset="-122"/>
+              <a:cs typeface="Lucida Sans" panose="020B0602030504020204" pitchFamily="2"/>
             </a:endParaRPr>
           </a:p>
         </p:txBody>
@@ -35411,12 +35520,12 @@
               <a:gd name="f98" fmla="*/ f95 f29 1"/>
             </a:gdLst>
             <a:ahLst>
-              <a:ahXY gdRefX="f0" minX="f7" maxX="f10" gdRefY="" minY="0" maxY="0">
+              <a:ahXY gdRefX="f0" minX="f7" maxX="f10">
                 <a:pos x="f36" y="f37"/>
               </a:ahXY>
             </a:ahLst>
             <a:cxnLst>
-              <a:cxn ang="3cd4">
+              <a:cxn ang="3">
                 <a:pos x="hc" y="t"/>
               </a:cxn>
               <a:cxn ang="0">
@@ -35521,9 +35630,9 @@
               <a:buNone/>
             </a:pPr>
             <a:endParaRPr lang="en-US" sz="1600" dirty="0">
-              <a:latin typeface="Arial" pitchFamily="18"/>
-              <a:ea typeface="Microsoft YaHei" pitchFamily="2"/>
-              <a:cs typeface="Lucida Sans" pitchFamily="2"/>
+              <a:latin typeface="Arial" panose="020B0604020202020204" pitchFamily="18"/>
+              <a:ea typeface="Microsoft YaHei" panose="020B0503020204020204" pitchFamily="2" charset="-122"/>
+              <a:cs typeface="Lucida Sans" panose="020B0602030504020204" pitchFamily="2"/>
             </a:endParaRPr>
           </a:p>
         </p:txBody>
@@ -35776,12 +35885,12 @@
               <a:gd name="f98" fmla="*/ f95 f29 1"/>
             </a:gdLst>
             <a:ahLst>
-              <a:ahXY gdRefX="f0" minX="f7" maxX="f10" gdRefY="" minY="0" maxY="0">
+              <a:ahXY gdRefX="f0" minX="f7" maxX="f10">
                 <a:pos x="f36" y="f37"/>
               </a:ahXY>
             </a:ahLst>
             <a:cxnLst>
-              <a:cxn ang="3cd4">
+              <a:cxn ang="3">
                 <a:pos x="hc" y="t"/>
               </a:cxn>
               <a:cxn ang="0">
@@ -35886,9 +35995,9 @@
               <a:buNone/>
             </a:pPr>
             <a:endParaRPr lang="en-US" sz="1600" dirty="0">
-              <a:latin typeface="Arial" pitchFamily="18"/>
-              <a:ea typeface="Microsoft YaHei" pitchFamily="2"/>
-              <a:cs typeface="Lucida Sans" pitchFamily="2"/>
+              <a:latin typeface="Arial" panose="020B0604020202020204" pitchFamily="18"/>
+              <a:ea typeface="Microsoft YaHei" panose="020B0503020204020204" pitchFamily="2" charset="-122"/>
+              <a:cs typeface="Lucida Sans" panose="020B0602030504020204" pitchFamily="2"/>
             </a:endParaRPr>
           </a:p>
         </p:txBody>
@@ -36009,12 +36118,12 @@
               <a:gd name="f98" fmla="*/ f95 f29 1"/>
             </a:gdLst>
             <a:ahLst>
-              <a:ahXY gdRefX="f0" minX="f7" maxX="f10" gdRefY="" minY="0" maxY="0">
+              <a:ahXY gdRefX="f0" minX="f7" maxX="f10">
                 <a:pos x="f36" y="f37"/>
               </a:ahXY>
             </a:ahLst>
             <a:cxnLst>
-              <a:cxn ang="3cd4">
+              <a:cxn ang="3">
                 <a:pos x="hc" y="t"/>
               </a:cxn>
               <a:cxn ang="0">
@@ -36119,9 +36228,9 @@
               <a:buNone/>
             </a:pPr>
             <a:endParaRPr lang="en-US" sz="1600" dirty="0">
-              <a:latin typeface="Arial" pitchFamily="18"/>
-              <a:ea typeface="Microsoft YaHei" pitchFamily="2"/>
-              <a:cs typeface="Lucida Sans" pitchFamily="2"/>
+              <a:latin typeface="Arial" panose="020B0604020202020204" pitchFamily="18"/>
+              <a:ea typeface="Microsoft YaHei" panose="020B0503020204020204" pitchFamily="2" charset="-122"/>
+              <a:cs typeface="Lucida Sans" panose="020B0602030504020204" pitchFamily="2"/>
             </a:endParaRPr>
           </a:p>
         </p:txBody>
@@ -36208,16 +36317,16 @@
             </a:pPr>
             <a:r>
               <a:rPr lang="en-US" sz="1600" dirty="0" smtClean="0">
-                <a:latin typeface="Arial" pitchFamily="18"/>
-                <a:ea typeface="Microsoft YaHei" pitchFamily="2"/>
-                <a:cs typeface="Lucida Sans" pitchFamily="2"/>
+                <a:latin typeface="Arial" panose="020B0604020202020204" pitchFamily="18"/>
+                <a:ea typeface="Microsoft YaHei" panose="020B0503020204020204" pitchFamily="2" charset="-122"/>
+                <a:cs typeface="Lucida Sans" panose="020B0602030504020204" pitchFamily="2"/>
               </a:rPr>
               <a:t>PREV</a:t>
             </a:r>
             <a:endParaRPr lang="en-US" sz="1600" dirty="0">
-              <a:latin typeface="Arial" pitchFamily="18"/>
-              <a:ea typeface="Microsoft YaHei" pitchFamily="2"/>
-              <a:cs typeface="Lucida Sans" pitchFamily="2"/>
+              <a:latin typeface="Arial" panose="020B0604020202020204" pitchFamily="18"/>
+              <a:ea typeface="Microsoft YaHei" panose="020B0503020204020204" pitchFamily="2" charset="-122"/>
+              <a:cs typeface="Lucida Sans" panose="020B0602030504020204" pitchFamily="2"/>
             </a:endParaRPr>
           </a:p>
         </p:txBody>
@@ -36304,16 +36413,16 @@
             </a:pPr>
             <a:r>
               <a:rPr lang="en-US" sz="1600" dirty="0" smtClean="0">
-                <a:latin typeface="Arial" pitchFamily="18"/>
-                <a:ea typeface="Microsoft YaHei" pitchFamily="2"/>
-                <a:cs typeface="Lucida Sans" pitchFamily="2"/>
+                <a:latin typeface="Arial" panose="020B0604020202020204" pitchFamily="18"/>
+                <a:ea typeface="Microsoft YaHei" panose="020B0503020204020204" pitchFamily="2" charset="-122"/>
+                <a:cs typeface="Lucida Sans" panose="020B0602030504020204" pitchFamily="2"/>
               </a:rPr>
               <a:t>NEXT</a:t>
             </a:r>
             <a:endParaRPr lang="en-US" sz="1600" dirty="0">
-              <a:latin typeface="Arial" pitchFamily="18"/>
-              <a:ea typeface="Microsoft YaHei" pitchFamily="2"/>
-              <a:cs typeface="Lucida Sans" pitchFamily="2"/>
+              <a:latin typeface="Arial" panose="020B0604020202020204" pitchFamily="18"/>
+              <a:ea typeface="Microsoft YaHei" panose="020B0503020204020204" pitchFamily="2" charset="-122"/>
+              <a:cs typeface="Lucida Sans" panose="020B0602030504020204" pitchFamily="2"/>
             </a:endParaRPr>
           </a:p>
         </p:txBody>
@@ -36720,24 +36829,24 @@
             </a:pPr>
             <a:r>
               <a:rPr lang="en-US" sz="2000" b="1" dirty="0">
-                <a:latin typeface="Arial" pitchFamily="18"/>
-                <a:ea typeface="Microsoft YaHei" pitchFamily="2"/>
-                <a:cs typeface="Lucida Sans" pitchFamily="2"/>
+                <a:latin typeface="Arial" panose="020B0604020202020204" pitchFamily="18"/>
+                <a:ea typeface="Microsoft YaHei" panose="020B0503020204020204" pitchFamily="2" charset="-122"/>
+                <a:cs typeface="Lucida Sans" panose="020B0602030504020204" pitchFamily="2"/>
               </a:rPr>
               <a:t>A </a:t>
             </a:r>
             <a:r>
               <a:rPr lang="en-US" sz="2000" b="1" dirty="0" smtClean="0">
-                <a:latin typeface="Arial" pitchFamily="18"/>
-                <a:ea typeface="Microsoft YaHei" pitchFamily="2"/>
-                <a:cs typeface="Lucida Sans" pitchFamily="2"/>
+                <a:latin typeface="Arial" panose="020B0604020202020204" pitchFamily="18"/>
+                <a:ea typeface="Microsoft YaHei" panose="020B0503020204020204" pitchFamily="2" charset="-122"/>
+                <a:cs typeface="Lucida Sans" panose="020B0602030504020204" pitchFamily="2"/>
               </a:rPr>
               <a:t>118.00 </a:t>
             </a:r>
             <a:endParaRPr lang="en-US" sz="2000" b="1" dirty="0">
-              <a:latin typeface="Arial" pitchFamily="18"/>
-              <a:ea typeface="Microsoft YaHei" pitchFamily="2"/>
-              <a:cs typeface="Lucida Sans" pitchFamily="2"/>
+              <a:latin typeface="Arial" panose="020B0604020202020204" pitchFamily="18"/>
+              <a:ea typeface="Microsoft YaHei" panose="020B0503020204020204" pitchFamily="2" charset="-122"/>
+              <a:cs typeface="Lucida Sans" panose="020B0602030504020204" pitchFamily="2"/>
             </a:endParaRPr>
           </a:p>
         </p:txBody>
@@ -36824,24 +36933,24 @@
             </a:pPr>
             <a:r>
               <a:rPr lang="en-US" sz="1300" b="1" dirty="0">
-                <a:latin typeface="Arial" pitchFamily="18"/>
-                <a:ea typeface="Microsoft YaHei" pitchFamily="2"/>
-                <a:cs typeface="Lucida Sans" pitchFamily="2"/>
+                <a:latin typeface="Arial" panose="020B0604020202020204" pitchFamily="18"/>
+                <a:ea typeface="Microsoft YaHei" panose="020B0503020204020204" pitchFamily="2" charset="-122"/>
+                <a:cs typeface="Lucida Sans" panose="020B0602030504020204" pitchFamily="2"/>
               </a:rPr>
               <a:t>S </a:t>
             </a:r>
             <a:r>
               <a:rPr lang="en-US" sz="1300" b="1" dirty="0" smtClean="0">
-                <a:latin typeface="Arial" pitchFamily="18"/>
-                <a:ea typeface="Microsoft YaHei" pitchFamily="2"/>
-                <a:cs typeface="Lucida Sans" pitchFamily="2"/>
+                <a:latin typeface="Arial" panose="020B0604020202020204" pitchFamily="18"/>
+                <a:ea typeface="Microsoft YaHei" panose="020B0503020204020204" pitchFamily="2" charset="-122"/>
+                <a:cs typeface="Lucida Sans" panose="020B0602030504020204" pitchFamily="2"/>
               </a:rPr>
               <a:t>110.10</a:t>
             </a:r>
             <a:endParaRPr lang="en-US" sz="1300" b="1" dirty="0">
-              <a:latin typeface="Arial" pitchFamily="18"/>
-              <a:ea typeface="Microsoft YaHei" pitchFamily="2"/>
-              <a:cs typeface="Lucida Sans" pitchFamily="2"/>
+              <a:latin typeface="Arial" panose="020B0604020202020204" pitchFamily="18"/>
+              <a:ea typeface="Microsoft YaHei" panose="020B0503020204020204" pitchFamily="2" charset="-122"/>
+              <a:cs typeface="Lucida Sans" panose="020B0602030504020204" pitchFamily="2"/>
             </a:endParaRPr>
           </a:p>
         </p:txBody>
@@ -36928,16 +37037,16 @@
             </a:pPr>
             <a:r>
               <a:rPr lang="en-US" sz="1300" b="1" dirty="0" smtClean="0">
-                <a:latin typeface="Arial" pitchFamily="18"/>
-                <a:ea typeface="Microsoft YaHei" pitchFamily="2"/>
-                <a:cs typeface="Lucida Sans" pitchFamily="2"/>
+                <a:latin typeface="Arial" panose="020B0604020202020204" pitchFamily="18"/>
+                <a:ea typeface="Microsoft YaHei" panose="020B0503020204020204" pitchFamily="2" charset="-122"/>
+                <a:cs typeface="Lucida Sans" panose="020B0602030504020204" pitchFamily="2"/>
               </a:rPr>
               <a:t>PROG</a:t>
             </a:r>
             <a:endParaRPr lang="en-US" sz="1300" b="1" dirty="0">
-              <a:latin typeface="Arial" pitchFamily="18"/>
-              <a:ea typeface="Microsoft YaHei" pitchFamily="2"/>
-              <a:cs typeface="Lucida Sans" pitchFamily="2"/>
+              <a:latin typeface="Arial" panose="020B0604020202020204" pitchFamily="18"/>
+              <a:ea typeface="Microsoft YaHei" panose="020B0503020204020204" pitchFamily="2" charset="-122"/>
+              <a:cs typeface="Lucida Sans" panose="020B0602030504020204" pitchFamily="2"/>
             </a:endParaRPr>
           </a:p>
         </p:txBody>
@@ -37024,12 +37133,17 @@
             </a:pPr>
             <a:r>
               <a:rPr lang="en-US" sz="1300" b="1" dirty="0">
-                <a:latin typeface="Arial" pitchFamily="18"/>
-                <a:ea typeface="Microsoft YaHei" pitchFamily="2"/>
-                <a:cs typeface="Lucida Sans" pitchFamily="2"/>
+                <a:latin typeface="Arial" panose="020B0604020202020204" pitchFamily="18"/>
+                <a:ea typeface="Microsoft YaHei" panose="020B0503020204020204" pitchFamily="2" charset="-122"/>
+                <a:cs typeface="Lucida Sans" panose="020B0602030504020204" pitchFamily="2"/>
               </a:rPr>
               <a:t>P 1</a:t>
             </a:r>
+            <a:endParaRPr lang="en-US" sz="1300" b="1" dirty="0">
+              <a:latin typeface="Arial" panose="020B0604020202020204" pitchFamily="18"/>
+              <a:ea typeface="Microsoft YaHei" panose="020B0503020204020204" pitchFamily="2" charset="-122"/>
+              <a:cs typeface="Lucida Sans" panose="020B0602030504020204" pitchFamily="2"/>
+            </a:endParaRPr>
           </a:p>
         </p:txBody>
       </p:sp>
@@ -37115,12 +37229,17 @@
             </a:pPr>
             <a:r>
               <a:rPr lang="en-US" sz="1300" b="1" dirty="0">
-                <a:latin typeface="Arial" pitchFamily="18"/>
-                <a:ea typeface="Microsoft YaHei" pitchFamily="2"/>
-                <a:cs typeface="Lucida Sans" pitchFamily="2"/>
+                <a:latin typeface="Arial" panose="020B0604020202020204" pitchFamily="18"/>
+                <a:ea typeface="Microsoft YaHei" panose="020B0503020204020204" pitchFamily="2" charset="-122"/>
+                <a:cs typeface="Lucida Sans" panose="020B0602030504020204" pitchFamily="2"/>
               </a:rPr>
               <a:t>P 2</a:t>
             </a:r>
+            <a:endParaRPr lang="en-US" sz="1300" b="1" dirty="0">
+              <a:latin typeface="Arial" panose="020B0604020202020204" pitchFamily="18"/>
+              <a:ea typeface="Microsoft YaHei" panose="020B0503020204020204" pitchFamily="2" charset="-122"/>
+              <a:cs typeface="Lucida Sans" panose="020B0602030504020204" pitchFamily="2"/>
+            </a:endParaRPr>
           </a:p>
         </p:txBody>
       </p:sp>
@@ -37206,12 +37325,17 @@
             </a:pPr>
             <a:r>
               <a:rPr lang="en-US" sz="1300" b="1" dirty="0">
-                <a:latin typeface="Arial" pitchFamily="18"/>
-                <a:ea typeface="Microsoft YaHei" pitchFamily="2"/>
-                <a:cs typeface="Lucida Sans" pitchFamily="2"/>
+                <a:latin typeface="Arial" panose="020B0604020202020204" pitchFamily="18"/>
+                <a:ea typeface="Microsoft YaHei" panose="020B0503020204020204" pitchFamily="2" charset="-122"/>
+                <a:cs typeface="Lucida Sans" panose="020B0602030504020204" pitchFamily="2"/>
               </a:rPr>
               <a:t>P 3</a:t>
             </a:r>
+            <a:endParaRPr lang="en-US" sz="1300" b="1" dirty="0">
+              <a:latin typeface="Arial" panose="020B0604020202020204" pitchFamily="18"/>
+              <a:ea typeface="Microsoft YaHei" panose="020B0503020204020204" pitchFamily="2" charset="-122"/>
+              <a:cs typeface="Lucida Sans" panose="020B0602030504020204" pitchFamily="2"/>
+            </a:endParaRPr>
           </a:p>
         </p:txBody>
       </p:sp>
@@ -37297,12 +37421,17 @@
             </a:pPr>
             <a:r>
               <a:rPr lang="en-US" sz="1300" b="1" dirty="0">
-                <a:latin typeface="Arial" pitchFamily="18"/>
-                <a:ea typeface="Microsoft YaHei" pitchFamily="2"/>
-                <a:cs typeface="Lucida Sans" pitchFamily="2"/>
+                <a:latin typeface="Arial" panose="020B0604020202020204" pitchFamily="18"/>
+                <a:ea typeface="Microsoft YaHei" panose="020B0503020204020204" pitchFamily="2" charset="-122"/>
+                <a:cs typeface="Lucida Sans" panose="020B0602030504020204" pitchFamily="2"/>
               </a:rPr>
               <a:t>P 4</a:t>
             </a:r>
+            <a:endParaRPr lang="en-US" sz="1300" b="1" dirty="0">
+              <a:latin typeface="Arial" panose="020B0604020202020204" pitchFamily="18"/>
+              <a:ea typeface="Microsoft YaHei" panose="020B0503020204020204" pitchFamily="2" charset="-122"/>
+              <a:cs typeface="Lucida Sans" panose="020B0602030504020204" pitchFamily="2"/>
+            </a:endParaRPr>
           </a:p>
         </p:txBody>
       </p:sp>
@@ -37388,16 +37517,16 @@
             </a:pPr>
             <a:r>
               <a:rPr lang="en-US" sz="1300" b="1" dirty="0" smtClean="0">
-                <a:latin typeface="Arial" pitchFamily="18"/>
-                <a:ea typeface="Microsoft YaHei" pitchFamily="2"/>
-                <a:cs typeface="Lucida Sans" pitchFamily="2"/>
+                <a:latin typeface="Arial" panose="020B0604020202020204" pitchFamily="18"/>
+                <a:ea typeface="Microsoft YaHei" panose="020B0503020204020204" pitchFamily="2" charset="-122"/>
+                <a:cs typeface="Lucida Sans" panose="020B0602030504020204" pitchFamily="2"/>
               </a:rPr>
               <a:t>VOL</a:t>
             </a:r>
             <a:endParaRPr lang="en-US" sz="1300" b="1" dirty="0">
-              <a:latin typeface="Arial" pitchFamily="18"/>
-              <a:ea typeface="Microsoft YaHei" pitchFamily="2"/>
-              <a:cs typeface="Lucida Sans" pitchFamily="2"/>
+              <a:latin typeface="Arial" panose="020B0604020202020204" pitchFamily="18"/>
+              <a:ea typeface="Microsoft YaHei" panose="020B0503020204020204" pitchFamily="2" charset="-122"/>
+              <a:cs typeface="Lucida Sans" panose="020B0602030504020204" pitchFamily="2"/>
             </a:endParaRPr>
           </a:p>
         </p:txBody>
@@ -37696,8 +37825,11 @@
       </a:bgFillStyleLst>
     </a:fmtScheme>
   </a:themeElements>
-  <a:objectDefaults/>
-  <a:extraClrSchemeLst/>
+  <a:extLst>
+    <a:ext uri="{05A4C25C-085E-4340-85A3-A5531E510DB2}">
+      <thm15:themeFamily xmlns:thm15="http://schemas.microsoft.com/office/thememl/2012/main" name="Office Theme" id="{62F939B6-93AF-4DB8-9C6B-D6C7DFDC589F}" vid="{4A3C46E8-61CC-4603-A589-7422A47A8E4A}"/>
+    </a:ext>
+  </a:extLst>
 </a:theme>
 </file>
 
@@ -37979,7 +38111,10 @@
       </a:bgFillStyleLst>
     </a:fmtScheme>
   </a:themeElements>
-  <a:objectDefaults/>
-  <a:extraClrSchemeLst/>
+  <a:extLst>
+    <a:ext uri="{05A4C25C-085E-4340-85A3-A5531E510DB2}">
+      <thm15:themeFamily xmlns:thm15="http://schemas.microsoft.com/office/thememl/2012/main" name="Office Theme" id="{62F939B6-93AF-4DB8-9C6B-D6C7DFDC589F}" vid="{4A3C46E8-61CC-4603-A589-7422A47A8E4A}"/>
+    </a:ext>
+  </a:extLst>
 </a:theme>
 </file>
--- a/Docs/litrature Review/CDU screens for Nav Radio 2410141310.pptx
+++ b/Docs/litrature Review/CDU screens for Nav Radio 2410141310.pptx
@@ -18720,7 +18720,7 @@
         <p:spPr>
           <a:xfrm>
             <a:off x="762000" y="4343400"/>
-            <a:ext cx="7924800" cy="883975"/>
+            <a:ext cx="7924800" cy="882650"/>
           </a:xfrm>
           <a:prstGeom prst="rect">
             <a:avLst/>
@@ -18747,35 +18747,31 @@
             </a:r>
             <a:r>
               <a:rPr lang="en-US" sz="1300" dirty="0" smtClean="0"/>
-              <a:t>at locations P 1 to P </a:t>
+              <a:t>at locations P 1 to P 8. L</a:t>
             </a:r>
             <a:r>
               <a:rPr lang="en-US" sz="1300" dirty="0" smtClean="0"/>
-              <a:t>8. L</a:t>
+              <a:t>ocation P to P4 are shown on page </a:t>
             </a:r>
             <a:r>
               <a:rPr lang="en-US" sz="1300" dirty="0" smtClean="0"/>
-              <a:t>ocation P to </a:t>
+              <a:t>1, and locations P5 to P8 are shown on page to. Press “Next” button to see page </a:t>
             </a:r>
             <a:r>
               <a:rPr lang="en-US" sz="1300" dirty="0" smtClean="0"/>
-              <a:t>P4 are shown on page </a:t>
+              <a:t>2. Press </a:t>
+            </a:r>
+            <a:r>
+              <a:rPr lang="en-US" sz="1300" dirty="0" smtClean="0">
+                <a:highlight>
+                  <a:srgbClr val="FFFF00"/>
+                </a:highlight>
+              </a:rPr>
+              <a:t>BACK [Previous] </a:t>
             </a:r>
             <a:r>
               <a:rPr lang="en-US" sz="1300" dirty="0" smtClean="0"/>
-              <a:t>1, and locations P5 to P8 are shown on page to. Press </a:t>
-            </a:r>
-            <a:r>
-              <a:rPr lang="en-US" sz="1300" dirty="0" smtClean="0"/>
-              <a:t>“Next” button to see page </a:t>
-            </a:r>
-            <a:r>
-              <a:rPr lang="en-US" sz="1300" dirty="0" smtClean="0"/>
-              <a:t>2. </a:t>
-            </a:r>
-            <a:r>
-              <a:rPr lang="en-US" sz="1300" dirty="0" smtClean="0"/>
-              <a:t>Press BACK to go back to page 1.</a:t>
+              <a:t>to go back to page 1.</a:t>
             </a:r>
             <a:endParaRPr lang="en-US" sz="1300" dirty="0" smtClean="0"/>
           </a:p>
